--- a/Final Presentation.pptx
+++ b/Final Presentation.pptx
@@ -5,22 +5,25 @@
     <p:sldMasterId id="2147483648" r:id="rId1"/>
   </p:sldMasterIdLst>
   <p:handoutMasterIdLst>
-    <p:handoutMasterId r:id="rId15"/>
+    <p:handoutMasterId r:id="rId18"/>
   </p:handoutMasterIdLst>
   <p:sldIdLst>
     <p:sldId id="256" r:id="rId2"/>
     <p:sldId id="257" r:id="rId3"/>
-    <p:sldId id="259" r:id="rId4"/>
-    <p:sldId id="263" r:id="rId5"/>
-    <p:sldId id="264" r:id="rId6"/>
-    <p:sldId id="267" r:id="rId7"/>
-    <p:sldId id="266" r:id="rId8"/>
-    <p:sldId id="265" r:id="rId9"/>
-    <p:sldId id="268" r:id="rId10"/>
-    <p:sldId id="260" r:id="rId11"/>
-    <p:sldId id="261" r:id="rId12"/>
-    <p:sldId id="262" r:id="rId13"/>
-    <p:sldId id="258" r:id="rId14"/>
+    <p:sldId id="269" r:id="rId4"/>
+    <p:sldId id="259" r:id="rId5"/>
+    <p:sldId id="263" r:id="rId6"/>
+    <p:sldId id="264" r:id="rId7"/>
+    <p:sldId id="270" r:id="rId8"/>
+    <p:sldId id="267" r:id="rId9"/>
+    <p:sldId id="266" r:id="rId10"/>
+    <p:sldId id="265" r:id="rId11"/>
+    <p:sldId id="268" r:id="rId12"/>
+    <p:sldId id="260" r:id="rId13"/>
+    <p:sldId id="271" r:id="rId14"/>
+    <p:sldId id="261" r:id="rId15"/>
+    <p:sldId id="262" r:id="rId16"/>
+    <p:sldId id="258" r:id="rId17"/>
   </p:sldIdLst>
   <p:sldSz cx="9144000" cy="6858000" type="screen4x3"/>
   <p:notesSz cx="6858000" cy="9144000"/>
@@ -2508,16 +2511,10 @@
           <a:lstStyle/>
           <a:p>
             <a:r>
-              <a:rPr lang="en-US" altLang="en-US" dirty="0" err="1">
-                <a:latin typeface="Tahoma" panose="020B0604030504040204" pitchFamily="34" charset="0"/>
-              </a:rPr>
-              <a:t>Huricane</a:t>
-            </a:r>
-            <a:r>
               <a:rPr lang="en-US" altLang="en-US" dirty="0">
                 <a:latin typeface="Tahoma" panose="020B0604030504040204" pitchFamily="34" charset="0"/>
               </a:rPr>
-              <a:t> Harvey – Best Track Analysis</a:t>
+              <a:t>Hurricane Harvey – Best Track Analysis</a:t>
             </a:r>
             <a:endParaRPr lang="uk-UA" altLang="en-US" dirty="0">
               <a:latin typeface="Tahoma" panose="020B0604030504040204" pitchFamily="34" charset="0"/>
@@ -2619,7 +2616,7 @@
               <a:rPr lang="en-US" altLang="en-US" b="1" dirty="0">
                 <a:latin typeface="Tahoma" panose="020B0604030504040204" pitchFamily="34" charset="0"/>
               </a:rPr>
-              <a:t>Conclusions</a:t>
+              <a:t>Air Pressure</a:t>
             </a:r>
             <a:endParaRPr lang="uk-UA" altLang="en-US" b="1" dirty="0">
               <a:latin typeface="Tahoma" panose="020B0604030504040204" pitchFamily="34" charset="0"/>
@@ -2627,48 +2624,70 @@
           </a:p>
         </p:txBody>
       </p:sp>
-      <p:sp>
-        <p:nvSpPr>
-          <p:cNvPr id="36867" name="Rectangle 3">
-            <a:extLst>
-              <a:ext uri="{FF2B5EF4-FFF2-40B4-BE49-F238E27FC236}">
-                <a16:creationId xmlns:a16="http://schemas.microsoft.com/office/drawing/2014/main" id="{C23C7164-0E03-4DD7-9D9B-C0EC897A2618}"/>
-              </a:ext>
-            </a:extLst>
-          </p:cNvPr>
-          <p:cNvSpPr>
-            <a:spLocks noGrp="1" noChangeArrowheads="1"/>
-          </p:cNvSpPr>
-          <p:nvPr>
-            <p:ph type="body" idx="1"/>
-          </p:nvPr>
-        </p:nvSpPr>
+      <p:pic>
+        <p:nvPicPr>
+          <p:cNvPr id="2" name="Picture 1">
+            <a:extLst>
+              <a:ext uri="{FF2B5EF4-FFF2-40B4-BE49-F238E27FC236}">
+                <a16:creationId xmlns:a16="http://schemas.microsoft.com/office/drawing/2014/main" id="{B7DE66FD-1E44-4713-B0D6-C9E346B70396}"/>
+              </a:ext>
+            </a:extLst>
+          </p:cNvPr>
+          <p:cNvPicPr>
+            <a:picLocks noChangeAspect="1"/>
+          </p:cNvPicPr>
+          <p:nvPr/>
+        </p:nvPicPr>
+        <p:blipFill>
+          <a:blip r:embed="rId2"/>
+          <a:stretch>
+            <a:fillRect/>
+          </a:stretch>
+        </p:blipFill>
         <p:spPr>
           <a:xfrm>
-            <a:off x="1258888" y="1773238"/>
-            <a:ext cx="6769100" cy="817562"/>
-          </a:xfrm>
-        </p:spPr>
-        <p:txBody>
-          <a:bodyPr/>
-          <a:lstStyle/>
-          <a:p>
-            <a:pPr>
-              <a:lnSpc>
-                <a:spcPct val="80000"/>
-              </a:lnSpc>
-            </a:pPr>
-            <a:endParaRPr lang="en-US" altLang="ko-KR" sz="2000" dirty="0">
-              <a:latin typeface="Verdana" panose="020B0604030504040204" pitchFamily="34" charset="0"/>
-              <a:ea typeface="굴림" panose="020B0600000101010101" pitchFamily="34" charset="-127"/>
-            </a:endParaRPr>
-          </a:p>
-        </p:txBody>
-      </p:sp>
+            <a:off x="0" y="2036128"/>
+            <a:ext cx="4206240" cy="2103120"/>
+          </a:xfrm>
+          <a:prstGeom prst="rect">
+            <a:avLst/>
+          </a:prstGeom>
+        </p:spPr>
+      </p:pic>
+      <p:pic>
+        <p:nvPicPr>
+          <p:cNvPr id="3" name="Picture 2">
+            <a:extLst>
+              <a:ext uri="{FF2B5EF4-FFF2-40B4-BE49-F238E27FC236}">
+                <a16:creationId xmlns:a16="http://schemas.microsoft.com/office/drawing/2014/main" id="{2D8DBA0E-02FB-4630-9326-93B23AE86DCC}"/>
+              </a:ext>
+            </a:extLst>
+          </p:cNvPr>
+          <p:cNvPicPr>
+            <a:picLocks noChangeAspect="1"/>
+          </p:cNvPicPr>
+          <p:nvPr/>
+        </p:nvPicPr>
+        <p:blipFill>
+          <a:blip r:embed="rId3"/>
+          <a:stretch>
+            <a:fillRect/>
+          </a:stretch>
+        </p:blipFill>
+        <p:spPr>
+          <a:xfrm>
+            <a:off x="42636" y="4768850"/>
+            <a:ext cx="4206240" cy="2103120"/>
+          </a:xfrm>
+          <a:prstGeom prst="rect">
+            <a:avLst/>
+          </a:prstGeom>
+        </p:spPr>
+      </p:pic>
     </p:spTree>
     <p:extLst>
       <p:ext uri="{BB962C8B-B14F-4D97-AF65-F5344CB8AC3E}">
-        <p14:creationId xmlns:p14="http://schemas.microsoft.com/office/powerpoint/2010/main" val="3308262467"/>
+        <p14:creationId xmlns:p14="http://schemas.microsoft.com/office/powerpoint/2010/main" val="1407735642"/>
       </p:ext>
     </p:extLst>
   </p:cSld>
@@ -2725,7 +2744,7 @@
               <a:rPr lang="en-US" altLang="en-US" b="1" dirty="0">
                 <a:latin typeface="Tahoma" panose="020B0604030504040204" pitchFamily="34" charset="0"/>
               </a:rPr>
-              <a:t>Findings</a:t>
+              <a:t>Wind Speed</a:t>
             </a:r>
             <a:endParaRPr lang="uk-UA" altLang="en-US" b="1" dirty="0">
               <a:latin typeface="Tahoma" panose="020B0604030504040204" pitchFamily="34" charset="0"/>
@@ -2733,48 +2752,70 @@
           </a:p>
         </p:txBody>
       </p:sp>
-      <p:sp>
-        <p:nvSpPr>
-          <p:cNvPr id="36867" name="Rectangle 3">
-            <a:extLst>
-              <a:ext uri="{FF2B5EF4-FFF2-40B4-BE49-F238E27FC236}">
-                <a16:creationId xmlns:a16="http://schemas.microsoft.com/office/drawing/2014/main" id="{C23C7164-0E03-4DD7-9D9B-C0EC897A2618}"/>
-              </a:ext>
-            </a:extLst>
-          </p:cNvPr>
-          <p:cNvSpPr>
-            <a:spLocks noGrp="1" noChangeArrowheads="1"/>
-          </p:cNvSpPr>
-          <p:nvPr>
-            <p:ph type="body" idx="1"/>
-          </p:nvPr>
-        </p:nvSpPr>
+      <p:pic>
+        <p:nvPicPr>
+          <p:cNvPr id="2" name="Picture 1">
+            <a:extLst>
+              <a:ext uri="{FF2B5EF4-FFF2-40B4-BE49-F238E27FC236}">
+                <a16:creationId xmlns:a16="http://schemas.microsoft.com/office/drawing/2014/main" id="{49EAE00A-A3E3-40A0-B1E0-978707B2FAB6}"/>
+              </a:ext>
+            </a:extLst>
+          </p:cNvPr>
+          <p:cNvPicPr>
+            <a:picLocks noChangeAspect="1"/>
+          </p:cNvPicPr>
+          <p:nvPr/>
+        </p:nvPicPr>
+        <p:blipFill>
+          <a:blip r:embed="rId2"/>
+          <a:stretch>
+            <a:fillRect/>
+          </a:stretch>
+        </p:blipFill>
         <p:spPr>
           <a:xfrm>
-            <a:off x="1258888" y="1773238"/>
-            <a:ext cx="6769100" cy="817562"/>
-          </a:xfrm>
-        </p:spPr>
-        <p:txBody>
-          <a:bodyPr/>
-          <a:lstStyle/>
-          <a:p>
-            <a:pPr>
-              <a:lnSpc>
-                <a:spcPct val="80000"/>
-              </a:lnSpc>
-            </a:pPr>
-            <a:endParaRPr lang="en-US" altLang="ko-KR" sz="2000" dirty="0">
-              <a:latin typeface="Verdana" panose="020B0604030504040204" pitchFamily="34" charset="0"/>
-              <a:ea typeface="굴림" panose="020B0600000101010101" pitchFamily="34" charset="-127"/>
-            </a:endParaRPr>
-          </a:p>
-        </p:txBody>
-      </p:sp>
+            <a:off x="-2628" y="1905000"/>
+            <a:ext cx="4206240" cy="2103120"/>
+          </a:xfrm>
+          <a:prstGeom prst="rect">
+            <a:avLst/>
+          </a:prstGeom>
+        </p:spPr>
+      </p:pic>
+      <p:pic>
+        <p:nvPicPr>
+          <p:cNvPr id="3" name="Picture 2">
+            <a:extLst>
+              <a:ext uri="{FF2B5EF4-FFF2-40B4-BE49-F238E27FC236}">
+                <a16:creationId xmlns:a16="http://schemas.microsoft.com/office/drawing/2014/main" id="{966060A3-4AFF-4F19-86E5-C7F37EFBEFEA}"/>
+              </a:ext>
+            </a:extLst>
+          </p:cNvPr>
+          <p:cNvPicPr>
+            <a:picLocks noChangeAspect="1"/>
+          </p:cNvPicPr>
+          <p:nvPr/>
+        </p:nvPicPr>
+        <p:blipFill>
+          <a:blip r:embed="rId3"/>
+          <a:stretch>
+            <a:fillRect/>
+          </a:stretch>
+        </p:blipFill>
+        <p:spPr>
+          <a:xfrm>
+            <a:off x="-2628" y="4494530"/>
+            <a:ext cx="4206240" cy="2103120"/>
+          </a:xfrm>
+          <a:prstGeom prst="rect">
+            <a:avLst/>
+          </a:prstGeom>
+        </p:spPr>
+      </p:pic>
     </p:spTree>
     <p:extLst>
       <p:ext uri="{BB962C8B-B14F-4D97-AF65-F5344CB8AC3E}">
-        <p14:creationId xmlns:p14="http://schemas.microsoft.com/office/powerpoint/2010/main" val="1198531150"/>
+        <p14:creationId xmlns:p14="http://schemas.microsoft.com/office/powerpoint/2010/main" val="2918442361"/>
       </p:ext>
     </p:extLst>
   </p:cSld>
@@ -2831,7 +2872,7 @@
               <a:rPr lang="en-US" altLang="en-US" b="1" dirty="0">
                 <a:latin typeface="Tahoma" panose="020B0604030504040204" pitchFamily="34" charset="0"/>
               </a:rPr>
-              <a:t>Questions</a:t>
+              <a:t>Limitations </a:t>
             </a:r>
             <a:endParaRPr lang="uk-UA" altLang="en-US" b="1" dirty="0">
               <a:latin typeface="Tahoma" panose="020B0604030504040204" pitchFamily="34" charset="0"/>
@@ -2864,6 +2905,20 @@
         <p:txBody>
           <a:bodyPr/>
           <a:lstStyle/>
+          <a:p>
+            <a:pPr>
+              <a:lnSpc>
+                <a:spcPct val="80000"/>
+              </a:lnSpc>
+            </a:pPr>
+            <a:r>
+              <a:rPr lang="en-US" altLang="ko-KR" sz="2000" dirty="0">
+                <a:latin typeface="Verdana" panose="020B0604030504040204" pitchFamily="34" charset="0"/>
+                <a:ea typeface="굴림" panose="020B0600000101010101" pitchFamily="34" charset="-127"/>
+              </a:rPr>
+              <a:t>Limited data points within the direct path of the storm.</a:t>
+            </a:r>
+          </a:p>
           <a:p>
             <a:pPr>
               <a:lnSpc>
@@ -2875,8 +2930,415 @@
               <a:ea typeface="굴림" panose="020B0600000101010101" pitchFamily="34" charset="-127"/>
             </a:endParaRPr>
           </a:p>
+          <a:p>
+            <a:pPr>
+              <a:lnSpc>
+                <a:spcPct val="80000"/>
+              </a:lnSpc>
+            </a:pPr>
+            <a:r>
+              <a:rPr lang="en-US" altLang="ko-KR" sz="2000" dirty="0">
+                <a:latin typeface="Verdana" panose="020B0604030504040204" pitchFamily="34" charset="0"/>
+                <a:ea typeface="굴림" panose="020B0600000101010101" pitchFamily="34" charset="-127"/>
+              </a:rPr>
+              <a:t>Incomplete data sets on some of the original targeted data points.</a:t>
+            </a:r>
+          </a:p>
+          <a:p>
+            <a:pPr>
+              <a:lnSpc>
+                <a:spcPct val="80000"/>
+              </a:lnSpc>
+            </a:pPr>
+            <a:endParaRPr lang="en-US" altLang="ko-KR" sz="2000" dirty="0">
+              <a:latin typeface="Verdana" panose="020B0604030504040204" pitchFamily="34" charset="0"/>
+              <a:ea typeface="굴림" panose="020B0600000101010101" pitchFamily="34" charset="-127"/>
+            </a:endParaRPr>
+          </a:p>
+          <a:p>
+            <a:pPr>
+              <a:lnSpc>
+                <a:spcPct val="80000"/>
+              </a:lnSpc>
+            </a:pPr>
+            <a:r>
+              <a:rPr lang="en-US" altLang="ko-KR" sz="2000" dirty="0">
+                <a:latin typeface="Verdana" panose="020B0604030504040204" pitchFamily="34" charset="0"/>
+                <a:ea typeface="굴림" panose="020B0600000101010101" pitchFamily="34" charset="-127"/>
+              </a:rPr>
+              <a:t>Erroneous data on some the data sets during the actual Hurricane. </a:t>
+            </a:r>
+          </a:p>
+          <a:p>
+            <a:pPr>
+              <a:lnSpc>
+                <a:spcPct val="80000"/>
+              </a:lnSpc>
+            </a:pPr>
+            <a:endParaRPr lang="en-US" altLang="ko-KR" sz="2000" dirty="0">
+              <a:latin typeface="Verdana" panose="020B0604030504040204" pitchFamily="34" charset="0"/>
+              <a:ea typeface="굴림" panose="020B0600000101010101" pitchFamily="34" charset="-127"/>
+            </a:endParaRPr>
+          </a:p>
         </p:txBody>
       </p:sp>
+    </p:spTree>
+    <p:extLst>
+      <p:ext uri="{BB962C8B-B14F-4D97-AF65-F5344CB8AC3E}">
+        <p14:creationId xmlns:p14="http://schemas.microsoft.com/office/powerpoint/2010/main" val="3308262467"/>
+      </p:ext>
+    </p:extLst>
+  </p:cSld>
+  <p:clrMapOvr>
+    <a:masterClrMapping/>
+  </p:clrMapOvr>
+</p:sld>
+</file>
+
+<file path=ppt/slides/slide13.xml><?xml version="1.0" encoding="utf-8"?>
+<p:sld xmlns:a="http://schemas.openxmlformats.org/drawingml/2006/main" xmlns:r="http://schemas.openxmlformats.org/officeDocument/2006/relationships" xmlns:p="http://schemas.openxmlformats.org/presentationml/2006/main">
+  <p:cSld>
+    <p:spTree>
+      <p:nvGrpSpPr>
+        <p:cNvPr id="1" name=""/>
+        <p:cNvGrpSpPr/>
+        <p:nvPr/>
+      </p:nvGrpSpPr>
+      <p:grpSpPr>
+        <a:xfrm>
+          <a:off x="0" y="0"/>
+          <a:ext cx="0" cy="0"/>
+          <a:chOff x="0" y="0"/>
+          <a:chExt cx="0" cy="0"/>
+        </a:xfrm>
+      </p:grpSpPr>
+      <p:sp>
+        <p:nvSpPr>
+          <p:cNvPr id="36866" name="Rectangle 2">
+            <a:extLst>
+              <a:ext uri="{FF2B5EF4-FFF2-40B4-BE49-F238E27FC236}">
+                <a16:creationId xmlns:a16="http://schemas.microsoft.com/office/drawing/2014/main" id="{9A8C6E0B-F389-42F4-BDF4-0BB8546E6D31}"/>
+              </a:ext>
+            </a:extLst>
+          </p:cNvPr>
+          <p:cNvSpPr>
+            <a:spLocks noGrp="1" noChangeArrowheads="1"/>
+          </p:cNvSpPr>
+          <p:nvPr>
+            <p:ph type="title"/>
+          </p:nvPr>
+        </p:nvSpPr>
+        <p:spPr>
+          <a:xfrm>
+            <a:off x="2698750" y="260350"/>
+            <a:ext cx="5834063" cy="649288"/>
+          </a:xfrm>
+        </p:spPr>
+        <p:txBody>
+          <a:bodyPr/>
+          <a:lstStyle/>
+          <a:p>
+            <a:r>
+              <a:rPr lang="en-US" altLang="en-US" b="1" dirty="0">
+                <a:latin typeface="Tahoma" panose="020B0604030504040204" pitchFamily="34" charset="0"/>
+              </a:rPr>
+              <a:t>Conclusions</a:t>
+            </a:r>
+            <a:endParaRPr lang="uk-UA" altLang="en-US" b="1" dirty="0">
+              <a:latin typeface="Tahoma" panose="020B0604030504040204" pitchFamily="34" charset="0"/>
+            </a:endParaRPr>
+          </a:p>
+        </p:txBody>
+      </p:sp>
+      <p:sp>
+        <p:nvSpPr>
+          <p:cNvPr id="36867" name="Rectangle 3">
+            <a:extLst>
+              <a:ext uri="{FF2B5EF4-FFF2-40B4-BE49-F238E27FC236}">
+                <a16:creationId xmlns:a16="http://schemas.microsoft.com/office/drawing/2014/main" id="{C23C7164-0E03-4DD7-9D9B-C0EC897A2618}"/>
+              </a:ext>
+            </a:extLst>
+          </p:cNvPr>
+          <p:cNvSpPr>
+            <a:spLocks noGrp="1" noChangeArrowheads="1"/>
+          </p:cNvSpPr>
+          <p:nvPr>
+            <p:ph type="body" idx="1"/>
+          </p:nvPr>
+        </p:nvSpPr>
+        <p:spPr>
+          <a:xfrm>
+            <a:off x="1258888" y="1773238"/>
+            <a:ext cx="6769100" cy="817562"/>
+          </a:xfrm>
+        </p:spPr>
+        <p:txBody>
+          <a:bodyPr/>
+          <a:lstStyle/>
+          <a:p>
+            <a:pPr>
+              <a:lnSpc>
+                <a:spcPct val="80000"/>
+              </a:lnSpc>
+            </a:pPr>
+            <a:endParaRPr lang="en-US" altLang="ko-KR" sz="2000" dirty="0">
+              <a:latin typeface="Verdana" panose="020B0604030504040204" pitchFamily="34" charset="0"/>
+              <a:ea typeface="굴림" panose="020B0600000101010101" pitchFamily="34" charset="-127"/>
+            </a:endParaRPr>
+          </a:p>
+        </p:txBody>
+      </p:sp>
+    </p:spTree>
+    <p:extLst>
+      <p:ext uri="{BB962C8B-B14F-4D97-AF65-F5344CB8AC3E}">
+        <p14:creationId xmlns:p14="http://schemas.microsoft.com/office/powerpoint/2010/main" val="2238731308"/>
+      </p:ext>
+    </p:extLst>
+  </p:cSld>
+  <p:clrMapOvr>
+    <a:masterClrMapping/>
+  </p:clrMapOvr>
+</p:sld>
+</file>
+
+<file path=ppt/slides/slide14.xml><?xml version="1.0" encoding="utf-8"?>
+<p:sld xmlns:a="http://schemas.openxmlformats.org/drawingml/2006/main" xmlns:r="http://schemas.openxmlformats.org/officeDocument/2006/relationships" xmlns:p="http://schemas.openxmlformats.org/presentationml/2006/main">
+  <p:cSld>
+    <p:spTree>
+      <p:nvGrpSpPr>
+        <p:cNvPr id="1" name=""/>
+        <p:cNvGrpSpPr/>
+        <p:nvPr/>
+      </p:nvGrpSpPr>
+      <p:grpSpPr>
+        <a:xfrm>
+          <a:off x="0" y="0"/>
+          <a:ext cx="0" cy="0"/>
+          <a:chOff x="0" y="0"/>
+          <a:chExt cx="0" cy="0"/>
+        </a:xfrm>
+      </p:grpSpPr>
+      <p:sp>
+        <p:nvSpPr>
+          <p:cNvPr id="36866" name="Rectangle 2">
+            <a:extLst>
+              <a:ext uri="{FF2B5EF4-FFF2-40B4-BE49-F238E27FC236}">
+                <a16:creationId xmlns:a16="http://schemas.microsoft.com/office/drawing/2014/main" id="{9A8C6E0B-F389-42F4-BDF4-0BB8546E6D31}"/>
+              </a:ext>
+            </a:extLst>
+          </p:cNvPr>
+          <p:cNvSpPr>
+            <a:spLocks noGrp="1" noChangeArrowheads="1"/>
+          </p:cNvSpPr>
+          <p:nvPr>
+            <p:ph type="title"/>
+          </p:nvPr>
+        </p:nvSpPr>
+        <p:spPr>
+          <a:xfrm>
+            <a:off x="2698750" y="260350"/>
+            <a:ext cx="5834063" cy="649288"/>
+          </a:xfrm>
+        </p:spPr>
+        <p:txBody>
+          <a:bodyPr/>
+          <a:lstStyle/>
+          <a:p>
+            <a:r>
+              <a:rPr lang="en-US" altLang="en-US" b="1" dirty="0">
+                <a:latin typeface="Tahoma" panose="020B0604030504040204" pitchFamily="34" charset="0"/>
+              </a:rPr>
+              <a:t>Findings</a:t>
+            </a:r>
+            <a:endParaRPr lang="uk-UA" altLang="en-US" b="1" dirty="0">
+              <a:latin typeface="Tahoma" panose="020B0604030504040204" pitchFamily="34" charset="0"/>
+            </a:endParaRPr>
+          </a:p>
+        </p:txBody>
+      </p:sp>
+      <p:sp>
+        <p:nvSpPr>
+          <p:cNvPr id="36867" name="Rectangle 3">
+            <a:extLst>
+              <a:ext uri="{FF2B5EF4-FFF2-40B4-BE49-F238E27FC236}">
+                <a16:creationId xmlns:a16="http://schemas.microsoft.com/office/drawing/2014/main" id="{C23C7164-0E03-4DD7-9D9B-C0EC897A2618}"/>
+              </a:ext>
+            </a:extLst>
+          </p:cNvPr>
+          <p:cNvSpPr>
+            <a:spLocks noGrp="1" noChangeArrowheads="1"/>
+          </p:cNvSpPr>
+          <p:nvPr>
+            <p:ph type="body" idx="1"/>
+          </p:nvPr>
+        </p:nvSpPr>
+        <p:spPr>
+          <a:xfrm>
+            <a:off x="1258888" y="1773238"/>
+            <a:ext cx="6769100" cy="817562"/>
+          </a:xfrm>
+        </p:spPr>
+        <p:txBody>
+          <a:bodyPr/>
+          <a:lstStyle/>
+          <a:p>
+            <a:pPr>
+              <a:lnSpc>
+                <a:spcPct val="80000"/>
+              </a:lnSpc>
+            </a:pPr>
+            <a:endParaRPr lang="en-US" altLang="ko-KR" sz="2000" dirty="0">
+              <a:latin typeface="Verdana" panose="020B0604030504040204" pitchFamily="34" charset="0"/>
+              <a:ea typeface="굴림" panose="020B0600000101010101" pitchFamily="34" charset="-127"/>
+            </a:endParaRPr>
+          </a:p>
+        </p:txBody>
+      </p:sp>
+    </p:spTree>
+    <p:extLst>
+      <p:ext uri="{BB962C8B-B14F-4D97-AF65-F5344CB8AC3E}">
+        <p14:creationId xmlns:p14="http://schemas.microsoft.com/office/powerpoint/2010/main" val="1198531150"/>
+      </p:ext>
+    </p:extLst>
+  </p:cSld>
+  <p:clrMapOvr>
+    <a:masterClrMapping/>
+  </p:clrMapOvr>
+</p:sld>
+</file>
+
+<file path=ppt/slides/slide15.xml><?xml version="1.0" encoding="utf-8"?>
+<p:sld xmlns:a="http://schemas.openxmlformats.org/drawingml/2006/main" xmlns:r="http://schemas.openxmlformats.org/officeDocument/2006/relationships" xmlns:p="http://schemas.openxmlformats.org/presentationml/2006/main">
+  <p:cSld>
+    <p:spTree>
+      <p:nvGrpSpPr>
+        <p:cNvPr id="1" name=""/>
+        <p:cNvGrpSpPr/>
+        <p:nvPr/>
+      </p:nvGrpSpPr>
+      <p:grpSpPr>
+        <a:xfrm>
+          <a:off x="0" y="0"/>
+          <a:ext cx="0" cy="0"/>
+          <a:chOff x="0" y="0"/>
+          <a:chExt cx="0" cy="0"/>
+        </a:xfrm>
+      </p:grpSpPr>
+      <p:sp>
+        <p:nvSpPr>
+          <p:cNvPr id="36866" name="Rectangle 2">
+            <a:extLst>
+              <a:ext uri="{FF2B5EF4-FFF2-40B4-BE49-F238E27FC236}">
+                <a16:creationId xmlns:a16="http://schemas.microsoft.com/office/drawing/2014/main" id="{9A8C6E0B-F389-42F4-BDF4-0BB8546E6D31}"/>
+              </a:ext>
+            </a:extLst>
+          </p:cNvPr>
+          <p:cNvSpPr>
+            <a:spLocks noGrp="1" noChangeArrowheads="1"/>
+          </p:cNvSpPr>
+          <p:nvPr>
+            <p:ph type="title"/>
+          </p:nvPr>
+        </p:nvSpPr>
+        <p:spPr>
+          <a:xfrm>
+            <a:off x="2698750" y="260350"/>
+            <a:ext cx="5834063" cy="649288"/>
+          </a:xfrm>
+        </p:spPr>
+        <p:txBody>
+          <a:bodyPr/>
+          <a:lstStyle/>
+          <a:p>
+            <a:r>
+              <a:rPr lang="en-US" altLang="en-US" b="1" dirty="0">
+                <a:latin typeface="Tahoma" panose="020B0604030504040204" pitchFamily="34" charset="0"/>
+              </a:rPr>
+              <a:t>Questions</a:t>
+            </a:r>
+            <a:endParaRPr lang="uk-UA" altLang="en-US" b="1" dirty="0">
+              <a:latin typeface="Tahoma" panose="020B0604030504040204" pitchFamily="34" charset="0"/>
+            </a:endParaRPr>
+          </a:p>
+        </p:txBody>
+      </p:sp>
+      <p:sp>
+        <p:nvSpPr>
+          <p:cNvPr id="36867" name="Rectangle 3">
+            <a:extLst>
+              <a:ext uri="{FF2B5EF4-FFF2-40B4-BE49-F238E27FC236}">
+                <a16:creationId xmlns:a16="http://schemas.microsoft.com/office/drawing/2014/main" id="{C23C7164-0E03-4DD7-9D9B-C0EC897A2618}"/>
+              </a:ext>
+            </a:extLst>
+          </p:cNvPr>
+          <p:cNvSpPr>
+            <a:spLocks noGrp="1" noChangeArrowheads="1"/>
+          </p:cNvSpPr>
+          <p:nvPr>
+            <p:ph type="body" idx="1"/>
+          </p:nvPr>
+        </p:nvSpPr>
+        <p:spPr>
+          <a:xfrm>
+            <a:off x="1258888" y="1773238"/>
+            <a:ext cx="6769100" cy="817562"/>
+          </a:xfrm>
+        </p:spPr>
+        <p:txBody>
+          <a:bodyPr/>
+          <a:lstStyle/>
+          <a:p>
+            <a:pPr>
+              <a:lnSpc>
+                <a:spcPct val="80000"/>
+              </a:lnSpc>
+            </a:pPr>
+            <a:endParaRPr lang="en-US" altLang="ko-KR" sz="2000" dirty="0">
+              <a:latin typeface="Verdana" panose="020B0604030504040204" pitchFamily="34" charset="0"/>
+              <a:ea typeface="굴림" panose="020B0600000101010101" pitchFamily="34" charset="-127"/>
+            </a:endParaRPr>
+          </a:p>
+        </p:txBody>
+      </p:sp>
+      <p:pic>
+        <p:nvPicPr>
+          <p:cNvPr id="3" name="Graphic 2" descr="Question Mark">
+            <a:extLst>
+              <a:ext uri="{FF2B5EF4-FFF2-40B4-BE49-F238E27FC236}">
+                <a16:creationId xmlns:a16="http://schemas.microsoft.com/office/drawing/2014/main" id="{0CB651BC-C0AB-4A57-A313-23E58E78991E}"/>
+              </a:ext>
+            </a:extLst>
+          </p:cNvPr>
+          <p:cNvPicPr>
+            <a:picLocks noChangeAspect="1"/>
+          </p:cNvPicPr>
+          <p:nvPr/>
+        </p:nvPicPr>
+        <p:blipFill>
+          <a:blip r:embed="rId2">
+            <a:extLst>
+              <a:ext uri="{28A0092B-C50C-407E-A947-70E740481C1C}">
+                <a14:useLocalDpi xmlns:a14="http://schemas.microsoft.com/office/drawing/2010/main" val="0"/>
+              </a:ext>
+              <a:ext uri="{96DAC541-7B7A-43D3-8B79-37D633B846F1}">
+                <asvg:svgBlip xmlns:asvg="http://schemas.microsoft.com/office/drawing/2016/SVG/main" r:embed="rId3"/>
+              </a:ext>
+            </a:extLst>
+          </a:blip>
+          <a:stretch>
+            <a:fillRect/>
+          </a:stretch>
+        </p:blipFill>
+        <p:spPr>
+          <a:xfrm>
+            <a:off x="3611880" y="2971800"/>
+            <a:ext cx="1920240" cy="1920240"/>
+          </a:xfrm>
+          <a:prstGeom prst="rect">
+            <a:avLst/>
+          </a:prstGeom>
+        </p:spPr>
+      </p:pic>
     </p:spTree>
     <p:extLst>
       <p:ext uri="{BB962C8B-B14F-4D97-AF65-F5344CB8AC3E}">
@@ -2890,7 +3352,7 @@
 </p:sld>
 </file>
 
-<file path=ppt/slides/slide13.xml><?xml version="1.0" encoding="utf-8"?>
+<file path=ppt/slides/slide16.xml><?xml version="1.0" encoding="utf-8"?>
 <p:sld xmlns:a="http://schemas.openxmlformats.org/drawingml/2006/main" xmlns:r="http://schemas.openxmlformats.org/officeDocument/2006/relationships" xmlns:p="http://schemas.openxmlformats.org/presentationml/2006/main">
   <p:cSld>
     <p:bg>
@@ -3064,7 +3526,7 @@
         </p:nvSpPr>
         <p:spPr>
           <a:xfrm>
-            <a:off x="1258888" y="1773238"/>
+            <a:off x="1187450" y="1676400"/>
             <a:ext cx="6769100" cy="4464050"/>
           </a:xfrm>
         </p:spPr>
@@ -3144,12 +3606,23 @@
                 <a:spcPct val="80000"/>
               </a:lnSpc>
             </a:pPr>
+            <a:endParaRPr lang="en-US" altLang="ko-KR" sz="2000" dirty="0">
+              <a:latin typeface="Verdana" panose="020B0604030504040204" pitchFamily="34" charset="0"/>
+              <a:ea typeface="굴림" panose="020B0600000101010101" pitchFamily="34" charset="-127"/>
+            </a:endParaRPr>
+          </a:p>
+          <a:p>
+            <a:pPr>
+              <a:lnSpc>
+                <a:spcPct val="80000"/>
+              </a:lnSpc>
+            </a:pPr>
             <a:r>
               <a:rPr lang="en-US" altLang="ko-KR" sz="2000" dirty="0">
                 <a:latin typeface="Verdana" panose="020B0604030504040204" pitchFamily="34" charset="0"/>
                 <a:ea typeface="굴림" panose="020B0600000101010101" pitchFamily="34" charset="-127"/>
               </a:rPr>
-              <a:t>For the timeframe of the project we chose the attributes below:</a:t>
+              <a:t>Weather attributes analyzed:</a:t>
             </a:r>
           </a:p>
           <a:p>
@@ -3221,38 +3694,6 @@
               </a:rPr>
               <a:t>Air Temperature </a:t>
             </a:r>
-          </a:p>
-          <a:p>
-            <a:pPr marL="400050">
-              <a:lnSpc>
-                <a:spcPct val="80000"/>
-              </a:lnSpc>
-            </a:pPr>
-            <a:r>
-              <a:rPr lang="en-US" altLang="ko-KR" sz="2000" b="1" dirty="0">
-                <a:latin typeface="Verdana" panose="020B0604030504040204" pitchFamily="34" charset="0"/>
-                <a:ea typeface="굴림" panose="020B0600000101010101" pitchFamily="34" charset="-127"/>
-              </a:rPr>
-              <a:t>Question:</a:t>
-            </a:r>
-            <a:r>
-              <a:rPr lang="en-US" altLang="ko-KR" sz="2000" dirty="0">
-                <a:latin typeface="Verdana" panose="020B0604030504040204" pitchFamily="34" charset="0"/>
-                <a:ea typeface="굴림" panose="020B0600000101010101" pitchFamily="34" charset="-127"/>
-              </a:rPr>
-              <a:t> What factor contributes the most to the final path of the Hurricane?  </a:t>
-            </a:r>
-          </a:p>
-          <a:p>
-            <a:pPr lvl="1">
-              <a:lnSpc>
-                <a:spcPct val="80000"/>
-              </a:lnSpc>
-            </a:pPr>
-            <a:endParaRPr lang="en-US" altLang="ko-KR" sz="1600" dirty="0">
-              <a:latin typeface="Verdana" panose="020B0604030504040204" pitchFamily="34" charset="0"/>
-              <a:ea typeface="굴림" panose="020B0600000101010101" pitchFamily="34" charset="-127"/>
-            </a:endParaRPr>
           </a:p>
         </p:txBody>
       </p:sp>
@@ -3311,7 +3752,7 @@
               <a:rPr lang="en-US" altLang="en-US" b="1" dirty="0">
                 <a:latin typeface="Tahoma" panose="020B0604030504040204" pitchFamily="34" charset="0"/>
               </a:rPr>
-              <a:t>Project Data</a:t>
+              <a:t>Questions</a:t>
             </a:r>
             <a:endParaRPr lang="uk-UA" altLang="en-US" b="1" dirty="0">
               <a:latin typeface="Tahoma" panose="020B0604030504040204" pitchFamily="34" charset="0"/>
@@ -3337,159 +3778,13 @@
         </p:nvSpPr>
         <p:spPr>
           <a:xfrm>
-            <a:off x="152400" y="1773238"/>
-            <a:ext cx="2743200" cy="2189162"/>
+            <a:off x="1187450" y="1676400"/>
+            <a:ext cx="6769100" cy="4464050"/>
           </a:xfrm>
         </p:spPr>
         <p:txBody>
           <a:bodyPr/>
           <a:lstStyle/>
-          <a:p>
-            <a:pPr>
-              <a:lnSpc>
-                <a:spcPct val="80000"/>
-              </a:lnSpc>
-            </a:pPr>
-            <a:r>
-              <a:rPr lang="en-US" altLang="ko-KR" sz="1000" b="1" dirty="0">
-                <a:latin typeface="+mj-lt"/>
-                <a:ea typeface="굴림" panose="020B0600000101010101" pitchFamily="34" charset="-127"/>
-              </a:rPr>
-              <a:t>Data Retrieval: </a:t>
-            </a:r>
-          </a:p>
-          <a:p>
-            <a:pPr>
-              <a:lnSpc>
-                <a:spcPct val="80000"/>
-              </a:lnSpc>
-            </a:pPr>
-            <a:endParaRPr lang="en-US" altLang="ko-KR" sz="1000" b="1" dirty="0">
-              <a:latin typeface="+mj-lt"/>
-              <a:ea typeface="굴림" panose="020B0600000101010101" pitchFamily="34" charset="-127"/>
-            </a:endParaRPr>
-          </a:p>
-          <a:p>
-            <a:pPr>
-              <a:lnSpc>
-                <a:spcPct val="80000"/>
-              </a:lnSpc>
-            </a:pPr>
-            <a:r>
-              <a:rPr lang="en-US" altLang="ko-KR" sz="1000" b="1" dirty="0">
-                <a:latin typeface="+mj-lt"/>
-                <a:ea typeface="굴림" panose="020B0600000101010101" pitchFamily="34" charset="-127"/>
-              </a:rPr>
-              <a:t>CSV</a:t>
-            </a:r>
-          </a:p>
-          <a:p>
-            <a:pPr>
-              <a:lnSpc>
-                <a:spcPct val="80000"/>
-              </a:lnSpc>
-            </a:pPr>
-            <a:r>
-              <a:rPr lang="en-US" altLang="ko-KR" sz="1000" b="0" dirty="0">
-                <a:latin typeface="+mj-lt"/>
-                <a:ea typeface="굴림" panose="020B0600000101010101" pitchFamily="34" charset="-127"/>
-                <a:hlinkClick r:id="rId2"/>
-              </a:rPr>
-              <a:t>http://data.gcoos.org/waf.php</a:t>
-            </a:r>
-            <a:endParaRPr lang="en-US" altLang="ko-KR" sz="1000" b="0" dirty="0">
-              <a:latin typeface="+mj-lt"/>
-              <a:ea typeface="굴림" panose="020B0600000101010101" pitchFamily="34" charset="-127"/>
-            </a:endParaRPr>
-          </a:p>
-          <a:p>
-            <a:pPr lvl="1">
-              <a:lnSpc>
-                <a:spcPct val="80000"/>
-              </a:lnSpc>
-            </a:pPr>
-            <a:endParaRPr lang="en-US" altLang="ko-KR" sz="1000" dirty="0">
-              <a:latin typeface="+mj-lt"/>
-              <a:ea typeface="굴림" panose="020B0600000101010101" pitchFamily="34" charset="-127"/>
-            </a:endParaRPr>
-          </a:p>
-          <a:p>
-            <a:pPr>
-              <a:lnSpc>
-                <a:spcPct val="80000"/>
-              </a:lnSpc>
-            </a:pPr>
-            <a:r>
-              <a:rPr lang="en-US" sz="1000" dirty="0">
-                <a:latin typeface="+mj-lt"/>
-                <a:hlinkClick r:id="rId3"/>
-              </a:rPr>
-              <a:t>https://www.nhc.noaa.gov/data/tcr/AL092017_Harvey.pdf</a:t>
-            </a:r>
-            <a:endParaRPr lang="en-US" sz="1000" dirty="0">
-              <a:latin typeface="+mj-lt"/>
-            </a:endParaRPr>
-          </a:p>
-          <a:p>
-            <a:pPr lvl="1">
-              <a:lnSpc>
-                <a:spcPct val="80000"/>
-              </a:lnSpc>
-            </a:pPr>
-            <a:r>
-              <a:rPr lang="en-US" altLang="ko-KR" sz="1000" dirty="0">
-                <a:latin typeface="+mj-lt"/>
-                <a:ea typeface="굴림" panose="020B0600000101010101" pitchFamily="34" charset="-127"/>
-              </a:rPr>
-              <a:t>Took data created a csv for best track</a:t>
-            </a:r>
-          </a:p>
-          <a:p>
-            <a:pPr lvl="2">
-              <a:lnSpc>
-                <a:spcPct val="80000"/>
-              </a:lnSpc>
-            </a:pPr>
-            <a:endParaRPr lang="en-US" altLang="ko-KR" sz="1000" dirty="0">
-              <a:latin typeface="+mj-lt"/>
-              <a:ea typeface="굴림" panose="020B0600000101010101" pitchFamily="34" charset="-127"/>
-            </a:endParaRPr>
-          </a:p>
-          <a:p>
-            <a:pPr>
-              <a:lnSpc>
-                <a:spcPct val="80000"/>
-              </a:lnSpc>
-            </a:pPr>
-            <a:r>
-              <a:rPr lang="en-US" altLang="ko-KR" sz="1000" b="1" dirty="0">
-                <a:latin typeface="+mj-lt"/>
-                <a:ea typeface="굴림" panose="020B0600000101010101" pitchFamily="34" charset="-127"/>
-              </a:rPr>
-              <a:t>API</a:t>
-            </a:r>
-          </a:p>
-          <a:p>
-            <a:pPr lvl="1">
-              <a:lnSpc>
-                <a:spcPct val="80000"/>
-              </a:lnSpc>
-            </a:pPr>
-            <a:r>
-              <a:rPr lang="en-US" altLang="ko-KR" sz="1000" dirty="0" err="1">
-                <a:latin typeface="+mj-lt"/>
-                <a:ea typeface="굴림" panose="020B0600000101010101" pitchFamily="34" charset="-127"/>
-              </a:rPr>
-              <a:t>ArcPy</a:t>
-            </a:r>
-            <a:r>
-              <a:rPr lang="en-US" altLang="ko-KR" sz="1000" dirty="0">
-                <a:latin typeface="+mj-lt"/>
-                <a:ea typeface="굴림" panose="020B0600000101010101" pitchFamily="34" charset="-127"/>
-              </a:rPr>
-              <a:t> </a:t>
-            </a:r>
-          </a:p>
           <a:p>
             <a:pPr marL="0" indent="0">
               <a:lnSpc>
@@ -3497,47 +3792,127 @@
               </a:lnSpc>
               <a:buNone/>
             </a:pPr>
-            <a:endParaRPr lang="en-US" altLang="ko-KR" sz="2000" dirty="0">
-              <a:latin typeface="Verdana" panose="020B0604030504040204" pitchFamily="34" charset="0"/>
+            <a:endParaRPr lang="en-US" altLang="ko-KR" sz="1600" dirty="0">
+              <a:latin typeface="+mj-lt"/>
               <a:ea typeface="굴림" panose="020B0600000101010101" pitchFamily="34" charset="-127"/>
             </a:endParaRPr>
           </a:p>
+          <a:p>
+            <a:pPr>
+              <a:lnSpc>
+                <a:spcPct val="80000"/>
+              </a:lnSpc>
+            </a:pPr>
+            <a:r>
+              <a:rPr lang="en-US" altLang="ko-KR" sz="1600" b="0" dirty="0">
+                <a:latin typeface="+mj-lt"/>
+                <a:ea typeface="굴림" panose="020B0600000101010101" pitchFamily="34" charset="-127"/>
+              </a:rPr>
+              <a:t>What weather attributes contributed the most, if any, to the intensity of Hurricane Harvey?</a:t>
+            </a:r>
+          </a:p>
+          <a:p>
+            <a:pPr lvl="1">
+              <a:lnSpc>
+                <a:spcPct val="80000"/>
+              </a:lnSpc>
+            </a:pPr>
+            <a:r>
+              <a:rPr lang="en-US" altLang="ko-KR" sz="1200" b="0" dirty="0">
+                <a:latin typeface="+mj-lt"/>
+                <a:ea typeface="굴림" panose="020B0600000101010101" pitchFamily="34" charset="-127"/>
+              </a:rPr>
+              <a:t>Did water temperature affect intensity of the hurricane the most?</a:t>
+            </a:r>
+          </a:p>
+          <a:p>
+            <a:pPr lvl="1">
+              <a:lnSpc>
+                <a:spcPct val="80000"/>
+              </a:lnSpc>
+            </a:pPr>
+            <a:r>
+              <a:rPr lang="en-US" altLang="ko-KR" sz="1200" b="0" dirty="0">
+                <a:latin typeface="+mj-lt"/>
+                <a:ea typeface="굴림" panose="020B0600000101010101" pitchFamily="34" charset="-127"/>
+              </a:rPr>
+              <a:t>Did air temperature affect the intensity of the hurricane the most?</a:t>
+            </a:r>
+          </a:p>
+          <a:p>
+            <a:pPr lvl="1">
+              <a:lnSpc>
+                <a:spcPct val="80000"/>
+              </a:lnSpc>
+            </a:pPr>
+            <a:r>
+              <a:rPr lang="en-US" altLang="ko-KR" sz="1200" b="0" dirty="0">
+                <a:latin typeface="+mj-lt"/>
+                <a:ea typeface="굴림" panose="020B0600000101010101" pitchFamily="34" charset="-127"/>
+              </a:rPr>
+              <a:t>Did air pressure affect the intensity of the hurricane the most?</a:t>
+            </a:r>
+          </a:p>
+          <a:p>
+            <a:pPr lvl="1">
+              <a:lnSpc>
+                <a:spcPct val="80000"/>
+              </a:lnSpc>
+            </a:pPr>
+            <a:r>
+              <a:rPr lang="en-US" altLang="ko-KR" sz="1200" b="0" dirty="0">
+                <a:latin typeface="+mj-lt"/>
+                <a:ea typeface="굴림" panose="020B0600000101010101" pitchFamily="34" charset="-127"/>
+              </a:rPr>
+              <a:t>Did water salinity affect the intensity of the hurricane the most?</a:t>
+            </a:r>
+          </a:p>
+          <a:p>
+            <a:pPr lvl="1">
+              <a:lnSpc>
+                <a:spcPct val="80000"/>
+              </a:lnSpc>
+            </a:pPr>
+            <a:endParaRPr lang="en-US" altLang="ko-KR" sz="1200" b="0" dirty="0">
+              <a:latin typeface="+mj-lt"/>
+              <a:ea typeface="굴림" panose="020B0600000101010101" pitchFamily="34" charset="-127"/>
+            </a:endParaRPr>
+          </a:p>
+          <a:p>
+            <a:pPr lvl="1">
+              <a:lnSpc>
+                <a:spcPct val="80000"/>
+              </a:lnSpc>
+            </a:pPr>
+            <a:endParaRPr lang="en-US" altLang="ko-KR" sz="1200" b="0" dirty="0">
+              <a:latin typeface="+mj-lt"/>
+              <a:ea typeface="굴림" panose="020B0600000101010101" pitchFamily="34" charset="-127"/>
+            </a:endParaRPr>
+          </a:p>
+          <a:p>
+            <a:pPr>
+              <a:lnSpc>
+                <a:spcPct val="80000"/>
+              </a:lnSpc>
+            </a:pPr>
+            <a:r>
+              <a:rPr lang="en-US" altLang="ko-KR" sz="1600" dirty="0">
+                <a:latin typeface="+mj-lt"/>
+                <a:ea typeface="굴림" panose="020B0600000101010101" pitchFamily="34" charset="-127"/>
+              </a:rPr>
+              <a:t>We plan to answer these questions by utilizing P based analysis.  Graphically we will represent our data in scatter plots to show correlations as well as box plots to show our outliers in within the data set. </a:t>
+            </a:r>
+            <a:endParaRPr lang="en-US" altLang="ko-KR" sz="1600" b="0" dirty="0">
+              <a:latin typeface="+mj-lt"/>
+              <a:ea typeface="굴림" panose="020B0600000101010101" pitchFamily="34" charset="-127"/>
+            </a:endParaRPr>
+          </a:p>
         </p:txBody>
       </p:sp>
-      <p:pic>
-        <p:nvPicPr>
-          <p:cNvPr id="3" name="Picture 2">
-            <a:extLst>
-              <a:ext uri="{FF2B5EF4-FFF2-40B4-BE49-F238E27FC236}">
-                <a16:creationId xmlns:a16="http://schemas.microsoft.com/office/drawing/2014/main" id="{73909F3C-035A-4B02-B451-F24001B1E7AB}"/>
-              </a:ext>
-            </a:extLst>
-          </p:cNvPr>
-          <p:cNvPicPr>
-            <a:picLocks noChangeAspect="1"/>
-          </p:cNvPicPr>
-          <p:nvPr/>
-        </p:nvPicPr>
-        <p:blipFill>
-          <a:blip r:embed="rId4"/>
-          <a:stretch>
-            <a:fillRect/>
-          </a:stretch>
-        </p:blipFill>
-        <p:spPr>
-          <a:xfrm>
-            <a:off x="2678872" y="1773238"/>
-            <a:ext cx="6312728" cy="4755292"/>
-          </a:xfrm>
-          <a:prstGeom prst="rect">
-            <a:avLst/>
-          </a:prstGeom>
-        </p:spPr>
-      </p:pic>
     </p:spTree>
     <p:extLst>
       <p:ext uri="{BB962C8B-B14F-4D97-AF65-F5344CB8AC3E}">
-        <p14:creationId xmlns:p14="http://schemas.microsoft.com/office/powerpoint/2010/main" val="3115509289"/>
+        <p14:creationId xmlns:p14="http://schemas.microsoft.com/office/powerpoint/2010/main" val="36198369"/>
       </p:ext>
     </p:extLst>
   </p:cSld>
@@ -3594,7 +3969,7 @@
               <a:rPr lang="en-US" altLang="en-US" b="1" dirty="0">
                 <a:latin typeface="Tahoma" panose="020B0604030504040204" pitchFamily="34" charset="0"/>
               </a:rPr>
-              <a:t>Project Data Points Location</a:t>
+              <a:t>Project Data Sources</a:t>
             </a:r>
             <a:endParaRPr lang="uk-UA" altLang="en-US" b="1" dirty="0">
               <a:latin typeface="Tahoma" panose="020B0604030504040204" pitchFamily="34" charset="0"/>
@@ -3620,13 +3995,159 @@
         </p:nvSpPr>
         <p:spPr>
           <a:xfrm>
-            <a:off x="1258888" y="1773238"/>
-            <a:ext cx="6769100" cy="817562"/>
+            <a:off x="152400" y="1773238"/>
+            <a:ext cx="2743200" cy="2189162"/>
           </a:xfrm>
         </p:spPr>
         <p:txBody>
           <a:bodyPr/>
           <a:lstStyle/>
+          <a:p>
+            <a:pPr>
+              <a:lnSpc>
+                <a:spcPct val="80000"/>
+              </a:lnSpc>
+            </a:pPr>
+            <a:r>
+              <a:rPr lang="en-US" altLang="ko-KR" sz="1000" b="1" dirty="0">
+                <a:latin typeface="+mj-lt"/>
+                <a:ea typeface="굴림" panose="020B0600000101010101" pitchFamily="34" charset="-127"/>
+              </a:rPr>
+              <a:t>Data Retrieval: </a:t>
+            </a:r>
+          </a:p>
+          <a:p>
+            <a:pPr>
+              <a:lnSpc>
+                <a:spcPct val="80000"/>
+              </a:lnSpc>
+            </a:pPr>
+            <a:endParaRPr lang="en-US" altLang="ko-KR" sz="1000" b="1" dirty="0">
+              <a:latin typeface="+mj-lt"/>
+              <a:ea typeface="굴림" panose="020B0600000101010101" pitchFamily="34" charset="-127"/>
+            </a:endParaRPr>
+          </a:p>
+          <a:p>
+            <a:pPr>
+              <a:lnSpc>
+                <a:spcPct val="80000"/>
+              </a:lnSpc>
+            </a:pPr>
+            <a:r>
+              <a:rPr lang="en-US" altLang="ko-KR" sz="1000" b="1" dirty="0">
+                <a:latin typeface="+mj-lt"/>
+                <a:ea typeface="굴림" panose="020B0600000101010101" pitchFamily="34" charset="-127"/>
+              </a:rPr>
+              <a:t>CSV</a:t>
+            </a:r>
+          </a:p>
+          <a:p>
+            <a:pPr>
+              <a:lnSpc>
+                <a:spcPct val="80000"/>
+              </a:lnSpc>
+            </a:pPr>
+            <a:r>
+              <a:rPr lang="en-US" altLang="ko-KR" sz="1000" b="0" dirty="0">
+                <a:latin typeface="+mj-lt"/>
+                <a:ea typeface="굴림" panose="020B0600000101010101" pitchFamily="34" charset="-127"/>
+                <a:hlinkClick r:id="rId2"/>
+              </a:rPr>
+              <a:t>http://data.gcoos.org/waf.php</a:t>
+            </a:r>
+            <a:endParaRPr lang="en-US" altLang="ko-KR" sz="1000" b="0" dirty="0">
+              <a:latin typeface="+mj-lt"/>
+              <a:ea typeface="굴림" panose="020B0600000101010101" pitchFamily="34" charset="-127"/>
+            </a:endParaRPr>
+          </a:p>
+          <a:p>
+            <a:pPr lvl="1">
+              <a:lnSpc>
+                <a:spcPct val="80000"/>
+              </a:lnSpc>
+            </a:pPr>
+            <a:endParaRPr lang="en-US" altLang="ko-KR" sz="1000" dirty="0">
+              <a:latin typeface="+mj-lt"/>
+              <a:ea typeface="굴림" panose="020B0600000101010101" pitchFamily="34" charset="-127"/>
+            </a:endParaRPr>
+          </a:p>
+          <a:p>
+            <a:pPr>
+              <a:lnSpc>
+                <a:spcPct val="80000"/>
+              </a:lnSpc>
+            </a:pPr>
+            <a:r>
+              <a:rPr lang="en-US" sz="1000" dirty="0">
+                <a:latin typeface="+mj-lt"/>
+                <a:hlinkClick r:id="rId3"/>
+              </a:rPr>
+              <a:t>https://www.nhc.noaa.gov/data/tcr/AL092017_Harvey.pdf</a:t>
+            </a:r>
+            <a:endParaRPr lang="en-US" sz="1000" dirty="0">
+              <a:latin typeface="+mj-lt"/>
+            </a:endParaRPr>
+          </a:p>
+          <a:p>
+            <a:pPr lvl="1">
+              <a:lnSpc>
+                <a:spcPct val="80000"/>
+              </a:lnSpc>
+            </a:pPr>
+            <a:r>
+              <a:rPr lang="en-US" altLang="ko-KR" sz="1000" dirty="0">
+                <a:latin typeface="+mj-lt"/>
+                <a:ea typeface="굴림" panose="020B0600000101010101" pitchFamily="34" charset="-127"/>
+              </a:rPr>
+              <a:t>Took data created a csv for best track</a:t>
+            </a:r>
+          </a:p>
+          <a:p>
+            <a:pPr lvl="2">
+              <a:lnSpc>
+                <a:spcPct val="80000"/>
+              </a:lnSpc>
+            </a:pPr>
+            <a:endParaRPr lang="en-US" altLang="ko-KR" sz="1000" dirty="0">
+              <a:latin typeface="+mj-lt"/>
+              <a:ea typeface="굴림" panose="020B0600000101010101" pitchFamily="34" charset="-127"/>
+            </a:endParaRPr>
+          </a:p>
+          <a:p>
+            <a:pPr>
+              <a:lnSpc>
+                <a:spcPct val="80000"/>
+              </a:lnSpc>
+            </a:pPr>
+            <a:r>
+              <a:rPr lang="en-US" altLang="ko-KR" sz="1000" b="1" dirty="0">
+                <a:latin typeface="+mj-lt"/>
+                <a:ea typeface="굴림" panose="020B0600000101010101" pitchFamily="34" charset="-127"/>
+              </a:rPr>
+              <a:t>API</a:t>
+            </a:r>
+          </a:p>
+          <a:p>
+            <a:pPr lvl="1">
+              <a:lnSpc>
+                <a:spcPct val="80000"/>
+              </a:lnSpc>
+            </a:pPr>
+            <a:r>
+              <a:rPr lang="en-US" altLang="ko-KR" sz="1000" dirty="0" err="1">
+                <a:latin typeface="+mj-lt"/>
+                <a:ea typeface="굴림" panose="020B0600000101010101" pitchFamily="34" charset="-127"/>
+              </a:rPr>
+              <a:t>GMaps</a:t>
+            </a:r>
+            <a:r>
+              <a:rPr lang="en-US" altLang="ko-KR" sz="1000" dirty="0">
+                <a:latin typeface="+mj-lt"/>
+                <a:ea typeface="굴림" panose="020B0600000101010101" pitchFamily="34" charset="-127"/>
+              </a:rPr>
+              <a:t> </a:t>
+            </a:r>
+          </a:p>
           <a:p>
             <a:pPr marL="0" indent="0">
               <a:lnSpc>
@@ -3634,116 +4155,47 @@
               </a:lnSpc>
               <a:buNone/>
             </a:pPr>
-            <a:r>
-              <a:rPr lang="en-US" altLang="ko-KR" sz="2000" dirty="0">
-                <a:latin typeface="Verdana" panose="020B0604030504040204" pitchFamily="34" charset="0"/>
-                <a:ea typeface="굴림" panose="020B0600000101010101" pitchFamily="34" charset="-127"/>
-              </a:rPr>
-              <a:t>Final Data Points:</a:t>
-            </a:r>
-          </a:p>
-          <a:p>
-            <a:pPr>
-              <a:lnSpc>
-                <a:spcPct val="80000"/>
-              </a:lnSpc>
-              <a:buFont typeface="Arial" panose="020B0604020202020204" pitchFamily="34" charset="0"/>
-              <a:buChar char="•"/>
-            </a:pPr>
-            <a:r>
-              <a:rPr lang="en-US" altLang="ko-KR" sz="2000" dirty="0">
-                <a:latin typeface="Verdana" panose="020B0604030504040204" pitchFamily="34" charset="0"/>
-                <a:ea typeface="굴림" panose="020B0600000101010101" pitchFamily="34" charset="-127"/>
-              </a:rPr>
-              <a:t>42043	</a:t>
-            </a:r>
-          </a:p>
-          <a:p>
-            <a:pPr>
-              <a:lnSpc>
-                <a:spcPct val="80000"/>
-              </a:lnSpc>
-              <a:buFont typeface="Arial" panose="020B0604020202020204" pitchFamily="34" charset="0"/>
-              <a:buChar char="•"/>
-            </a:pPr>
-            <a:r>
-              <a:rPr lang="en-US" altLang="ko-KR" sz="2000" dirty="0">
-                <a:latin typeface="Verdana" panose="020B0604030504040204" pitchFamily="34" charset="0"/>
-                <a:ea typeface="굴림" panose="020B0600000101010101" pitchFamily="34" charset="-127"/>
-              </a:rPr>
-              <a:t>42044</a:t>
-            </a:r>
-          </a:p>
-          <a:p>
-            <a:pPr>
-              <a:lnSpc>
-                <a:spcPct val="80000"/>
-              </a:lnSpc>
-              <a:buFont typeface="Arial" panose="020B0604020202020204" pitchFamily="34" charset="0"/>
-              <a:buChar char="•"/>
-            </a:pPr>
-            <a:r>
-              <a:rPr lang="en-US" altLang="ko-KR" sz="2000" dirty="0">
-                <a:latin typeface="Verdana" panose="020B0604030504040204" pitchFamily="34" charset="0"/>
-                <a:ea typeface="굴림" panose="020B0600000101010101" pitchFamily="34" charset="-127"/>
-              </a:rPr>
-              <a:t>42047</a:t>
-            </a:r>
-          </a:p>
-          <a:p>
-            <a:pPr>
-              <a:lnSpc>
-                <a:spcPct val="80000"/>
-              </a:lnSpc>
-              <a:buFont typeface="Arial" panose="020B0604020202020204" pitchFamily="34" charset="0"/>
-              <a:buChar char="•"/>
-            </a:pPr>
-            <a:r>
-              <a:rPr lang="en-US" altLang="ko-KR" sz="2000" dirty="0">
-                <a:latin typeface="Verdana" panose="020B0604030504040204" pitchFamily="34" charset="0"/>
-                <a:ea typeface="굴림" panose="020B0600000101010101" pitchFamily="34" charset="-127"/>
-              </a:rPr>
-              <a:t>8764314</a:t>
-            </a:r>
-          </a:p>
-          <a:p>
-            <a:pPr>
-              <a:lnSpc>
-                <a:spcPct val="80000"/>
-              </a:lnSpc>
-              <a:buFont typeface="Arial" panose="020B0604020202020204" pitchFamily="34" charset="0"/>
-              <a:buChar char="•"/>
-            </a:pPr>
-            <a:r>
-              <a:rPr lang="en-US" altLang="ko-KR" sz="2000" dirty="0">
-                <a:latin typeface="Verdana" panose="020B0604030504040204" pitchFamily="34" charset="0"/>
-                <a:ea typeface="굴림" panose="020B0600000101010101" pitchFamily="34" charset="-127"/>
-              </a:rPr>
-              <a:t>8770613</a:t>
-            </a:r>
-          </a:p>
-          <a:p>
-            <a:pPr>
-              <a:lnSpc>
-                <a:spcPct val="80000"/>
-              </a:lnSpc>
-              <a:buFont typeface="Arial" panose="020B0604020202020204" pitchFamily="34" charset="0"/>
-              <a:buChar char="•"/>
-            </a:pPr>
-            <a:r>
-              <a:rPr lang="en-US" altLang="ko-KR" sz="2000" dirty="0">
-                <a:latin typeface="Verdana" panose="020B0604030504040204" pitchFamily="34" charset="0"/>
-                <a:ea typeface="굴림" panose="020B0600000101010101" pitchFamily="34" charset="-127"/>
-              </a:rPr>
-              <a:t>TABS-X</a:t>
-            </a:r>
+            <a:endParaRPr lang="en-US" altLang="ko-KR" sz="2000" dirty="0">
+              <a:latin typeface="Verdana" panose="020B0604030504040204" pitchFamily="34" charset="0"/>
+              <a:ea typeface="굴림" panose="020B0600000101010101" pitchFamily="34" charset="-127"/>
+            </a:endParaRPr>
           </a:p>
         </p:txBody>
       </p:sp>
+      <p:pic>
+        <p:nvPicPr>
+          <p:cNvPr id="3" name="Picture 2">
+            <a:extLst>
+              <a:ext uri="{FF2B5EF4-FFF2-40B4-BE49-F238E27FC236}">
+                <a16:creationId xmlns:a16="http://schemas.microsoft.com/office/drawing/2014/main" id="{73909F3C-035A-4B02-B451-F24001B1E7AB}"/>
+              </a:ext>
+            </a:extLst>
+          </p:cNvPr>
+          <p:cNvPicPr>
+            <a:picLocks noChangeAspect="1"/>
+          </p:cNvPicPr>
+          <p:nvPr/>
+        </p:nvPicPr>
+        <p:blipFill>
+          <a:blip r:embed="rId4"/>
+          <a:stretch>
+            <a:fillRect/>
+          </a:stretch>
+        </p:blipFill>
+        <p:spPr>
+          <a:xfrm>
+            <a:off x="2895600" y="1773238"/>
+            <a:ext cx="6096000" cy="4755292"/>
+          </a:xfrm>
+          <a:prstGeom prst="rect">
+            <a:avLst/>
+          </a:prstGeom>
+        </p:spPr>
+      </p:pic>
     </p:spTree>
     <p:extLst>
       <p:ext uri="{BB962C8B-B14F-4D97-AF65-F5344CB8AC3E}">
-        <p14:creationId xmlns:p14="http://schemas.microsoft.com/office/powerpoint/2010/main" val="2413797554"/>
+        <p14:creationId xmlns:p14="http://schemas.microsoft.com/office/powerpoint/2010/main" val="3115509289"/>
       </p:ext>
     </p:extLst>
   </p:cSld>
@@ -3800,7 +4252,7 @@
               <a:rPr lang="en-US" altLang="en-US" b="1" dirty="0">
                 <a:latin typeface="Tahoma" panose="020B0604030504040204" pitchFamily="34" charset="0"/>
               </a:rPr>
-              <a:t>Water Temperature</a:t>
+              <a:t>Project Data Points Location</a:t>
             </a:r>
             <a:endParaRPr lang="uk-UA" altLang="en-US" b="1" dirty="0">
               <a:latin typeface="Tahoma" panose="020B0604030504040204" pitchFamily="34" charset="0"/>
@@ -3826,8 +4278,8 @@
         </p:nvSpPr>
         <p:spPr>
           <a:xfrm>
-            <a:off x="1258888" y="1773238"/>
-            <a:ext cx="6769100" cy="817562"/>
+            <a:off x="457200" y="1773238"/>
+            <a:ext cx="7570788" cy="817562"/>
           </a:xfrm>
         </p:spPr>
         <p:txBody>
@@ -3840,17 +4292,162 @@
               </a:lnSpc>
               <a:buNone/>
             </a:pPr>
-            <a:endParaRPr lang="en-US" altLang="ko-KR" sz="2000" dirty="0">
-              <a:latin typeface="Verdana" panose="020B0604030504040204" pitchFamily="34" charset="0"/>
-              <a:ea typeface="굴림" panose="020B0600000101010101" pitchFamily="34" charset="-127"/>
-            </a:endParaRPr>
+            <a:r>
+              <a:rPr lang="en-US" altLang="ko-KR" sz="2000" dirty="0">
+                <a:latin typeface="Verdana" panose="020B0604030504040204" pitchFamily="34" charset="0"/>
+                <a:ea typeface="굴림" panose="020B0600000101010101" pitchFamily="34" charset="-127"/>
+              </a:rPr>
+              <a:t>Selected Data Points:</a:t>
+            </a:r>
+          </a:p>
+          <a:p>
+            <a:pPr>
+              <a:lnSpc>
+                <a:spcPct val="80000"/>
+              </a:lnSpc>
+              <a:buFont typeface="Arial" panose="020B0604020202020204" pitchFamily="34" charset="0"/>
+              <a:buChar char="•"/>
+            </a:pPr>
+            <a:r>
+              <a:rPr lang="en-US" altLang="ko-KR" sz="2000" dirty="0">
+                <a:latin typeface="Verdana" panose="020B0604030504040204" pitchFamily="34" charset="0"/>
+                <a:ea typeface="굴림" panose="020B0600000101010101" pitchFamily="34" charset="-127"/>
+              </a:rPr>
+              <a:t>A = 42043	</a:t>
+            </a:r>
+          </a:p>
+          <a:p>
+            <a:pPr>
+              <a:lnSpc>
+                <a:spcPct val="80000"/>
+              </a:lnSpc>
+              <a:buFont typeface="Arial" panose="020B0604020202020204" pitchFamily="34" charset="0"/>
+              <a:buChar char="•"/>
+            </a:pPr>
+            <a:r>
+              <a:rPr lang="en-US" altLang="ko-KR" sz="2000" dirty="0">
+                <a:latin typeface="Verdana" panose="020B0604030504040204" pitchFamily="34" charset="0"/>
+                <a:ea typeface="굴림" panose="020B0600000101010101" pitchFamily="34" charset="-127"/>
+              </a:rPr>
+              <a:t>B = 42044</a:t>
+            </a:r>
+          </a:p>
+          <a:p>
+            <a:pPr>
+              <a:lnSpc>
+                <a:spcPct val="80000"/>
+              </a:lnSpc>
+              <a:buFont typeface="Arial" panose="020B0604020202020204" pitchFamily="34" charset="0"/>
+              <a:buChar char="•"/>
+            </a:pPr>
+            <a:r>
+              <a:rPr lang="en-US" altLang="ko-KR" sz="2000" dirty="0">
+                <a:latin typeface="Verdana" panose="020B0604030504040204" pitchFamily="34" charset="0"/>
+                <a:ea typeface="굴림" panose="020B0600000101010101" pitchFamily="34" charset="-127"/>
+              </a:rPr>
+              <a:t>C = 42047</a:t>
+            </a:r>
+          </a:p>
+          <a:p>
+            <a:pPr>
+              <a:lnSpc>
+                <a:spcPct val="80000"/>
+              </a:lnSpc>
+              <a:buFont typeface="Arial" panose="020B0604020202020204" pitchFamily="34" charset="0"/>
+              <a:buChar char="•"/>
+            </a:pPr>
+            <a:r>
+              <a:rPr lang="en-US" altLang="ko-KR" sz="2000" dirty="0">
+                <a:latin typeface="Verdana" panose="020B0604030504040204" pitchFamily="34" charset="0"/>
+                <a:ea typeface="굴림" panose="020B0600000101010101" pitchFamily="34" charset="-127"/>
+              </a:rPr>
+              <a:t>D = 8764314</a:t>
+            </a:r>
+          </a:p>
+          <a:p>
+            <a:pPr>
+              <a:lnSpc>
+                <a:spcPct val="80000"/>
+              </a:lnSpc>
+              <a:buFont typeface="Arial" panose="020B0604020202020204" pitchFamily="34" charset="0"/>
+              <a:buChar char="•"/>
+            </a:pPr>
+            <a:r>
+              <a:rPr lang="en-US" altLang="ko-KR" sz="2000" dirty="0">
+                <a:latin typeface="Verdana" panose="020B0604030504040204" pitchFamily="34" charset="0"/>
+                <a:ea typeface="굴림" panose="020B0600000101010101" pitchFamily="34" charset="-127"/>
+              </a:rPr>
+              <a:t>E = 8770613</a:t>
+            </a:r>
+          </a:p>
+          <a:p>
+            <a:pPr>
+              <a:lnSpc>
+                <a:spcPct val="80000"/>
+              </a:lnSpc>
+              <a:buFont typeface="Arial" panose="020B0604020202020204" pitchFamily="34" charset="0"/>
+              <a:buChar char="•"/>
+            </a:pPr>
+            <a:r>
+              <a:rPr lang="en-US" altLang="ko-KR" sz="2000" dirty="0">
+                <a:latin typeface="Verdana" panose="020B0604030504040204" pitchFamily="34" charset="0"/>
+                <a:ea typeface="굴림" panose="020B0600000101010101" pitchFamily="34" charset="-127"/>
+              </a:rPr>
+              <a:t>F = TABS-X</a:t>
+            </a:r>
+          </a:p>
+          <a:p>
+            <a:pPr>
+              <a:lnSpc>
+                <a:spcPct val="80000"/>
+              </a:lnSpc>
+              <a:buFont typeface="Arial" panose="020B0604020202020204" pitchFamily="34" charset="0"/>
+              <a:buChar char="•"/>
+            </a:pPr>
+            <a:r>
+              <a:rPr lang="en-US" altLang="ko-KR" sz="2000" dirty="0">
+                <a:latin typeface="Verdana" panose="020B0604030504040204" pitchFamily="34" charset="0"/>
+                <a:ea typeface="굴림" panose="020B0600000101010101" pitchFamily="34" charset="-127"/>
+              </a:rPr>
+              <a:t>G = 42019</a:t>
+            </a:r>
           </a:p>
         </p:txBody>
       </p:sp>
+      <p:pic>
+        <p:nvPicPr>
+          <p:cNvPr id="3" name="Picture 2">
+            <a:extLst>
+              <a:ext uri="{FF2B5EF4-FFF2-40B4-BE49-F238E27FC236}">
+                <a16:creationId xmlns:a16="http://schemas.microsoft.com/office/drawing/2014/main" id="{F2B341A5-1C9B-4AC5-82BE-33151688249B}"/>
+              </a:ext>
+            </a:extLst>
+          </p:cNvPr>
+          <p:cNvPicPr>
+            <a:picLocks noChangeAspect="1"/>
+          </p:cNvPicPr>
+          <p:nvPr/>
+        </p:nvPicPr>
+        <p:blipFill>
+          <a:blip r:embed="rId2"/>
+          <a:stretch>
+            <a:fillRect/>
+          </a:stretch>
+        </p:blipFill>
+        <p:spPr>
+          <a:xfrm>
+            <a:off x="2590800" y="2438400"/>
+            <a:ext cx="6480157" cy="4248598"/>
+          </a:xfrm>
+          <a:prstGeom prst="rect">
+            <a:avLst/>
+          </a:prstGeom>
+        </p:spPr>
+      </p:pic>
     </p:spTree>
     <p:extLst>
       <p:ext uri="{BB962C8B-B14F-4D97-AF65-F5344CB8AC3E}">
-        <p14:creationId xmlns:p14="http://schemas.microsoft.com/office/powerpoint/2010/main" val="2114264503"/>
+        <p14:creationId xmlns:p14="http://schemas.microsoft.com/office/powerpoint/2010/main" val="2413797554"/>
       </p:ext>
     </p:extLst>
   </p:cSld>
@@ -3907,7 +4504,7 @@
               <a:rPr lang="en-US" altLang="en-US" b="1" dirty="0">
                 <a:latin typeface="Tahoma" panose="020B0604030504040204" pitchFamily="34" charset="0"/>
               </a:rPr>
-              <a:t>Water Salinity</a:t>
+              <a:t>Data Cleanup</a:t>
             </a:r>
             <a:endParaRPr lang="uk-UA" altLang="en-US" b="1" dirty="0">
               <a:latin typeface="Tahoma" panose="020B0604030504040204" pitchFamily="34" charset="0"/>
@@ -3957,7 +4554,7 @@
     </p:spTree>
     <p:extLst>
       <p:ext uri="{BB962C8B-B14F-4D97-AF65-F5344CB8AC3E}">
-        <p14:creationId xmlns:p14="http://schemas.microsoft.com/office/powerpoint/2010/main" val="3076025934"/>
+        <p14:creationId xmlns:p14="http://schemas.microsoft.com/office/powerpoint/2010/main" val="2114264503"/>
       </p:ext>
     </p:extLst>
   </p:cSld>
@@ -4014,7 +4611,7 @@
               <a:rPr lang="en-US" altLang="en-US" b="1" dirty="0">
                 <a:latin typeface="Tahoma" panose="020B0604030504040204" pitchFamily="34" charset="0"/>
               </a:rPr>
-              <a:t>Air Temperature</a:t>
+              <a:t>Water Temperature</a:t>
             </a:r>
             <a:endParaRPr lang="uk-UA" altLang="en-US" b="1" dirty="0">
               <a:latin typeface="Tahoma" panose="020B0604030504040204" pitchFamily="34" charset="0"/>
@@ -4022,49 +4619,70 @@
           </a:p>
         </p:txBody>
       </p:sp>
-      <p:sp>
-        <p:nvSpPr>
-          <p:cNvPr id="36867" name="Rectangle 3">
-            <a:extLst>
-              <a:ext uri="{FF2B5EF4-FFF2-40B4-BE49-F238E27FC236}">
-                <a16:creationId xmlns:a16="http://schemas.microsoft.com/office/drawing/2014/main" id="{C23C7164-0E03-4DD7-9D9B-C0EC897A2618}"/>
-              </a:ext>
-            </a:extLst>
-          </p:cNvPr>
-          <p:cNvSpPr>
-            <a:spLocks noGrp="1" noChangeArrowheads="1"/>
-          </p:cNvSpPr>
-          <p:nvPr>
-            <p:ph type="body" idx="1"/>
-          </p:nvPr>
-        </p:nvSpPr>
+      <p:pic>
+        <p:nvPicPr>
+          <p:cNvPr id="2" name="Picture 1">
+            <a:extLst>
+              <a:ext uri="{FF2B5EF4-FFF2-40B4-BE49-F238E27FC236}">
+                <a16:creationId xmlns:a16="http://schemas.microsoft.com/office/drawing/2014/main" id="{30E78F15-8A05-4EF6-9A1D-C84166D5D0C6}"/>
+              </a:ext>
+            </a:extLst>
+          </p:cNvPr>
+          <p:cNvPicPr>
+            <a:picLocks noChangeAspect="1"/>
+          </p:cNvPicPr>
+          <p:nvPr/>
+        </p:nvPicPr>
+        <p:blipFill>
+          <a:blip r:embed="rId2"/>
+          <a:stretch>
+            <a:fillRect/>
+          </a:stretch>
+        </p:blipFill>
         <p:spPr>
           <a:xfrm>
-            <a:off x="1258888" y="1773238"/>
-            <a:ext cx="6769100" cy="817562"/>
-          </a:xfrm>
-        </p:spPr>
-        <p:txBody>
-          <a:bodyPr/>
-          <a:lstStyle/>
-          <a:p>
-            <a:pPr marL="0" indent="0">
-              <a:lnSpc>
-                <a:spcPct val="80000"/>
-              </a:lnSpc>
-              <a:buNone/>
-            </a:pPr>
-            <a:endParaRPr lang="en-US" altLang="ko-KR" sz="2000" dirty="0">
-              <a:latin typeface="Verdana" panose="020B0604030504040204" pitchFamily="34" charset="0"/>
-              <a:ea typeface="굴림" panose="020B0600000101010101" pitchFamily="34" charset="-127"/>
-            </a:endParaRPr>
-          </a:p>
-        </p:txBody>
-      </p:sp>
+            <a:off x="0" y="2164081"/>
+            <a:ext cx="4206240" cy="2103120"/>
+          </a:xfrm>
+          <a:prstGeom prst="rect">
+            <a:avLst/>
+          </a:prstGeom>
+        </p:spPr>
+      </p:pic>
+      <p:pic>
+        <p:nvPicPr>
+          <p:cNvPr id="3" name="Picture 2">
+            <a:extLst>
+              <a:ext uri="{FF2B5EF4-FFF2-40B4-BE49-F238E27FC236}">
+                <a16:creationId xmlns:a16="http://schemas.microsoft.com/office/drawing/2014/main" id="{45ED0CD2-3E18-43CA-B941-7E2C2C1E439E}"/>
+              </a:ext>
+            </a:extLst>
+          </p:cNvPr>
+          <p:cNvPicPr>
+            <a:picLocks noChangeAspect="1"/>
+          </p:cNvPicPr>
+          <p:nvPr/>
+        </p:nvPicPr>
+        <p:blipFill>
+          <a:blip r:embed="rId3"/>
+          <a:stretch>
+            <a:fillRect/>
+          </a:stretch>
+        </p:blipFill>
+        <p:spPr>
+          <a:xfrm>
+            <a:off x="0" y="4407437"/>
+            <a:ext cx="4206240" cy="2103120"/>
+          </a:xfrm>
+          <a:prstGeom prst="rect">
+            <a:avLst/>
+          </a:prstGeom>
+        </p:spPr>
+      </p:pic>
     </p:spTree>
     <p:extLst>
       <p:ext uri="{BB962C8B-B14F-4D97-AF65-F5344CB8AC3E}">
-        <p14:creationId xmlns:p14="http://schemas.microsoft.com/office/powerpoint/2010/main" val="2652253050"/>
+        <p14:creationId xmlns:p14="http://schemas.microsoft.com/office/powerpoint/2010/main" val="2744057486"/>
       </p:ext>
     </p:extLst>
   </p:cSld>
@@ -4121,7 +4739,7 @@
               <a:rPr lang="en-US" altLang="en-US" b="1" dirty="0">
                 <a:latin typeface="Tahoma" panose="020B0604030504040204" pitchFamily="34" charset="0"/>
               </a:rPr>
-              <a:t>Air Pressure</a:t>
+              <a:t>Water Salinity</a:t>
             </a:r>
             <a:endParaRPr lang="uk-UA" altLang="en-US" b="1" dirty="0">
               <a:latin typeface="Tahoma" panose="020B0604030504040204" pitchFamily="34" charset="0"/>
@@ -4129,49 +4747,70 @@
           </a:p>
         </p:txBody>
       </p:sp>
-      <p:sp>
-        <p:nvSpPr>
-          <p:cNvPr id="36867" name="Rectangle 3">
-            <a:extLst>
-              <a:ext uri="{FF2B5EF4-FFF2-40B4-BE49-F238E27FC236}">
-                <a16:creationId xmlns:a16="http://schemas.microsoft.com/office/drawing/2014/main" id="{C23C7164-0E03-4DD7-9D9B-C0EC897A2618}"/>
-              </a:ext>
-            </a:extLst>
-          </p:cNvPr>
-          <p:cNvSpPr>
-            <a:spLocks noGrp="1" noChangeArrowheads="1"/>
-          </p:cNvSpPr>
-          <p:nvPr>
-            <p:ph type="body" idx="1"/>
-          </p:nvPr>
-        </p:nvSpPr>
+      <p:pic>
+        <p:nvPicPr>
+          <p:cNvPr id="2" name="Picture 1">
+            <a:extLst>
+              <a:ext uri="{FF2B5EF4-FFF2-40B4-BE49-F238E27FC236}">
+                <a16:creationId xmlns:a16="http://schemas.microsoft.com/office/drawing/2014/main" id="{950A7B6E-ACF6-4453-B4F2-EDB114A50A77}"/>
+              </a:ext>
+            </a:extLst>
+          </p:cNvPr>
+          <p:cNvPicPr>
+            <a:picLocks noChangeAspect="1"/>
+          </p:cNvPicPr>
+          <p:nvPr/>
+        </p:nvPicPr>
+        <p:blipFill>
+          <a:blip r:embed="rId2"/>
+          <a:stretch>
+            <a:fillRect/>
+          </a:stretch>
+        </p:blipFill>
         <p:spPr>
           <a:xfrm>
-            <a:off x="1258888" y="1773238"/>
-            <a:ext cx="6769100" cy="817562"/>
-          </a:xfrm>
-        </p:spPr>
-        <p:txBody>
-          <a:bodyPr/>
-          <a:lstStyle/>
-          <a:p>
-            <a:pPr marL="0" indent="0">
-              <a:lnSpc>
-                <a:spcPct val="80000"/>
-              </a:lnSpc>
-              <a:buNone/>
-            </a:pPr>
-            <a:endParaRPr lang="en-US" altLang="ko-KR" sz="2000" dirty="0">
-              <a:latin typeface="Verdana" panose="020B0604030504040204" pitchFamily="34" charset="0"/>
-              <a:ea typeface="굴림" panose="020B0600000101010101" pitchFamily="34" charset="-127"/>
-            </a:endParaRPr>
-          </a:p>
-        </p:txBody>
-      </p:sp>
+            <a:off x="152400" y="2377440"/>
+            <a:ext cx="4206240" cy="2103120"/>
+          </a:xfrm>
+          <a:prstGeom prst="rect">
+            <a:avLst/>
+          </a:prstGeom>
+        </p:spPr>
+      </p:pic>
+      <p:pic>
+        <p:nvPicPr>
+          <p:cNvPr id="3" name="Picture 2">
+            <a:extLst>
+              <a:ext uri="{FF2B5EF4-FFF2-40B4-BE49-F238E27FC236}">
+                <a16:creationId xmlns:a16="http://schemas.microsoft.com/office/drawing/2014/main" id="{AB9B4A66-D60C-43C2-B362-738706BB5DEC}"/>
+              </a:ext>
+            </a:extLst>
+          </p:cNvPr>
+          <p:cNvPicPr>
+            <a:picLocks noChangeAspect="1"/>
+          </p:cNvPicPr>
+          <p:nvPr/>
+        </p:nvPicPr>
+        <p:blipFill>
+          <a:blip r:embed="rId3"/>
+          <a:stretch>
+            <a:fillRect/>
+          </a:stretch>
+        </p:blipFill>
+        <p:spPr>
+          <a:xfrm>
+            <a:off x="152400" y="4579735"/>
+            <a:ext cx="4206240" cy="2103120"/>
+          </a:xfrm>
+          <a:prstGeom prst="rect">
+            <a:avLst/>
+          </a:prstGeom>
+        </p:spPr>
+      </p:pic>
     </p:spTree>
     <p:extLst>
       <p:ext uri="{BB962C8B-B14F-4D97-AF65-F5344CB8AC3E}">
-        <p14:creationId xmlns:p14="http://schemas.microsoft.com/office/powerpoint/2010/main" val="1407735642"/>
+        <p14:creationId xmlns:p14="http://schemas.microsoft.com/office/powerpoint/2010/main" val="3076025934"/>
       </p:ext>
     </p:extLst>
   </p:cSld>
@@ -4228,7 +4867,7 @@
               <a:rPr lang="en-US" altLang="en-US" b="1" dirty="0">
                 <a:latin typeface="Tahoma" panose="020B0604030504040204" pitchFamily="34" charset="0"/>
               </a:rPr>
-              <a:t>Wind Speed</a:t>
+              <a:t>Air Temperature</a:t>
             </a:r>
             <a:endParaRPr lang="uk-UA" altLang="en-US" b="1" dirty="0">
               <a:latin typeface="Tahoma" panose="020B0604030504040204" pitchFamily="34" charset="0"/>
@@ -4236,49 +4875,70 @@
           </a:p>
         </p:txBody>
       </p:sp>
-      <p:sp>
-        <p:nvSpPr>
-          <p:cNvPr id="36867" name="Rectangle 3">
-            <a:extLst>
-              <a:ext uri="{FF2B5EF4-FFF2-40B4-BE49-F238E27FC236}">
-                <a16:creationId xmlns:a16="http://schemas.microsoft.com/office/drawing/2014/main" id="{C23C7164-0E03-4DD7-9D9B-C0EC897A2618}"/>
-              </a:ext>
-            </a:extLst>
-          </p:cNvPr>
-          <p:cNvSpPr>
-            <a:spLocks noGrp="1" noChangeArrowheads="1"/>
-          </p:cNvSpPr>
-          <p:nvPr>
-            <p:ph type="body" idx="1"/>
-          </p:nvPr>
-        </p:nvSpPr>
+      <p:pic>
+        <p:nvPicPr>
+          <p:cNvPr id="2" name="Picture 1">
+            <a:extLst>
+              <a:ext uri="{FF2B5EF4-FFF2-40B4-BE49-F238E27FC236}">
+                <a16:creationId xmlns:a16="http://schemas.microsoft.com/office/drawing/2014/main" id="{3ED1D160-DFF6-4574-86AC-93A11EF3ED9E}"/>
+              </a:ext>
+            </a:extLst>
+          </p:cNvPr>
+          <p:cNvPicPr>
+            <a:picLocks noChangeAspect="1"/>
+          </p:cNvPicPr>
+          <p:nvPr/>
+        </p:nvPicPr>
+        <p:blipFill>
+          <a:blip r:embed="rId2"/>
+          <a:stretch>
+            <a:fillRect/>
+          </a:stretch>
+        </p:blipFill>
         <p:spPr>
           <a:xfrm>
-            <a:off x="1258888" y="1773238"/>
-            <a:ext cx="6769100" cy="817562"/>
-          </a:xfrm>
-        </p:spPr>
-        <p:txBody>
-          <a:bodyPr/>
-          <a:lstStyle/>
-          <a:p>
-            <a:pPr marL="0" indent="0">
-              <a:lnSpc>
-                <a:spcPct val="80000"/>
-              </a:lnSpc>
-              <a:buNone/>
-            </a:pPr>
-            <a:endParaRPr lang="en-US" altLang="ko-KR" sz="2000" dirty="0">
-              <a:latin typeface="Verdana" panose="020B0604030504040204" pitchFamily="34" charset="0"/>
-              <a:ea typeface="굴림" panose="020B0600000101010101" pitchFamily="34" charset="-127"/>
-            </a:endParaRPr>
-          </a:p>
-        </p:txBody>
-      </p:sp>
+            <a:off x="0" y="1874058"/>
+            <a:ext cx="4206240" cy="2103120"/>
+          </a:xfrm>
+          <a:prstGeom prst="rect">
+            <a:avLst/>
+          </a:prstGeom>
+        </p:spPr>
+      </p:pic>
+      <p:pic>
+        <p:nvPicPr>
+          <p:cNvPr id="3" name="Picture 2">
+            <a:extLst>
+              <a:ext uri="{FF2B5EF4-FFF2-40B4-BE49-F238E27FC236}">
+                <a16:creationId xmlns:a16="http://schemas.microsoft.com/office/drawing/2014/main" id="{EB4B64CE-B8F1-419F-BB7F-46E858B52A87}"/>
+              </a:ext>
+            </a:extLst>
+          </p:cNvPr>
+          <p:cNvPicPr>
+            <a:picLocks noChangeAspect="1"/>
+          </p:cNvPicPr>
+          <p:nvPr/>
+        </p:nvPicPr>
+        <p:blipFill>
+          <a:blip r:embed="rId3"/>
+          <a:stretch>
+            <a:fillRect/>
+          </a:stretch>
+        </p:blipFill>
+        <p:spPr>
+          <a:xfrm>
+            <a:off x="0" y="4077998"/>
+            <a:ext cx="4206240" cy="2103120"/>
+          </a:xfrm>
+          <a:prstGeom prst="rect">
+            <a:avLst/>
+          </a:prstGeom>
+        </p:spPr>
+      </p:pic>
     </p:spTree>
     <p:extLst>
       <p:ext uri="{BB962C8B-B14F-4D97-AF65-F5344CB8AC3E}">
-        <p14:creationId xmlns:p14="http://schemas.microsoft.com/office/powerpoint/2010/main" val="2918442361"/>
+        <p14:creationId xmlns:p14="http://schemas.microsoft.com/office/powerpoint/2010/main" val="2652253050"/>
       </p:ext>
     </p:extLst>
   </p:cSld>

--- a/Final Presentation.pptx
+++ b/Final Presentation.pptx
@@ -5,7 +5,7 @@
     <p:sldMasterId id="2147483648" r:id="rId1"/>
   </p:sldMasterIdLst>
   <p:handoutMasterIdLst>
-    <p:handoutMasterId r:id="rId18"/>
+    <p:handoutMasterId r:id="rId17"/>
   </p:handoutMasterIdLst>
   <p:sldIdLst>
     <p:sldId id="256" r:id="rId2"/>
@@ -23,7 +23,6 @@
     <p:sldId id="271" r:id="rId14"/>
     <p:sldId id="261" r:id="rId15"/>
     <p:sldId id="262" r:id="rId16"/>
-    <p:sldId id="258" r:id="rId17"/>
   </p:sldIdLst>
   <p:sldSz cx="9144000" cy="6858000" type="screen4x3"/>
   <p:notesSz cx="6858000" cy="9144000"/>
@@ -3352,107 +3351,6 @@
 </p:sld>
 </file>
 
-<file path=ppt/slides/slide16.xml><?xml version="1.0" encoding="utf-8"?>
-<p:sld xmlns:a="http://schemas.openxmlformats.org/drawingml/2006/main" xmlns:r="http://schemas.openxmlformats.org/officeDocument/2006/relationships" xmlns:p="http://schemas.openxmlformats.org/presentationml/2006/main">
-  <p:cSld>
-    <p:bg>
-      <p:bgPr>
-        <a:blipFill dpi="0" rotWithShape="0">
-          <a:blip r:embed="rId2"/>
-          <a:srcRect/>
-          <a:stretch>
-            <a:fillRect/>
-          </a:stretch>
-        </a:blipFill>
-        <a:effectLst/>
-      </p:bgPr>
-    </p:bg>
-    <p:spTree>
-      <p:nvGrpSpPr>
-        <p:cNvPr id="1" name=""/>
-        <p:cNvGrpSpPr/>
-        <p:nvPr/>
-      </p:nvGrpSpPr>
-      <p:grpSpPr>
-        <a:xfrm>
-          <a:off x="0" y="0"/>
-          <a:ext cx="0" cy="0"/>
-          <a:chOff x="0" y="0"/>
-          <a:chExt cx="0" cy="0"/>
-        </a:xfrm>
-      </p:grpSpPr>
-      <p:sp>
-        <p:nvSpPr>
-          <p:cNvPr id="277506" name="Rectangle 2">
-            <a:extLst>
-              <a:ext uri="{FF2B5EF4-FFF2-40B4-BE49-F238E27FC236}">
-                <a16:creationId xmlns:a16="http://schemas.microsoft.com/office/drawing/2014/main" id="{DF1F63A3-52F1-499E-8B8E-79497288958C}"/>
-              </a:ext>
-            </a:extLst>
-          </p:cNvPr>
-          <p:cNvSpPr>
-            <a:spLocks noGrp="1" noChangeArrowheads="1"/>
-          </p:cNvSpPr>
-          <p:nvPr>
-            <p:ph type="title"/>
-          </p:nvPr>
-        </p:nvSpPr>
-        <p:spPr>
-          <a:xfrm>
-            <a:off x="1908175" y="117475"/>
-            <a:ext cx="7056438" cy="719138"/>
-          </a:xfrm>
-        </p:spPr>
-        <p:txBody>
-          <a:bodyPr/>
-          <a:lstStyle/>
-          <a:p>
-            <a:endParaRPr lang="en-US" altLang="en-US" b="1">
-              <a:solidFill>
-                <a:schemeClr val="bg2"/>
-              </a:solidFill>
-            </a:endParaRPr>
-          </a:p>
-        </p:txBody>
-      </p:sp>
-      <p:sp>
-        <p:nvSpPr>
-          <p:cNvPr id="277507" name="Rectangle 3">
-            <a:extLst>
-              <a:ext uri="{FF2B5EF4-FFF2-40B4-BE49-F238E27FC236}">
-                <a16:creationId xmlns:a16="http://schemas.microsoft.com/office/drawing/2014/main" id="{A2C7D141-B6DD-497E-80B3-95B1B45F29C3}"/>
-              </a:ext>
-            </a:extLst>
-          </p:cNvPr>
-          <p:cNvSpPr>
-            <a:spLocks noGrp="1" noChangeArrowheads="1"/>
-          </p:cNvSpPr>
-          <p:nvPr>
-            <p:ph type="body" idx="1"/>
-          </p:nvPr>
-        </p:nvSpPr>
-        <p:spPr>
-          <a:xfrm>
-            <a:off x="1908175" y="909638"/>
-            <a:ext cx="7056438" cy="5832475"/>
-          </a:xfrm>
-        </p:spPr>
-        <p:txBody>
-          <a:bodyPr/>
-          <a:lstStyle/>
-          <a:p>
-            <a:endParaRPr lang="en-US" altLang="en-US"/>
-          </a:p>
-        </p:txBody>
-      </p:sp>
-    </p:spTree>
-  </p:cSld>
-  <p:clrMapOvr>
-    <a:masterClrMapping/>
-  </p:clrMapOvr>
-</p:sld>
-</file>
-
 <file path=ppt/slides/slide2.xml><?xml version="1.0" encoding="utf-8"?>
 <p:sld xmlns:a="http://schemas.openxmlformats.org/drawingml/2006/main" xmlns:r="http://schemas.openxmlformats.org/officeDocument/2006/relationships" xmlns:p="http://schemas.openxmlformats.org/presentationml/2006/main">
   <p:cSld>
@@ -4436,14 +4334,259 @@
         </p:blipFill>
         <p:spPr>
           <a:xfrm>
-            <a:off x="2590800" y="2438400"/>
-            <a:ext cx="6480157" cy="4248598"/>
+            <a:off x="2663843" y="2438400"/>
+            <a:ext cx="6327757" cy="4248598"/>
           </a:xfrm>
           <a:prstGeom prst="rect">
             <a:avLst/>
           </a:prstGeom>
         </p:spPr>
       </p:pic>
+      <p:sp>
+        <p:nvSpPr>
+          <p:cNvPr id="4" name="TextBox 3">
+            <a:extLst>
+              <a:ext uri="{FF2B5EF4-FFF2-40B4-BE49-F238E27FC236}">
+                <a16:creationId xmlns:a16="http://schemas.microsoft.com/office/drawing/2014/main" id="{5E2CB80E-14F5-431F-8AC1-AD76D26A726F}"/>
+              </a:ext>
+            </a:extLst>
+          </p:cNvPr>
+          <p:cNvSpPr txBox="1"/>
+          <p:nvPr/>
+        </p:nvSpPr>
+        <p:spPr>
+          <a:xfrm>
+            <a:off x="4396740" y="4378033"/>
+            <a:ext cx="350519" cy="369332"/>
+          </a:xfrm>
+          <a:prstGeom prst="rect">
+            <a:avLst/>
+          </a:prstGeom>
+          <a:noFill/>
+        </p:spPr>
+        <p:txBody>
+          <a:bodyPr wrap="square" rtlCol="0">
+            <a:spAutoFit/>
+          </a:bodyPr>
+          <a:lstStyle/>
+          <a:p>
+            <a:r>
+              <a:rPr lang="en-US" dirty="0"/>
+              <a:t>D</a:t>
+            </a:r>
+          </a:p>
+        </p:txBody>
+      </p:sp>
+      <p:sp>
+        <p:nvSpPr>
+          <p:cNvPr id="5" name="TextBox 4">
+            <a:extLst>
+              <a:ext uri="{FF2B5EF4-FFF2-40B4-BE49-F238E27FC236}">
+                <a16:creationId xmlns:a16="http://schemas.microsoft.com/office/drawing/2014/main" id="{51CA4A2B-3ABE-49E7-8B97-D65C743BC531}"/>
+              </a:ext>
+            </a:extLst>
+          </p:cNvPr>
+          <p:cNvSpPr txBox="1"/>
+          <p:nvPr/>
+        </p:nvSpPr>
+        <p:spPr>
+          <a:xfrm>
+            <a:off x="3905327" y="4876800"/>
+            <a:ext cx="350519" cy="369332"/>
+          </a:xfrm>
+          <a:prstGeom prst="rect">
+            <a:avLst/>
+          </a:prstGeom>
+          <a:noFill/>
+        </p:spPr>
+        <p:txBody>
+          <a:bodyPr wrap="square" rtlCol="0">
+            <a:spAutoFit/>
+          </a:bodyPr>
+          <a:lstStyle/>
+          <a:p>
+            <a:r>
+              <a:rPr lang="en-US" dirty="0"/>
+              <a:t>C</a:t>
+            </a:r>
+          </a:p>
+        </p:txBody>
+      </p:sp>
+      <p:sp>
+        <p:nvSpPr>
+          <p:cNvPr id="6" name="TextBox 5">
+            <a:extLst>
+              <a:ext uri="{FF2B5EF4-FFF2-40B4-BE49-F238E27FC236}">
+                <a16:creationId xmlns:a16="http://schemas.microsoft.com/office/drawing/2014/main" id="{F3EA99C6-8893-47F4-A4FC-D87BED9958CB}"/>
+              </a:ext>
+            </a:extLst>
+          </p:cNvPr>
+          <p:cNvSpPr txBox="1"/>
+          <p:nvPr/>
+        </p:nvSpPr>
+        <p:spPr>
+          <a:xfrm>
+            <a:off x="3217960" y="4423243"/>
+            <a:ext cx="350519" cy="369332"/>
+          </a:xfrm>
+          <a:prstGeom prst="rect">
+            <a:avLst/>
+          </a:prstGeom>
+          <a:noFill/>
+        </p:spPr>
+        <p:txBody>
+          <a:bodyPr wrap="square" rtlCol="0">
+            <a:spAutoFit/>
+          </a:bodyPr>
+          <a:lstStyle/>
+          <a:p>
+            <a:r>
+              <a:rPr lang="en-US" dirty="0"/>
+              <a:t>A</a:t>
+            </a:r>
+          </a:p>
+        </p:txBody>
+      </p:sp>
+      <p:sp>
+        <p:nvSpPr>
+          <p:cNvPr id="8" name="TextBox 7">
+            <a:extLst>
+              <a:ext uri="{FF2B5EF4-FFF2-40B4-BE49-F238E27FC236}">
+                <a16:creationId xmlns:a16="http://schemas.microsoft.com/office/drawing/2014/main" id="{C2514454-9225-4DDF-82B8-0E187E2567DE}"/>
+              </a:ext>
+            </a:extLst>
+          </p:cNvPr>
+          <p:cNvSpPr txBox="1"/>
+          <p:nvPr/>
+        </p:nvSpPr>
+        <p:spPr>
+          <a:xfrm>
+            <a:off x="3425929" y="4018106"/>
+            <a:ext cx="350519" cy="369332"/>
+          </a:xfrm>
+          <a:prstGeom prst="rect">
+            <a:avLst/>
+          </a:prstGeom>
+          <a:noFill/>
+        </p:spPr>
+        <p:txBody>
+          <a:bodyPr wrap="square" rtlCol="0">
+            <a:spAutoFit/>
+          </a:bodyPr>
+          <a:lstStyle/>
+          <a:p>
+            <a:r>
+              <a:rPr lang="en-US" dirty="0"/>
+              <a:t>E</a:t>
+            </a:r>
+          </a:p>
+        </p:txBody>
+      </p:sp>
+      <p:sp>
+        <p:nvSpPr>
+          <p:cNvPr id="10" name="TextBox 9">
+            <a:extLst>
+              <a:ext uri="{FF2B5EF4-FFF2-40B4-BE49-F238E27FC236}">
+                <a16:creationId xmlns:a16="http://schemas.microsoft.com/office/drawing/2014/main" id="{1A24652D-A836-4868-8612-3743A7EB5993}"/>
+              </a:ext>
+            </a:extLst>
+          </p:cNvPr>
+          <p:cNvSpPr txBox="1"/>
+          <p:nvPr/>
+        </p:nvSpPr>
+        <p:spPr>
+          <a:xfrm>
+            <a:off x="3361566" y="4995608"/>
+            <a:ext cx="350519" cy="369332"/>
+          </a:xfrm>
+          <a:prstGeom prst="rect">
+            <a:avLst/>
+          </a:prstGeom>
+          <a:noFill/>
+        </p:spPr>
+        <p:txBody>
+          <a:bodyPr wrap="square" rtlCol="0">
+            <a:spAutoFit/>
+          </a:bodyPr>
+          <a:lstStyle/>
+          <a:p>
+            <a:r>
+              <a:rPr lang="en-US" dirty="0"/>
+              <a:t>F</a:t>
+            </a:r>
+          </a:p>
+        </p:txBody>
+      </p:sp>
+      <p:sp>
+        <p:nvSpPr>
+          <p:cNvPr id="12" name="TextBox 11">
+            <a:extLst>
+              <a:ext uri="{FF2B5EF4-FFF2-40B4-BE49-F238E27FC236}">
+                <a16:creationId xmlns:a16="http://schemas.microsoft.com/office/drawing/2014/main" id="{37D4D52B-9FD6-492C-900C-5B6330FF239D}"/>
+              </a:ext>
+            </a:extLst>
+          </p:cNvPr>
+          <p:cNvSpPr txBox="1"/>
+          <p:nvPr/>
+        </p:nvSpPr>
+        <p:spPr>
+          <a:xfrm>
+            <a:off x="3105979" y="5293252"/>
+            <a:ext cx="350519" cy="369332"/>
+          </a:xfrm>
+          <a:prstGeom prst="rect">
+            <a:avLst/>
+          </a:prstGeom>
+          <a:noFill/>
+        </p:spPr>
+        <p:txBody>
+          <a:bodyPr wrap="square" rtlCol="0">
+            <a:spAutoFit/>
+          </a:bodyPr>
+          <a:lstStyle/>
+          <a:p>
+            <a:r>
+              <a:rPr lang="en-US" dirty="0"/>
+              <a:t>B</a:t>
+            </a:r>
+          </a:p>
+        </p:txBody>
+      </p:sp>
+      <p:sp>
+        <p:nvSpPr>
+          <p:cNvPr id="14" name="TextBox 13">
+            <a:extLst>
+              <a:ext uri="{FF2B5EF4-FFF2-40B4-BE49-F238E27FC236}">
+                <a16:creationId xmlns:a16="http://schemas.microsoft.com/office/drawing/2014/main" id="{524BE67F-227B-43B1-AD85-B105D778F9EF}"/>
+              </a:ext>
+            </a:extLst>
+          </p:cNvPr>
+          <p:cNvSpPr txBox="1"/>
+          <p:nvPr/>
+        </p:nvSpPr>
+        <p:spPr>
+          <a:xfrm>
+            <a:off x="3478849" y="4784093"/>
+            <a:ext cx="350519" cy="369332"/>
+          </a:xfrm>
+          <a:prstGeom prst="rect">
+            <a:avLst/>
+          </a:prstGeom>
+          <a:noFill/>
+        </p:spPr>
+        <p:txBody>
+          <a:bodyPr wrap="square" rtlCol="0">
+            <a:spAutoFit/>
+          </a:bodyPr>
+          <a:lstStyle/>
+          <a:p>
+            <a:r>
+              <a:rPr lang="en-US" dirty="0"/>
+              <a:t>G</a:t>
+            </a:r>
+          </a:p>
+        </p:txBody>
+      </p:sp>
     </p:spTree>
     <p:extLst>
       <p:ext uri="{BB962C8B-B14F-4D97-AF65-F5344CB8AC3E}">

--- a/Final Presentation.pptx
+++ b/Final Presentation.pptx
@@ -5,7 +5,7 @@
     <p:sldMasterId id="2147483648" r:id="rId1"/>
   </p:sldMasterIdLst>
   <p:handoutMasterIdLst>
-    <p:handoutMasterId r:id="rId17"/>
+    <p:handoutMasterId r:id="rId18"/>
   </p:handoutMasterIdLst>
   <p:sldIdLst>
     <p:sldId id="256" r:id="rId2"/>
@@ -14,15 +14,16 @@
     <p:sldId id="259" r:id="rId5"/>
     <p:sldId id="263" r:id="rId6"/>
     <p:sldId id="264" r:id="rId7"/>
-    <p:sldId id="270" r:id="rId8"/>
-    <p:sldId id="267" r:id="rId9"/>
-    <p:sldId id="266" r:id="rId10"/>
-    <p:sldId id="265" r:id="rId11"/>
-    <p:sldId id="268" r:id="rId12"/>
-    <p:sldId id="260" r:id="rId13"/>
-    <p:sldId id="271" r:id="rId14"/>
-    <p:sldId id="261" r:id="rId15"/>
-    <p:sldId id="262" r:id="rId16"/>
+    <p:sldId id="272" r:id="rId8"/>
+    <p:sldId id="270" r:id="rId9"/>
+    <p:sldId id="267" r:id="rId10"/>
+    <p:sldId id="266" r:id="rId11"/>
+    <p:sldId id="265" r:id="rId12"/>
+    <p:sldId id="268" r:id="rId13"/>
+    <p:sldId id="260" r:id="rId14"/>
+    <p:sldId id="271" r:id="rId15"/>
+    <p:sldId id="261" r:id="rId16"/>
+    <p:sldId id="262" r:id="rId17"/>
   </p:sldIdLst>
   <p:sldSz cx="9144000" cy="6858000" type="screen4x3"/>
   <p:notesSz cx="6858000" cy="9144000"/>
@@ -2513,7 +2514,7 @@
               <a:rPr lang="en-US" altLang="en-US" dirty="0">
                 <a:latin typeface="Tahoma" panose="020B0604030504040204" pitchFamily="34" charset="0"/>
               </a:rPr>
-              <a:t>Hurricane Harvey – Best Track Analysis</a:t>
+              <a:t>Hurricane Harvey – Track Analysis</a:t>
             </a:r>
             <a:endParaRPr lang="uk-UA" altLang="en-US" dirty="0">
               <a:latin typeface="Tahoma" panose="020B0604030504040204" pitchFamily="34" charset="0"/>
@@ -2615,7 +2616,7 @@
               <a:rPr lang="en-US" altLang="en-US" b="1" dirty="0">
                 <a:latin typeface="Tahoma" panose="020B0604030504040204" pitchFamily="34" charset="0"/>
               </a:rPr>
-              <a:t>Air Pressure</a:t>
+              <a:t>Air Temperature</a:t>
             </a:r>
             <a:endParaRPr lang="uk-UA" altLang="en-US" b="1" dirty="0">
               <a:latin typeface="Tahoma" panose="020B0604030504040204" pitchFamily="34" charset="0"/>
@@ -2628,7 +2629,7 @@
           <p:cNvPr id="2" name="Picture 1">
             <a:extLst>
               <a:ext uri="{FF2B5EF4-FFF2-40B4-BE49-F238E27FC236}">
-                <a16:creationId xmlns:a16="http://schemas.microsoft.com/office/drawing/2014/main" id="{B7DE66FD-1E44-4713-B0D6-C9E346B70396}"/>
+                <a16:creationId xmlns:a16="http://schemas.microsoft.com/office/drawing/2014/main" id="{3ED1D160-DFF6-4574-86AC-93A11EF3ED9E}"/>
               </a:ext>
             </a:extLst>
           </p:cNvPr>
@@ -2645,7 +2646,7 @@
         </p:blipFill>
         <p:spPr>
           <a:xfrm>
-            <a:off x="0" y="2036128"/>
+            <a:off x="0" y="1874058"/>
             <a:ext cx="4206240" cy="2103120"/>
           </a:xfrm>
           <a:prstGeom prst="rect">
@@ -2658,7 +2659,7 @@
           <p:cNvPr id="3" name="Picture 2">
             <a:extLst>
               <a:ext uri="{FF2B5EF4-FFF2-40B4-BE49-F238E27FC236}">
-                <a16:creationId xmlns:a16="http://schemas.microsoft.com/office/drawing/2014/main" id="{2D8DBA0E-02FB-4630-9326-93B23AE86DCC}"/>
+                <a16:creationId xmlns:a16="http://schemas.microsoft.com/office/drawing/2014/main" id="{EB4B64CE-B8F1-419F-BB7F-46E858B52A87}"/>
               </a:ext>
             </a:extLst>
           </p:cNvPr>
@@ -2675,7 +2676,7 @@
         </p:blipFill>
         <p:spPr>
           <a:xfrm>
-            <a:off x="42636" y="4768850"/>
+            <a:off x="0" y="4077998"/>
             <a:ext cx="4206240" cy="2103120"/>
           </a:xfrm>
           <a:prstGeom prst="rect">
@@ -2683,10 +2684,45 @@
           </a:prstGeom>
         </p:spPr>
       </p:pic>
+      <p:sp>
+        <p:nvSpPr>
+          <p:cNvPr id="5" name="TextBox 4">
+            <a:extLst>
+              <a:ext uri="{FF2B5EF4-FFF2-40B4-BE49-F238E27FC236}">
+                <a16:creationId xmlns:a16="http://schemas.microsoft.com/office/drawing/2014/main" id="{DCE431EE-3684-934D-AC4C-45CB83A2C357}"/>
+              </a:ext>
+            </a:extLst>
+          </p:cNvPr>
+          <p:cNvSpPr txBox="1"/>
+          <p:nvPr/>
+        </p:nvSpPr>
+        <p:spPr>
+          <a:xfrm>
+            <a:off x="1600200" y="1491734"/>
+            <a:ext cx="1752600" cy="369332"/>
+          </a:xfrm>
+          <a:prstGeom prst="rect">
+            <a:avLst/>
+          </a:prstGeom>
+          <a:noFill/>
+        </p:spPr>
+        <p:txBody>
+          <a:bodyPr wrap="square" rtlCol="0">
+            <a:spAutoFit/>
+          </a:bodyPr>
+          <a:lstStyle/>
+          <a:p>
+            <a:r>
+              <a:rPr lang="en-US" b="1" dirty="0"/>
+              <a:t>Data Outliers</a:t>
+            </a:r>
+          </a:p>
+        </p:txBody>
+      </p:sp>
     </p:spTree>
     <p:extLst>
       <p:ext uri="{BB962C8B-B14F-4D97-AF65-F5344CB8AC3E}">
-        <p14:creationId xmlns:p14="http://schemas.microsoft.com/office/powerpoint/2010/main" val="1407735642"/>
+        <p14:creationId xmlns:p14="http://schemas.microsoft.com/office/powerpoint/2010/main" val="2652253050"/>
       </p:ext>
     </p:extLst>
   </p:cSld>
@@ -2743,7 +2779,7 @@
               <a:rPr lang="en-US" altLang="en-US" b="1" dirty="0">
                 <a:latin typeface="Tahoma" panose="020B0604030504040204" pitchFamily="34" charset="0"/>
               </a:rPr>
-              <a:t>Wind Speed</a:t>
+              <a:t>Air Pressure</a:t>
             </a:r>
             <a:endParaRPr lang="uk-UA" altLang="en-US" b="1" dirty="0">
               <a:latin typeface="Tahoma" panose="020B0604030504040204" pitchFamily="34" charset="0"/>
@@ -2756,7 +2792,7 @@
           <p:cNvPr id="2" name="Picture 1">
             <a:extLst>
               <a:ext uri="{FF2B5EF4-FFF2-40B4-BE49-F238E27FC236}">
-                <a16:creationId xmlns:a16="http://schemas.microsoft.com/office/drawing/2014/main" id="{49EAE00A-A3E3-40A0-B1E0-978707B2FAB6}"/>
+                <a16:creationId xmlns:a16="http://schemas.microsoft.com/office/drawing/2014/main" id="{B7DE66FD-1E44-4713-B0D6-C9E346B70396}"/>
               </a:ext>
             </a:extLst>
           </p:cNvPr>
@@ -2773,8 +2809,8 @@
         </p:blipFill>
         <p:spPr>
           <a:xfrm>
-            <a:off x="-2628" y="1905000"/>
-            <a:ext cx="4206240" cy="2103120"/>
+            <a:off x="0" y="1718105"/>
+            <a:ext cx="4663532" cy="2331766"/>
           </a:xfrm>
           <a:prstGeom prst="rect">
             <a:avLst/>
@@ -2786,7 +2822,7 @@
           <p:cNvPr id="3" name="Picture 2">
             <a:extLst>
               <a:ext uri="{FF2B5EF4-FFF2-40B4-BE49-F238E27FC236}">
-                <a16:creationId xmlns:a16="http://schemas.microsoft.com/office/drawing/2014/main" id="{966060A3-4AFF-4F19-86E5-C7F37EFBEFEA}"/>
+                <a16:creationId xmlns:a16="http://schemas.microsoft.com/office/drawing/2014/main" id="{2D8DBA0E-02FB-4630-9326-93B23AE86DCC}"/>
               </a:ext>
             </a:extLst>
           </p:cNvPr>
@@ -2803,8 +2839,115 @@
         </p:blipFill>
         <p:spPr>
           <a:xfrm>
-            <a:off x="-2628" y="4494530"/>
-            <a:ext cx="4206240" cy="2103120"/>
+            <a:off x="21318" y="4236766"/>
+            <a:ext cx="4620896" cy="2310448"/>
+          </a:xfrm>
+          <a:prstGeom prst="rect">
+            <a:avLst/>
+          </a:prstGeom>
+        </p:spPr>
+      </p:pic>
+      <p:pic>
+        <p:nvPicPr>
+          <p:cNvPr id="5" name="Picture 4" descr="A screenshot of a cell phone&#10;&#10;Description automatically generated">
+            <a:extLst>
+              <a:ext uri="{FF2B5EF4-FFF2-40B4-BE49-F238E27FC236}">
+                <a16:creationId xmlns:a16="http://schemas.microsoft.com/office/drawing/2014/main" id="{83F3A24B-CF59-EC44-B7A3-08B8AC7EF949}"/>
+              </a:ext>
+            </a:extLst>
+          </p:cNvPr>
+          <p:cNvPicPr>
+            <a:picLocks noChangeAspect="1"/>
+          </p:cNvPicPr>
+          <p:nvPr/>
+        </p:nvPicPr>
+        <p:blipFill>
+          <a:blip r:embed="rId4">
+            <a:extLst>
+              <a:ext uri="{28A0092B-C50C-407E-A947-70E740481C1C}">
+                <a14:useLocalDpi xmlns:a14="http://schemas.microsoft.com/office/drawing/2010/main" val="0"/>
+              </a:ext>
+            </a:extLst>
+          </a:blip>
+          <a:stretch>
+            <a:fillRect/>
+          </a:stretch>
+        </p:blipFill>
+        <p:spPr>
+          <a:xfrm>
+            <a:off x="4642214" y="1718105"/>
+            <a:ext cx="4035778" cy="2724150"/>
+          </a:xfrm>
+          <a:prstGeom prst="rect">
+            <a:avLst/>
+          </a:prstGeom>
+        </p:spPr>
+      </p:pic>
+      <p:sp>
+        <p:nvSpPr>
+          <p:cNvPr id="7" name="TextBox 6">
+            <a:extLst>
+              <a:ext uri="{FF2B5EF4-FFF2-40B4-BE49-F238E27FC236}">
+                <a16:creationId xmlns:a16="http://schemas.microsoft.com/office/drawing/2014/main" id="{35569D51-5822-3942-AA86-08601281FACD}"/>
+              </a:ext>
+            </a:extLst>
+          </p:cNvPr>
+          <p:cNvSpPr txBox="1"/>
+          <p:nvPr/>
+        </p:nvSpPr>
+        <p:spPr>
+          <a:xfrm>
+            <a:off x="1600200" y="1491734"/>
+            <a:ext cx="1752600" cy="369332"/>
+          </a:xfrm>
+          <a:prstGeom prst="rect">
+            <a:avLst/>
+          </a:prstGeom>
+          <a:noFill/>
+        </p:spPr>
+        <p:txBody>
+          <a:bodyPr wrap="square" rtlCol="0">
+            <a:spAutoFit/>
+          </a:bodyPr>
+          <a:lstStyle/>
+          <a:p>
+            <a:r>
+              <a:rPr lang="en-US" b="1" dirty="0"/>
+              <a:t>Data Outliers</a:t>
+            </a:r>
+          </a:p>
+        </p:txBody>
+      </p:sp>
+      <p:pic>
+        <p:nvPicPr>
+          <p:cNvPr id="19" name="Picture 18" descr="A screenshot of a cell phone&#10;&#10;Description automatically generated">
+            <a:extLst>
+              <a:ext uri="{FF2B5EF4-FFF2-40B4-BE49-F238E27FC236}">
+                <a16:creationId xmlns:a16="http://schemas.microsoft.com/office/drawing/2014/main" id="{ACFAB75C-FF61-FD41-B5B3-675DAA919D92}"/>
+              </a:ext>
+            </a:extLst>
+          </p:cNvPr>
+          <p:cNvPicPr>
+            <a:picLocks noChangeAspect="1"/>
+          </p:cNvPicPr>
+          <p:nvPr/>
+        </p:nvPicPr>
+        <p:blipFill>
+          <a:blip r:embed="rId5">
+            <a:extLst>
+              <a:ext uri="{28A0092B-C50C-407E-A947-70E740481C1C}">
+                <a14:useLocalDpi xmlns:a14="http://schemas.microsoft.com/office/drawing/2010/main" val="0"/>
+              </a:ext>
+            </a:extLst>
+          </a:blip>
+          <a:stretch>
+            <a:fillRect/>
+          </a:stretch>
+        </p:blipFill>
+        <p:spPr>
+          <a:xfrm>
+            <a:off x="5105400" y="4506017"/>
+            <a:ext cx="3352800" cy="2011680"/>
           </a:xfrm>
           <a:prstGeom prst="rect">
             <a:avLst/>
@@ -2814,7 +2957,7 @@
     </p:spTree>
     <p:extLst>
       <p:ext uri="{BB962C8B-B14F-4D97-AF65-F5344CB8AC3E}">
-        <p14:creationId xmlns:p14="http://schemas.microsoft.com/office/powerpoint/2010/main" val="2918442361"/>
+        <p14:creationId xmlns:p14="http://schemas.microsoft.com/office/powerpoint/2010/main" val="1407735642"/>
       </p:ext>
     </p:extLst>
   </p:cSld>
@@ -2871,7 +3014,7 @@
               <a:rPr lang="en-US" altLang="en-US" b="1" dirty="0">
                 <a:latin typeface="Tahoma" panose="020B0604030504040204" pitchFamily="34" charset="0"/>
               </a:rPr>
-              <a:t>Limitations </a:t>
+              <a:t>Wind Speed</a:t>
             </a:r>
             <a:endParaRPr lang="uk-UA" altLang="en-US" b="1" dirty="0">
               <a:latin typeface="Tahoma" panose="020B0604030504040204" pitchFamily="34" charset="0"/>
@@ -2879,112 +3022,105 @@
           </a:p>
         </p:txBody>
       </p:sp>
+      <p:pic>
+        <p:nvPicPr>
+          <p:cNvPr id="2" name="Picture 1">
+            <a:extLst>
+              <a:ext uri="{FF2B5EF4-FFF2-40B4-BE49-F238E27FC236}">
+                <a16:creationId xmlns:a16="http://schemas.microsoft.com/office/drawing/2014/main" id="{49EAE00A-A3E3-40A0-B1E0-978707B2FAB6}"/>
+              </a:ext>
+            </a:extLst>
+          </p:cNvPr>
+          <p:cNvPicPr>
+            <a:picLocks noChangeAspect="1"/>
+          </p:cNvPicPr>
+          <p:nvPr/>
+        </p:nvPicPr>
+        <p:blipFill>
+          <a:blip r:embed="rId2"/>
+          <a:stretch>
+            <a:fillRect/>
+          </a:stretch>
+        </p:blipFill>
+        <p:spPr>
+          <a:xfrm>
+            <a:off x="-2628" y="1606506"/>
+            <a:ext cx="4803228" cy="2401614"/>
+          </a:xfrm>
+          <a:prstGeom prst="rect">
+            <a:avLst/>
+          </a:prstGeom>
+        </p:spPr>
+      </p:pic>
+      <p:pic>
+        <p:nvPicPr>
+          <p:cNvPr id="3" name="Picture 2">
+            <a:extLst>
+              <a:ext uri="{FF2B5EF4-FFF2-40B4-BE49-F238E27FC236}">
+                <a16:creationId xmlns:a16="http://schemas.microsoft.com/office/drawing/2014/main" id="{966060A3-4AFF-4F19-86E5-C7F37EFBEFEA}"/>
+              </a:ext>
+            </a:extLst>
+          </p:cNvPr>
+          <p:cNvPicPr>
+            <a:picLocks noChangeAspect="1"/>
+          </p:cNvPicPr>
+          <p:nvPr/>
+        </p:nvPicPr>
+        <p:blipFill>
+          <a:blip r:embed="rId3"/>
+          <a:stretch>
+            <a:fillRect/>
+          </a:stretch>
+        </p:blipFill>
+        <p:spPr>
+          <a:xfrm>
+            <a:off x="-2628" y="4196036"/>
+            <a:ext cx="4803228" cy="2401614"/>
+          </a:xfrm>
+          <a:prstGeom prst="rect">
+            <a:avLst/>
+          </a:prstGeom>
+        </p:spPr>
+      </p:pic>
       <p:sp>
         <p:nvSpPr>
-          <p:cNvPr id="36867" name="Rectangle 3">
-            <a:extLst>
-              <a:ext uri="{FF2B5EF4-FFF2-40B4-BE49-F238E27FC236}">
-                <a16:creationId xmlns:a16="http://schemas.microsoft.com/office/drawing/2014/main" id="{C23C7164-0E03-4DD7-9D9B-C0EC897A2618}"/>
-              </a:ext>
-            </a:extLst>
-          </p:cNvPr>
-          <p:cNvSpPr>
-            <a:spLocks noGrp="1" noChangeArrowheads="1"/>
-          </p:cNvSpPr>
-          <p:nvPr>
-            <p:ph type="body" idx="1"/>
-          </p:nvPr>
+          <p:cNvPr id="5" name="TextBox 4">
+            <a:extLst>
+              <a:ext uri="{FF2B5EF4-FFF2-40B4-BE49-F238E27FC236}">
+                <a16:creationId xmlns:a16="http://schemas.microsoft.com/office/drawing/2014/main" id="{48FA9199-67A3-014F-BACF-5E5C8A067814}"/>
+              </a:ext>
+            </a:extLst>
+          </p:cNvPr>
+          <p:cNvSpPr txBox="1"/>
+          <p:nvPr/>
         </p:nvSpPr>
         <p:spPr>
           <a:xfrm>
-            <a:off x="1258888" y="1773238"/>
-            <a:ext cx="6769100" cy="817562"/>
-          </a:xfrm>
+            <a:off x="1600200" y="1371600"/>
+            <a:ext cx="1752600" cy="369332"/>
+          </a:xfrm>
+          <a:prstGeom prst="rect">
+            <a:avLst/>
+          </a:prstGeom>
+          <a:noFill/>
         </p:spPr>
         <p:txBody>
-          <a:bodyPr/>
+          <a:bodyPr wrap="square" rtlCol="0">
+            <a:spAutoFit/>
+          </a:bodyPr>
           <a:lstStyle/>
           <a:p>
-            <a:pPr>
-              <a:lnSpc>
-                <a:spcPct val="80000"/>
-              </a:lnSpc>
-            </a:pPr>
-            <a:r>
-              <a:rPr lang="en-US" altLang="ko-KR" sz="2000" dirty="0">
-                <a:latin typeface="Verdana" panose="020B0604030504040204" pitchFamily="34" charset="0"/>
-                <a:ea typeface="굴림" panose="020B0600000101010101" pitchFamily="34" charset="-127"/>
-              </a:rPr>
-              <a:t>Limited data points within the direct path of the storm.</a:t>
-            </a:r>
-          </a:p>
-          <a:p>
-            <a:pPr>
-              <a:lnSpc>
-                <a:spcPct val="80000"/>
-              </a:lnSpc>
-            </a:pPr>
-            <a:endParaRPr lang="en-US" altLang="ko-KR" sz="2000" dirty="0">
-              <a:latin typeface="Verdana" panose="020B0604030504040204" pitchFamily="34" charset="0"/>
-              <a:ea typeface="굴림" panose="020B0600000101010101" pitchFamily="34" charset="-127"/>
-            </a:endParaRPr>
-          </a:p>
-          <a:p>
-            <a:pPr>
-              <a:lnSpc>
-                <a:spcPct val="80000"/>
-              </a:lnSpc>
-            </a:pPr>
-            <a:r>
-              <a:rPr lang="en-US" altLang="ko-KR" sz="2000" dirty="0">
-                <a:latin typeface="Verdana" panose="020B0604030504040204" pitchFamily="34" charset="0"/>
-                <a:ea typeface="굴림" panose="020B0600000101010101" pitchFamily="34" charset="-127"/>
-              </a:rPr>
-              <a:t>Incomplete data sets on some of the original targeted data points.</a:t>
-            </a:r>
-          </a:p>
-          <a:p>
-            <a:pPr>
-              <a:lnSpc>
-                <a:spcPct val="80000"/>
-              </a:lnSpc>
-            </a:pPr>
-            <a:endParaRPr lang="en-US" altLang="ko-KR" sz="2000" dirty="0">
-              <a:latin typeface="Verdana" panose="020B0604030504040204" pitchFamily="34" charset="0"/>
-              <a:ea typeface="굴림" panose="020B0600000101010101" pitchFamily="34" charset="-127"/>
-            </a:endParaRPr>
-          </a:p>
-          <a:p>
-            <a:pPr>
-              <a:lnSpc>
-                <a:spcPct val="80000"/>
-              </a:lnSpc>
-            </a:pPr>
-            <a:r>
-              <a:rPr lang="en-US" altLang="ko-KR" sz="2000" dirty="0">
-                <a:latin typeface="Verdana" panose="020B0604030504040204" pitchFamily="34" charset="0"/>
-                <a:ea typeface="굴림" panose="020B0600000101010101" pitchFamily="34" charset="-127"/>
-              </a:rPr>
-              <a:t>Erroneous data on some the data sets during the actual Hurricane. </a:t>
-            </a:r>
-          </a:p>
-          <a:p>
-            <a:pPr>
-              <a:lnSpc>
-                <a:spcPct val="80000"/>
-              </a:lnSpc>
-            </a:pPr>
-            <a:endParaRPr lang="en-US" altLang="ko-KR" sz="2000" dirty="0">
-              <a:latin typeface="Verdana" panose="020B0604030504040204" pitchFamily="34" charset="0"/>
-              <a:ea typeface="굴림" panose="020B0600000101010101" pitchFamily="34" charset="-127"/>
-            </a:endParaRPr>
+            <a:r>
+              <a:rPr lang="en-US" b="1" dirty="0"/>
+              <a:t>Data Outliers</a:t>
+            </a:r>
           </a:p>
         </p:txBody>
       </p:sp>
     </p:spTree>
     <p:extLst>
       <p:ext uri="{BB962C8B-B14F-4D97-AF65-F5344CB8AC3E}">
-        <p14:creationId xmlns:p14="http://schemas.microsoft.com/office/powerpoint/2010/main" val="3308262467"/>
+        <p14:creationId xmlns:p14="http://schemas.microsoft.com/office/powerpoint/2010/main" val="2918442361"/>
       </p:ext>
     </p:extLst>
   </p:cSld>
@@ -3041,7 +3177,7 @@
               <a:rPr lang="en-US" altLang="en-US" b="1" dirty="0">
                 <a:latin typeface="Tahoma" panose="020B0604030504040204" pitchFamily="34" charset="0"/>
               </a:rPr>
-              <a:t>Conclusions</a:t>
+              <a:t>Limitations </a:t>
             </a:r>
             <a:endParaRPr lang="uk-UA" altLang="en-US" b="1" dirty="0">
               <a:latin typeface="Tahoma" panose="020B0604030504040204" pitchFamily="34" charset="0"/>
@@ -3067,13 +3203,147 @@
         </p:nvSpPr>
         <p:spPr>
           <a:xfrm>
-            <a:off x="1258888" y="1773238"/>
+            <a:off x="1187450" y="1600200"/>
             <a:ext cx="6769100" cy="817562"/>
           </a:xfrm>
         </p:spPr>
         <p:txBody>
           <a:bodyPr/>
           <a:lstStyle/>
+          <a:p>
+            <a:pPr>
+              <a:lnSpc>
+                <a:spcPct val="80000"/>
+              </a:lnSpc>
+            </a:pPr>
+            <a:r>
+              <a:rPr lang="en-US" altLang="ko-KR" sz="1800" dirty="0">
+                <a:latin typeface="Verdana" panose="020B0604030504040204" pitchFamily="34" charset="0"/>
+                <a:ea typeface="굴림" panose="020B0600000101010101" pitchFamily="34" charset="-127"/>
+              </a:rPr>
+              <a:t>As is typical for a data project, the group was at the mercy of the available data.  Only certain platforms/weather stations acquired the point useful for analysis that lie in a vicinity of the path of the storm.</a:t>
+            </a:r>
+          </a:p>
+          <a:p>
+            <a:pPr>
+              <a:lnSpc>
+                <a:spcPct val="80000"/>
+              </a:lnSpc>
+            </a:pPr>
+            <a:endParaRPr lang="en-US" altLang="ko-KR" sz="1800" dirty="0">
+              <a:latin typeface="Verdana" panose="020B0604030504040204" pitchFamily="34" charset="0"/>
+              <a:ea typeface="굴림" panose="020B0600000101010101" pitchFamily="34" charset="-127"/>
+            </a:endParaRPr>
+          </a:p>
+          <a:p>
+            <a:pPr>
+              <a:lnSpc>
+                <a:spcPct val="80000"/>
+              </a:lnSpc>
+            </a:pPr>
+            <a:r>
+              <a:rPr lang="en-US" altLang="ko-KR" sz="1800" dirty="0">
+                <a:latin typeface="Verdana" panose="020B0604030504040204" pitchFamily="34" charset="0"/>
+                <a:ea typeface="굴림" panose="020B0600000101010101" pitchFamily="34" charset="-127"/>
+              </a:rPr>
+              <a:t>Even as useable sites were located, as the project progressed, it was found that there were several levels of incompleteness regarding the gathered data sets.  For example:</a:t>
+            </a:r>
+          </a:p>
+          <a:p>
+            <a:pPr lvl="1">
+              <a:lnSpc>
+                <a:spcPct val="80000"/>
+              </a:lnSpc>
+            </a:pPr>
+            <a:r>
+              <a:rPr lang="en-US" altLang="ko-KR" sz="1600" dirty="0">
+                <a:latin typeface="Verdana" panose="020B0604030504040204" pitchFamily="34" charset="0"/>
+                <a:ea typeface="굴림" panose="020B0600000101010101" pitchFamily="34" charset="-127"/>
+              </a:rPr>
+              <a:t>Inconsistency of sensor data acquisition by location and time.</a:t>
+            </a:r>
+          </a:p>
+          <a:p>
+            <a:pPr lvl="1">
+              <a:lnSpc>
+                <a:spcPct val="80000"/>
+              </a:lnSpc>
+            </a:pPr>
+            <a:r>
+              <a:rPr lang="en-US" altLang="ko-KR" sz="1600" dirty="0">
+                <a:latin typeface="Verdana" panose="020B0604030504040204" pitchFamily="34" charset="0"/>
+                <a:ea typeface="굴림" panose="020B0600000101010101" pitchFamily="34" charset="-127"/>
+              </a:rPr>
+              <a:t>Sensor calibration.</a:t>
+            </a:r>
+          </a:p>
+          <a:p>
+            <a:pPr lvl="1">
+              <a:lnSpc>
+                <a:spcPct val="80000"/>
+              </a:lnSpc>
+            </a:pPr>
+            <a:r>
+              <a:rPr lang="en-US" altLang="ko-KR" sz="1600" dirty="0">
+                <a:latin typeface="Verdana" panose="020B0604030504040204" pitchFamily="34" charset="0"/>
+                <a:ea typeface="굴림" panose="020B0600000101010101" pitchFamily="34" charset="-127"/>
+              </a:rPr>
+              <a:t>Missing data.</a:t>
+            </a:r>
+          </a:p>
+          <a:p>
+            <a:pPr lvl="1">
+              <a:lnSpc>
+                <a:spcPct val="80000"/>
+              </a:lnSpc>
+            </a:pPr>
+            <a:endParaRPr lang="en-US" altLang="ko-KR" sz="1600" dirty="0">
+              <a:latin typeface="Verdana" panose="020B0604030504040204" pitchFamily="34" charset="0"/>
+              <a:ea typeface="굴림" panose="020B0600000101010101" pitchFamily="34" charset="-127"/>
+            </a:endParaRPr>
+          </a:p>
+          <a:p>
+            <a:pPr>
+              <a:lnSpc>
+                <a:spcPct val="80000"/>
+              </a:lnSpc>
+            </a:pPr>
+            <a:r>
+              <a:rPr lang="en-US" altLang="ko-KR" sz="1800" dirty="0">
+                <a:latin typeface="Verdana" panose="020B0604030504040204" pitchFamily="34" charset="0"/>
+                <a:ea typeface="굴림" panose="020B0600000101010101" pitchFamily="34" charset="-127"/>
+              </a:rPr>
+              <a:t>Erroneous data on some the data sets during the actual Hurricane. </a:t>
+            </a:r>
+          </a:p>
+          <a:p>
+            <a:pPr lvl="1">
+              <a:lnSpc>
+                <a:spcPct val="80000"/>
+              </a:lnSpc>
+            </a:pPr>
+            <a:r>
+              <a:rPr lang="en-US" altLang="ko-KR" sz="1600" dirty="0">
+                <a:latin typeface="Verdana" panose="020B0604030504040204" pitchFamily="34" charset="0"/>
+                <a:ea typeface="굴림" panose="020B0600000101010101" pitchFamily="34" charset="-127"/>
+              </a:rPr>
+              <a:t>Several instances of incomplete data during the storm.</a:t>
+            </a:r>
+          </a:p>
+          <a:p>
+            <a:pPr lvl="1">
+              <a:lnSpc>
+                <a:spcPct val="80000"/>
+              </a:lnSpc>
+            </a:pPr>
+            <a:r>
+              <a:rPr lang="en-US" altLang="ko-KR" sz="1600" dirty="0">
+                <a:latin typeface="Verdana" panose="020B0604030504040204" pitchFamily="34" charset="0"/>
+                <a:ea typeface="굴림" panose="020B0600000101010101" pitchFamily="34" charset="-127"/>
+              </a:rPr>
+              <a:t>X,Y,Z data was particularly incomplete.</a:t>
+            </a:r>
+          </a:p>
           <a:p>
             <a:pPr>
               <a:lnSpc>
@@ -3090,7 +3360,7 @@
     </p:spTree>
     <p:extLst>
       <p:ext uri="{BB962C8B-B14F-4D97-AF65-F5344CB8AC3E}">
-        <p14:creationId xmlns:p14="http://schemas.microsoft.com/office/powerpoint/2010/main" val="2238731308"/>
+        <p14:creationId xmlns:p14="http://schemas.microsoft.com/office/powerpoint/2010/main" val="3308262467"/>
       </p:ext>
     </p:extLst>
   </p:cSld>
@@ -3147,6 +3417,112 @@
               <a:rPr lang="en-US" altLang="en-US" b="1" dirty="0">
                 <a:latin typeface="Tahoma" panose="020B0604030504040204" pitchFamily="34" charset="0"/>
               </a:rPr>
+              <a:t>Conclusions</a:t>
+            </a:r>
+            <a:endParaRPr lang="uk-UA" altLang="en-US" b="1" dirty="0">
+              <a:latin typeface="Tahoma" panose="020B0604030504040204" pitchFamily="34" charset="0"/>
+            </a:endParaRPr>
+          </a:p>
+        </p:txBody>
+      </p:sp>
+      <p:sp>
+        <p:nvSpPr>
+          <p:cNvPr id="36867" name="Rectangle 3">
+            <a:extLst>
+              <a:ext uri="{FF2B5EF4-FFF2-40B4-BE49-F238E27FC236}">
+                <a16:creationId xmlns:a16="http://schemas.microsoft.com/office/drawing/2014/main" id="{C23C7164-0E03-4DD7-9D9B-C0EC897A2618}"/>
+              </a:ext>
+            </a:extLst>
+          </p:cNvPr>
+          <p:cNvSpPr>
+            <a:spLocks noGrp="1" noChangeArrowheads="1"/>
+          </p:cNvSpPr>
+          <p:nvPr>
+            <p:ph type="body" idx="1"/>
+          </p:nvPr>
+        </p:nvSpPr>
+        <p:spPr>
+          <a:xfrm>
+            <a:off x="1258888" y="1773238"/>
+            <a:ext cx="6769100" cy="817562"/>
+          </a:xfrm>
+        </p:spPr>
+        <p:txBody>
+          <a:bodyPr/>
+          <a:lstStyle/>
+          <a:p>
+            <a:pPr>
+              <a:lnSpc>
+                <a:spcPct val="80000"/>
+              </a:lnSpc>
+            </a:pPr>
+            <a:endParaRPr lang="en-US" altLang="ko-KR" sz="2000" dirty="0">
+              <a:latin typeface="Verdana" panose="020B0604030504040204" pitchFamily="34" charset="0"/>
+              <a:ea typeface="굴림" panose="020B0600000101010101" pitchFamily="34" charset="-127"/>
+            </a:endParaRPr>
+          </a:p>
+        </p:txBody>
+      </p:sp>
+    </p:spTree>
+    <p:extLst>
+      <p:ext uri="{BB962C8B-B14F-4D97-AF65-F5344CB8AC3E}">
+        <p14:creationId xmlns:p14="http://schemas.microsoft.com/office/powerpoint/2010/main" val="2238731308"/>
+      </p:ext>
+    </p:extLst>
+  </p:cSld>
+  <p:clrMapOvr>
+    <a:masterClrMapping/>
+  </p:clrMapOvr>
+</p:sld>
+</file>
+
+<file path=ppt/slides/slide15.xml><?xml version="1.0" encoding="utf-8"?>
+<p:sld xmlns:a="http://schemas.openxmlformats.org/drawingml/2006/main" xmlns:r="http://schemas.openxmlformats.org/officeDocument/2006/relationships" xmlns:p="http://schemas.openxmlformats.org/presentationml/2006/main">
+  <p:cSld>
+    <p:spTree>
+      <p:nvGrpSpPr>
+        <p:cNvPr id="1" name=""/>
+        <p:cNvGrpSpPr/>
+        <p:nvPr/>
+      </p:nvGrpSpPr>
+      <p:grpSpPr>
+        <a:xfrm>
+          <a:off x="0" y="0"/>
+          <a:ext cx="0" cy="0"/>
+          <a:chOff x="0" y="0"/>
+          <a:chExt cx="0" cy="0"/>
+        </a:xfrm>
+      </p:grpSpPr>
+      <p:sp>
+        <p:nvSpPr>
+          <p:cNvPr id="36866" name="Rectangle 2">
+            <a:extLst>
+              <a:ext uri="{FF2B5EF4-FFF2-40B4-BE49-F238E27FC236}">
+                <a16:creationId xmlns:a16="http://schemas.microsoft.com/office/drawing/2014/main" id="{9A8C6E0B-F389-42F4-BDF4-0BB8546E6D31}"/>
+              </a:ext>
+            </a:extLst>
+          </p:cNvPr>
+          <p:cNvSpPr>
+            <a:spLocks noGrp="1" noChangeArrowheads="1"/>
+          </p:cNvSpPr>
+          <p:nvPr>
+            <p:ph type="title"/>
+          </p:nvPr>
+        </p:nvSpPr>
+        <p:spPr>
+          <a:xfrm>
+            <a:off x="2698750" y="260350"/>
+            <a:ext cx="5834063" cy="649288"/>
+          </a:xfrm>
+        </p:spPr>
+        <p:txBody>
+          <a:bodyPr/>
+          <a:lstStyle/>
+          <a:p>
+            <a:r>
+              <a:rPr lang="en-US" altLang="en-US" b="1" dirty="0">
+                <a:latin typeface="Tahoma" panose="020B0604030504040204" pitchFamily="34" charset="0"/>
+              </a:rPr>
               <a:t>Findings</a:t>
             </a:r>
             <a:endParaRPr lang="uk-UA" altLang="en-US" b="1" dirty="0">
@@ -3206,7 +3582,7 @@
 </p:sld>
 </file>
 
-<file path=ppt/slides/slide15.xml><?xml version="1.0" encoding="utf-8"?>
+<file path=ppt/slides/slide16.xml><?xml version="1.0" encoding="utf-8"?>
 <p:sld xmlns:a="http://schemas.openxmlformats.org/drawingml/2006/main" xmlns:r="http://schemas.openxmlformats.org/officeDocument/2006/relationships" xmlns:p="http://schemas.openxmlformats.org/presentationml/2006/main">
   <p:cSld>
     <p:spTree>
@@ -3424,7 +3800,7 @@
         </p:nvSpPr>
         <p:spPr>
           <a:xfrm>
-            <a:off x="1187450" y="1676400"/>
+            <a:off x="1187450" y="1981200"/>
             <a:ext cx="6769100" cy="4464050"/>
           </a:xfrm>
         </p:spPr>
@@ -3432,34 +3808,49 @@
           <a:bodyPr/>
           <a:lstStyle/>
           <a:p>
-            <a:pPr>
-              <a:lnSpc>
-                <a:spcPct val="80000"/>
-              </a:lnSpc>
+            <a:pPr marL="0" indent="0">
+              <a:lnSpc>
+                <a:spcPct val="80000"/>
+              </a:lnSpc>
+              <a:buNone/>
             </a:pPr>
             <a:r>
               <a:rPr lang="en-US" altLang="ko-KR" sz="2000" b="1" dirty="0">
                 <a:latin typeface="Verdana" panose="020B0604030504040204" pitchFamily="34" charset="0"/>
                 <a:ea typeface="굴림" panose="020B0600000101010101" pitchFamily="34" charset="-127"/>
               </a:rPr>
-              <a:t>Project Team (Group 6):  </a:t>
-            </a:r>
-            <a:r>
-              <a:rPr lang="en-US" altLang="ko-KR" sz="2000" dirty="0">
+              <a:t>Project Team (Group 6): </a:t>
+            </a:r>
+            <a:r>
+              <a:rPr lang="en-US" altLang="ko-KR" sz="1800" b="1" dirty="0">
                 <a:latin typeface="Verdana" panose="020B0604030504040204" pitchFamily="34" charset="0"/>
                 <a:ea typeface="굴림" panose="020B0600000101010101" pitchFamily="34" charset="-127"/>
               </a:rPr>
-              <a:t>Reza </a:t>
-            </a:r>
-            <a:r>
-              <a:rPr lang="en-US" altLang="ko-KR" sz="2000" dirty="0" err="1">
+              <a:t> </a:t>
+            </a:r>
+          </a:p>
+          <a:p>
+            <a:pPr lvl="1">
+              <a:lnSpc>
+                <a:spcPct val="80000"/>
+              </a:lnSpc>
+            </a:pPr>
+            <a:r>
+              <a:rPr lang="en-US" altLang="ko-KR" sz="1600" b="0" dirty="0">
                 <a:latin typeface="Verdana" panose="020B0604030504040204" pitchFamily="34" charset="0"/>
                 <a:ea typeface="굴림" panose="020B0600000101010101" pitchFamily="34" charset="-127"/>
               </a:rPr>
+              <a:t>Reza </a:t>
+            </a:r>
+            <a:r>
+              <a:rPr lang="en-US" altLang="ko-KR" sz="1600" b="0" dirty="0" err="1">
+                <a:latin typeface="Verdana" panose="020B0604030504040204" pitchFamily="34" charset="0"/>
+                <a:ea typeface="굴림" panose="020B0600000101010101" pitchFamily="34" charset="-127"/>
+              </a:rPr>
               <a:t>Abasaltian</a:t>
             </a:r>
             <a:r>
-              <a:rPr lang="en-US" altLang="ko-KR" sz="2000" dirty="0">
+              <a:rPr lang="en-US" altLang="ko-KR" sz="1600" b="0" dirty="0">
                 <a:latin typeface="Verdana" panose="020B0604030504040204" pitchFamily="34" charset="0"/>
                 <a:ea typeface="굴림" panose="020B0600000101010101" pitchFamily="34" charset="-127"/>
               </a:rPr>
@@ -3478,20 +3869,35 @@
             </a:endParaRPr>
           </a:p>
           <a:p>
-            <a:pPr>
-              <a:lnSpc>
-                <a:spcPct val="80000"/>
-              </a:lnSpc>
+            <a:pPr marL="0" indent="0">
+              <a:lnSpc>
+                <a:spcPct val="80000"/>
+              </a:lnSpc>
+              <a:buNone/>
             </a:pPr>
             <a:r>
               <a:rPr lang="en-US" altLang="ko-KR" sz="2000" b="1" dirty="0">
                 <a:latin typeface="Verdana" panose="020B0604030504040204" pitchFamily="34" charset="0"/>
                 <a:ea typeface="굴림" panose="020B0600000101010101" pitchFamily="34" charset="-127"/>
               </a:rPr>
-              <a:t>Project Scope: </a:t>
-            </a:r>
-            <a:r>
-              <a:rPr lang="en-US" altLang="ko-KR" sz="2000" dirty="0">
+              <a:t>Project Scope:</a:t>
+            </a:r>
+            <a:r>
+              <a:rPr lang="en-US" altLang="ko-KR" sz="1800" b="1" dirty="0">
+                <a:latin typeface="Verdana" panose="020B0604030504040204" pitchFamily="34" charset="0"/>
+                <a:ea typeface="굴림" panose="020B0600000101010101" pitchFamily="34" charset="-127"/>
+              </a:rPr>
+              <a:t> </a:t>
+            </a:r>
+          </a:p>
+          <a:p>
+            <a:pPr lvl="1">
+              <a:lnSpc>
+                <a:spcPct val="80000"/>
+              </a:lnSpc>
+            </a:pPr>
+            <a:r>
+              <a:rPr lang="en-US" altLang="ko-KR" sz="1600" b="0" dirty="0">
                 <a:latin typeface="Verdana" panose="020B0604030504040204" pitchFamily="34" charset="0"/>
                 <a:ea typeface="굴림" panose="020B0600000101010101" pitchFamily="34" charset="-127"/>
               </a:rPr>
@@ -3510,13 +3916,14 @@
             </a:endParaRPr>
           </a:p>
           <a:p>
-            <a:pPr>
-              <a:lnSpc>
-                <a:spcPct val="80000"/>
-              </a:lnSpc>
-            </a:pPr>
-            <a:r>
-              <a:rPr lang="en-US" altLang="ko-KR" sz="2000" dirty="0">
+            <a:pPr marL="0" indent="0">
+              <a:lnSpc>
+                <a:spcPct val="80000"/>
+              </a:lnSpc>
+              <a:buNone/>
+            </a:pPr>
+            <a:r>
+              <a:rPr lang="en-US" altLang="ko-KR" sz="2000" b="1" dirty="0">
                 <a:latin typeface="Verdana" panose="020B0604030504040204" pitchFamily="34" charset="0"/>
                 <a:ea typeface="굴림" panose="020B0600000101010101" pitchFamily="34" charset="-127"/>
               </a:rPr>
@@ -3534,7 +3941,7 @@
                 <a:latin typeface="Verdana" panose="020B0604030504040204" pitchFamily="34" charset="0"/>
                 <a:ea typeface="굴림" panose="020B0600000101010101" pitchFamily="34" charset="-127"/>
               </a:rPr>
-              <a:t>Wind Speed</a:t>
+              <a:t>Wind Speed (m/s); as our measure of intensity</a:t>
             </a:r>
           </a:p>
           <a:p>
@@ -3548,7 +3955,7 @@
                 <a:latin typeface="Verdana" panose="020B0604030504040204" pitchFamily="34" charset="0"/>
                 <a:ea typeface="굴림" panose="020B0600000101010101" pitchFamily="34" charset="-127"/>
               </a:rPr>
-              <a:t>Water Salinity </a:t>
+              <a:t>Water Salinity (PSU)</a:t>
             </a:r>
           </a:p>
           <a:p>
@@ -3562,21 +3969,21 @@
                 <a:latin typeface="Verdana" panose="020B0604030504040204" pitchFamily="34" charset="0"/>
                 <a:ea typeface="굴림" panose="020B0600000101010101" pitchFamily="34" charset="-127"/>
               </a:rPr>
-              <a:t>Air Pressure</a:t>
-            </a:r>
-          </a:p>
-          <a:p>
-            <a:pPr lvl="1">
-              <a:lnSpc>
-                <a:spcPct val="80000"/>
-              </a:lnSpc>
-            </a:pPr>
+              <a:t>Air Pressure (</a:t>
+            </a:r>
+            <a:r>
+              <a:rPr lang="en-US" altLang="ko-KR" sz="1600" b="0" dirty="0" err="1">
+                <a:latin typeface="Verdana" panose="020B0604030504040204" pitchFamily="34" charset="0"/>
+                <a:ea typeface="굴림" panose="020B0600000101010101" pitchFamily="34" charset="-127"/>
+              </a:rPr>
+              <a:t>mBar</a:t>
+            </a:r>
             <a:r>
               <a:rPr lang="en-US" altLang="ko-KR" sz="1600" b="0" dirty="0">
                 <a:latin typeface="Verdana" panose="020B0604030504040204" pitchFamily="34" charset="0"/>
                 <a:ea typeface="굴림" panose="020B0600000101010101" pitchFamily="34" charset="-127"/>
               </a:rPr>
-              <a:t>Water Temperature</a:t>
+              <a:t>)</a:t>
             </a:r>
           </a:p>
           <a:p>
@@ -3590,7 +3997,21 @@
                 <a:latin typeface="Verdana" panose="020B0604030504040204" pitchFamily="34" charset="0"/>
                 <a:ea typeface="굴림" panose="020B0600000101010101" pitchFamily="34" charset="-127"/>
               </a:rPr>
-              <a:t>Air Temperature </a:t>
+              <a:t>Water Temperature (°C)</a:t>
+            </a:r>
+          </a:p>
+          <a:p>
+            <a:pPr lvl="1">
+              <a:lnSpc>
+                <a:spcPct val="80000"/>
+              </a:lnSpc>
+            </a:pPr>
+            <a:r>
+              <a:rPr lang="en-US" altLang="ko-KR" sz="1600" b="0" dirty="0">
+                <a:latin typeface="Verdana" panose="020B0604030504040204" pitchFamily="34" charset="0"/>
+                <a:ea typeface="굴림" panose="020B0600000101010101" pitchFamily="34" charset="-127"/>
+              </a:rPr>
+              <a:t>Air Temperature (°C)</a:t>
             </a:r>
           </a:p>
         </p:txBody>
@@ -3676,8 +4097,8 @@
         </p:nvSpPr>
         <p:spPr>
           <a:xfrm>
-            <a:off x="1187450" y="1676400"/>
-            <a:ext cx="6769100" cy="4464050"/>
+            <a:off x="990600" y="1905000"/>
+            <a:ext cx="7162800" cy="4464050"/>
           </a:xfrm>
         </p:spPr>
         <p:txBody>
@@ -3696,7 +4117,22 @@
             </a:endParaRPr>
           </a:p>
           <a:p>
-            <a:pPr>
+            <a:pPr marL="0" indent="0">
+              <a:lnSpc>
+                <a:spcPct val="80000"/>
+              </a:lnSpc>
+              <a:buNone/>
+            </a:pPr>
+            <a:r>
+              <a:rPr lang="en-US" altLang="ko-KR" sz="2000" b="1" dirty="0">
+                <a:latin typeface="+mj-lt"/>
+                <a:ea typeface="굴림" panose="020B0600000101010101" pitchFamily="34" charset="-127"/>
+              </a:rPr>
+              <a:t>What weather attributes contributed the most, if any, to the intensity of Hurricane Harvey?</a:t>
+            </a:r>
+          </a:p>
+          <a:p>
+            <a:pPr lvl="1">
               <a:lnSpc>
                 <a:spcPct val="80000"/>
               </a:lnSpc>
@@ -3706,7 +4142,7 @@
                 <a:latin typeface="+mj-lt"/>
                 <a:ea typeface="굴림" panose="020B0600000101010101" pitchFamily="34" charset="-127"/>
               </a:rPr>
-              <a:t>What weather attributes contributed the most, if any, to the intensity of Hurricane Harvey?</a:t>
+              <a:t>Did water temperature affect intensity of the hurricane the most?</a:t>
             </a:r>
           </a:p>
           <a:p>
@@ -3716,11 +4152,11 @@
               </a:lnSpc>
             </a:pPr>
             <a:r>
-              <a:rPr lang="en-US" altLang="ko-KR" sz="1200" b="0" dirty="0">
+              <a:rPr lang="en-US" altLang="ko-KR" sz="1600" b="0" dirty="0">
                 <a:latin typeface="+mj-lt"/>
                 <a:ea typeface="굴림" panose="020B0600000101010101" pitchFamily="34" charset="-127"/>
               </a:rPr>
-              <a:t>Did water temperature affect intensity of the hurricane the most?</a:t>
+              <a:t>Did air temperature affect the intensity of the hurricane the most?</a:t>
             </a:r>
           </a:p>
           <a:p>
@@ -3730,11 +4166,11 @@
               </a:lnSpc>
             </a:pPr>
             <a:r>
-              <a:rPr lang="en-US" altLang="ko-KR" sz="1200" b="0" dirty="0">
+              <a:rPr lang="en-US" altLang="ko-KR" sz="1600" b="0" dirty="0">
                 <a:latin typeface="+mj-lt"/>
                 <a:ea typeface="굴림" panose="020B0600000101010101" pitchFamily="34" charset="-127"/>
               </a:rPr>
-              <a:t>Did air temperature affect the intensity of the hurricane the most?</a:t>
+              <a:t>Did air pressure affect the intensity of the hurricane the most?</a:t>
             </a:r>
           </a:p>
           <a:p>
@@ -3744,21 +4180,7 @@
               </a:lnSpc>
             </a:pPr>
             <a:r>
-              <a:rPr lang="en-US" altLang="ko-KR" sz="1200" b="0" dirty="0">
-                <a:latin typeface="+mj-lt"/>
-                <a:ea typeface="굴림" panose="020B0600000101010101" pitchFamily="34" charset="-127"/>
-              </a:rPr>
-              <a:t>Did air pressure affect the intensity of the hurricane the most?</a:t>
-            </a:r>
-          </a:p>
-          <a:p>
-            <a:pPr lvl="1">
-              <a:lnSpc>
-                <a:spcPct val="80000"/>
-              </a:lnSpc>
-            </a:pPr>
-            <a:r>
-              <a:rPr lang="en-US" altLang="ko-KR" sz="1200" b="0" dirty="0">
+              <a:rPr lang="en-US" altLang="ko-KR" sz="1600" b="0" dirty="0">
                 <a:latin typeface="+mj-lt"/>
                 <a:ea typeface="굴림" panose="020B0600000101010101" pitchFamily="34" charset="-127"/>
               </a:rPr>
@@ -3793,17 +4215,39 @@
                 <a:spcPct val="80000"/>
               </a:lnSpc>
             </a:pPr>
-            <a:r>
-              <a:rPr lang="en-US" altLang="ko-KR" sz="1600" dirty="0">
-                <a:latin typeface="+mj-lt"/>
-                <a:ea typeface="굴림" panose="020B0600000101010101" pitchFamily="34" charset="-127"/>
-              </a:rPr>
-              <a:t>We plan to answer these questions by utilizing P based analysis.  Graphically we will represent our data in scatter plots to show correlations as well as box plots to show our outliers in within the data set. </a:t>
-            </a:r>
-            <a:endParaRPr lang="en-US" altLang="ko-KR" sz="1600" b="0" dirty="0">
+            <a:endParaRPr lang="en-US" altLang="ko-KR" sz="1600" dirty="0">
               <a:latin typeface="+mj-lt"/>
               <a:ea typeface="굴림" panose="020B0600000101010101" pitchFamily="34" charset="-127"/>
             </a:endParaRPr>
+          </a:p>
+          <a:p>
+            <a:pPr marL="0" indent="0">
+              <a:lnSpc>
+                <a:spcPct val="80000"/>
+              </a:lnSpc>
+              <a:buNone/>
+            </a:pPr>
+            <a:r>
+              <a:rPr lang="en-US" altLang="ko-KR" sz="2000" b="1" dirty="0">
+                <a:latin typeface="+mj-lt"/>
+                <a:ea typeface="굴림" panose="020B0600000101010101" pitchFamily="34" charset="-127"/>
+              </a:rPr>
+              <a:t>How will this problem be attacked?  </a:t>
+            </a:r>
+          </a:p>
+          <a:p>
+            <a:pPr lvl="1">
+              <a:lnSpc>
+                <a:spcPct val="80000"/>
+              </a:lnSpc>
+            </a:pPr>
+            <a:r>
+              <a:rPr lang="en-US" altLang="ko-KR" sz="1600" b="0" dirty="0">
+                <a:latin typeface="+mj-lt"/>
+                <a:ea typeface="굴림" panose="020B0600000101010101" pitchFamily="34" charset="-127"/>
+              </a:rPr>
+              <a:t>We plan to answer these questions by utilizing various statistical analyses.  Graphically, we will represent our data in scatter plots to show correlations as well as box plots to show our outliers in within each data set. </a:t>
+            </a:r>
           </a:p>
         </p:txBody>
       </p:sp>
@@ -3893,32 +4337,34 @@
         </p:nvSpPr>
         <p:spPr>
           <a:xfrm>
-            <a:off x="152400" y="1773238"/>
-            <a:ext cx="2743200" cy="2189162"/>
+            <a:off x="158931" y="1752600"/>
+            <a:ext cx="2743200" cy="3255962"/>
           </a:xfrm>
         </p:spPr>
         <p:txBody>
           <a:bodyPr/>
           <a:lstStyle/>
           <a:p>
-            <a:pPr>
-              <a:lnSpc>
-                <a:spcPct val="80000"/>
-              </a:lnSpc>
-            </a:pPr>
-            <a:r>
-              <a:rPr lang="en-US" altLang="ko-KR" sz="1000" b="1" dirty="0">
+            <a:pPr marL="0" indent="0">
+              <a:lnSpc>
+                <a:spcPct val="80000"/>
+              </a:lnSpc>
+              <a:buNone/>
+            </a:pPr>
+            <a:r>
+              <a:rPr lang="en-US" altLang="ko-KR" sz="2000" b="1" dirty="0">
                 <a:latin typeface="+mj-lt"/>
                 <a:ea typeface="굴림" panose="020B0600000101010101" pitchFamily="34" charset="-127"/>
               </a:rPr>
-              <a:t>Data Retrieval: </a:t>
-            </a:r>
-          </a:p>
-          <a:p>
-            <a:pPr>
-              <a:lnSpc>
-                <a:spcPct val="80000"/>
-              </a:lnSpc>
+              <a:t>Data Retrieval </a:t>
+            </a:r>
+          </a:p>
+          <a:p>
+            <a:pPr marL="0" indent="0">
+              <a:lnSpc>
+                <a:spcPct val="80000"/>
+              </a:lnSpc>
+              <a:buNone/>
             </a:pPr>
             <a:endParaRPr lang="en-US" altLang="ko-KR" sz="1000" b="1" dirty="0">
               <a:latin typeface="+mj-lt"/>
@@ -3926,43 +4372,164 @@
             </a:endParaRPr>
           </a:p>
           <a:p>
-            <a:pPr>
-              <a:lnSpc>
-                <a:spcPct val="80000"/>
-              </a:lnSpc>
+            <a:pPr marL="0" indent="0">
+              <a:lnSpc>
+                <a:spcPct val="80000"/>
+              </a:lnSpc>
+              <a:buNone/>
+            </a:pPr>
+            <a:endParaRPr lang="en-US" altLang="ko-KR" sz="1000" b="1" dirty="0">
+              <a:latin typeface="+mj-lt"/>
+              <a:ea typeface="굴림" panose="020B0600000101010101" pitchFamily="34" charset="-127"/>
+            </a:endParaRPr>
+          </a:p>
+          <a:p>
+            <a:pPr marL="0" indent="0">
+              <a:lnSpc>
+                <a:spcPct val="80000"/>
+              </a:lnSpc>
+              <a:buNone/>
             </a:pPr>
             <a:r>
               <a:rPr lang="en-US" altLang="ko-KR" sz="1000" b="1" dirty="0">
                 <a:latin typeface="+mj-lt"/>
                 <a:ea typeface="굴림" panose="020B0600000101010101" pitchFamily="34" charset="-127"/>
               </a:rPr>
-              <a:t>CSV</a:t>
-            </a:r>
-          </a:p>
-          <a:p>
-            <a:pPr>
-              <a:lnSpc>
-                <a:spcPct val="80000"/>
-              </a:lnSpc>
-            </a:pPr>
-            <a:r>
-              <a:rPr lang="en-US" altLang="ko-KR" sz="1000" b="0" dirty="0">
+              <a:t>.csv data:  </a:t>
+            </a:r>
+          </a:p>
+          <a:p>
+            <a:pPr marL="0" indent="0">
+              <a:lnSpc>
+                <a:spcPct val="80000"/>
+              </a:lnSpc>
+              <a:buNone/>
+            </a:pPr>
+            <a:r>
+              <a:rPr lang="en-US" altLang="ko-KR" sz="1000" dirty="0">
                 <a:latin typeface="+mj-lt"/>
                 <a:ea typeface="굴림" panose="020B0600000101010101" pitchFamily="34" charset="-127"/>
-                <a:hlinkClick r:id="rId2"/>
+              </a:rPr>
+              <a:t>Gulf of Mexico Coastal Ocean Observing System</a:t>
+            </a:r>
+          </a:p>
+          <a:p>
+            <a:pPr marL="0" indent="0">
+              <a:lnSpc>
+                <a:spcPct val="80000"/>
+              </a:lnSpc>
+              <a:buNone/>
+            </a:pPr>
+            <a:r>
+              <a:rPr lang="en-US" altLang="ko-KR" sz="1000" b="0" dirty="0">
+                <a:solidFill>
+                  <a:srgbClr val="00B050"/>
+                </a:solidFill>
+                <a:latin typeface="+mj-lt"/>
+                <a:ea typeface="굴림" panose="020B0600000101010101" pitchFamily="34" charset="-127"/>
+                <a:hlinkClick r:id="rId2">
+                  <a:extLst>
+                    <a:ext uri="{A12FA001-AC4F-418D-AE19-62706E023703}">
+                      <ahyp:hlinkClr xmlns:ahyp="http://schemas.microsoft.com/office/drawing/2018/hyperlinkcolor" val="tx"/>
+                    </a:ext>
+                  </a:extLst>
+                </a:hlinkClick>
               </a:rPr>
               <a:t>http://data.gcoos.org/waf.php</a:t>
             </a:r>
-            <a:endParaRPr lang="en-US" altLang="ko-KR" sz="1000" b="0" dirty="0">
+            <a:endParaRPr lang="en-US" altLang="ko-KR" sz="1000" dirty="0">
+              <a:solidFill>
+                <a:srgbClr val="00B050"/>
+              </a:solidFill>
               <a:latin typeface="+mj-lt"/>
               <a:ea typeface="굴림" panose="020B0600000101010101" pitchFamily="34" charset="-127"/>
             </a:endParaRPr>
           </a:p>
           <a:p>
-            <a:pPr lvl="1">
-              <a:lnSpc>
-                <a:spcPct val="80000"/>
-              </a:lnSpc>
+            <a:pPr marL="0" indent="0">
+              <a:lnSpc>
+                <a:spcPct val="80000"/>
+              </a:lnSpc>
+              <a:buNone/>
+            </a:pPr>
+            <a:endParaRPr lang="en-US" altLang="ko-KR" sz="1000" dirty="0">
+              <a:solidFill>
+                <a:srgbClr val="00B050"/>
+              </a:solidFill>
+              <a:latin typeface="+mj-lt"/>
+              <a:ea typeface="굴림" panose="020B0600000101010101" pitchFamily="34" charset="-127"/>
+            </a:endParaRPr>
+          </a:p>
+          <a:p>
+            <a:pPr marL="0" indent="0">
+              <a:lnSpc>
+                <a:spcPct val="80000"/>
+              </a:lnSpc>
+              <a:buNone/>
+            </a:pPr>
+            <a:r>
+              <a:rPr lang="en-US" altLang="ko-KR" sz="1000" dirty="0">
+                <a:latin typeface="+mj-lt"/>
+                <a:ea typeface="굴림" panose="020B0600000101010101" pitchFamily="34" charset="-127"/>
+              </a:rPr>
+              <a:t>National Hurricane Center</a:t>
+            </a:r>
+            <a:endParaRPr lang="en-US" altLang="ko-KR" sz="1400" dirty="0">
+              <a:latin typeface="+mj-lt"/>
+              <a:ea typeface="굴림" panose="020B0600000101010101" pitchFamily="34" charset="-127"/>
+            </a:endParaRPr>
+          </a:p>
+          <a:p>
+            <a:pPr marL="0" indent="0">
+              <a:lnSpc>
+                <a:spcPct val="80000"/>
+              </a:lnSpc>
+              <a:buNone/>
+            </a:pPr>
+            <a:r>
+              <a:rPr lang="en-US" sz="1000" dirty="0">
+                <a:solidFill>
+                  <a:srgbClr val="00B050"/>
+                </a:solidFill>
+                <a:latin typeface="+mj-lt"/>
+                <a:hlinkClick r:id="rId3">
+                  <a:extLst>
+                    <a:ext uri="{A12FA001-AC4F-418D-AE19-62706E023703}">
+                      <ahyp:hlinkClr xmlns:ahyp="http://schemas.microsoft.com/office/drawing/2018/hyperlinkcolor" val="tx"/>
+                    </a:ext>
+                  </a:extLst>
+                </a:hlinkClick>
+              </a:rPr>
+              <a:t>https://www.nhc.noaa.gov/data/tcr/AL092017_Harvey.pdf</a:t>
+            </a:r>
+            <a:endParaRPr lang="en-US" sz="1000" dirty="0">
+              <a:solidFill>
+                <a:srgbClr val="00B050"/>
+              </a:solidFill>
+              <a:latin typeface="+mj-lt"/>
+            </a:endParaRPr>
+          </a:p>
+          <a:p>
+            <a:pPr marL="0" indent="0">
+              <a:lnSpc>
+                <a:spcPct val="80000"/>
+              </a:lnSpc>
+              <a:buNone/>
+            </a:pPr>
+            <a:r>
+              <a:rPr lang="en-US" altLang="ko-KR" sz="1000" dirty="0">
+                <a:latin typeface="+mj-lt"/>
+                <a:ea typeface="굴림" panose="020B0600000101010101" pitchFamily="34" charset="-127"/>
+              </a:rPr>
+              <a:t>-Utilized data, created a csv for Harvey track</a:t>
+            </a:r>
+          </a:p>
+          <a:p>
+            <a:pPr marL="914400" lvl="2" indent="0">
+              <a:lnSpc>
+                <a:spcPct val="80000"/>
+              </a:lnSpc>
+              <a:buNone/>
             </a:pPr>
             <a:endParaRPr lang="en-US" altLang="ko-KR" sz="1000" dirty="0">
               <a:latin typeface="+mj-lt"/>
@@ -3970,41 +4537,11 @@
             </a:endParaRPr>
           </a:p>
           <a:p>
-            <a:pPr>
-              <a:lnSpc>
-                <a:spcPct val="80000"/>
-              </a:lnSpc>
-            </a:pPr>
-            <a:r>
-              <a:rPr lang="en-US" sz="1000" dirty="0">
-                <a:latin typeface="+mj-lt"/>
-                <a:hlinkClick r:id="rId3"/>
-              </a:rPr>
-              <a:t>https://www.nhc.noaa.gov/data/tcr/AL092017_Harvey.pdf</a:t>
-            </a:r>
-            <a:endParaRPr lang="en-US" sz="1000" dirty="0">
-              <a:latin typeface="+mj-lt"/>
-            </a:endParaRPr>
-          </a:p>
-          <a:p>
-            <a:pPr lvl="1">
-              <a:lnSpc>
-                <a:spcPct val="80000"/>
-              </a:lnSpc>
-            </a:pPr>
-            <a:r>
-              <a:rPr lang="en-US" altLang="ko-KR" sz="1000" dirty="0">
-                <a:latin typeface="+mj-lt"/>
-                <a:ea typeface="굴림" panose="020B0600000101010101" pitchFamily="34" charset="-127"/>
-              </a:rPr>
-              <a:t>Took data created a csv for best track</a:t>
-            </a:r>
-          </a:p>
-          <a:p>
-            <a:pPr lvl="2">
-              <a:lnSpc>
-                <a:spcPct val="80000"/>
-              </a:lnSpc>
+            <a:pPr marL="914400" lvl="2" indent="0">
+              <a:lnSpc>
+                <a:spcPct val="80000"/>
+              </a:lnSpc>
+              <a:buNone/>
             </a:pPr>
             <a:endParaRPr lang="en-US" altLang="ko-KR" sz="1000" dirty="0">
               <a:latin typeface="+mj-lt"/>
@@ -4012,24 +4549,26 @@
             </a:endParaRPr>
           </a:p>
           <a:p>
-            <a:pPr>
-              <a:lnSpc>
-                <a:spcPct val="80000"/>
-              </a:lnSpc>
+            <a:pPr marL="0" indent="0">
+              <a:lnSpc>
+                <a:spcPct val="80000"/>
+              </a:lnSpc>
+              <a:buNone/>
             </a:pPr>
             <a:r>
               <a:rPr lang="en-US" altLang="ko-KR" sz="1000" b="1" dirty="0">
                 <a:latin typeface="+mj-lt"/>
                 <a:ea typeface="굴림" panose="020B0600000101010101" pitchFamily="34" charset="-127"/>
               </a:rPr>
-              <a:t>API</a:t>
-            </a:r>
-          </a:p>
-          <a:p>
-            <a:pPr lvl="1">
-              <a:lnSpc>
-                <a:spcPct val="80000"/>
-              </a:lnSpc>
+              <a:t>API: </a:t>
+            </a:r>
+          </a:p>
+          <a:p>
+            <a:pPr marL="0" indent="0">
+              <a:lnSpc>
+                <a:spcPct val="80000"/>
+              </a:lnSpc>
+              <a:buNone/>
             </a:pPr>
             <a:r>
               <a:rPr lang="en-US" altLang="ko-KR" sz="1000" dirty="0" err="1">
@@ -4044,6 +4583,44 @@
                 <a:ea typeface="굴림" panose="020B0600000101010101" pitchFamily="34" charset="-127"/>
               </a:rPr>
               <a:t> </a:t>
+            </a:r>
+          </a:p>
+          <a:p>
+            <a:pPr marL="0" indent="0">
+              <a:lnSpc>
+                <a:spcPct val="80000"/>
+              </a:lnSpc>
+              <a:buNone/>
+            </a:pPr>
+            <a:r>
+              <a:rPr lang="en-US" altLang="ko-KR" sz="1000" u="sng" dirty="0">
+                <a:solidFill>
+                  <a:srgbClr val="00B050"/>
+                </a:solidFill>
+                <a:latin typeface="+mj-lt"/>
+                <a:ea typeface="굴림" panose="020B0600000101010101" pitchFamily="34" charset="-127"/>
+              </a:rPr>
+              <a:t>https://</a:t>
+            </a:r>
+            <a:r>
+              <a:rPr lang="en-US" altLang="ko-KR" sz="1000" u="sng" dirty="0" err="1">
+                <a:solidFill>
+                  <a:srgbClr val="00B050"/>
+                </a:solidFill>
+                <a:latin typeface="+mj-lt"/>
+                <a:ea typeface="굴림" panose="020B0600000101010101" pitchFamily="34" charset="-127"/>
+              </a:rPr>
+              <a:t>cloud.google.com</a:t>
+            </a:r>
+            <a:r>
+              <a:rPr lang="en-US" altLang="ko-KR" sz="1000" u="sng" dirty="0">
+                <a:solidFill>
+                  <a:srgbClr val="00B050"/>
+                </a:solidFill>
+                <a:latin typeface="+mj-lt"/>
+                <a:ea typeface="굴림" panose="020B0600000101010101" pitchFamily="34" charset="-127"/>
+              </a:rPr>
+              <a:t>/maps-platform/</a:t>
             </a:r>
           </a:p>
           <a:p>
@@ -4082,8 +4659,8 @@
         </p:blipFill>
         <p:spPr>
           <a:xfrm>
-            <a:off x="2895600" y="1773238"/>
-            <a:ext cx="6096000" cy="4755292"/>
+            <a:off x="2902131" y="1828800"/>
+            <a:ext cx="5943600" cy="4636410"/>
           </a:xfrm>
           <a:prstGeom prst="rect">
             <a:avLst/>
@@ -4139,7 +4716,7 @@
         <p:spPr>
           <a:xfrm>
             <a:off x="2698750" y="260350"/>
-            <a:ext cx="5834063" cy="649288"/>
+            <a:ext cx="6140450" cy="649288"/>
           </a:xfrm>
         </p:spPr>
         <p:txBody>
@@ -4150,7 +4727,7 @@
               <a:rPr lang="en-US" altLang="en-US" b="1" dirty="0">
                 <a:latin typeface="Tahoma" panose="020B0604030504040204" pitchFamily="34" charset="0"/>
               </a:rPr>
-              <a:t>Project Data Points Location</a:t>
+              <a:t>Project Data Point Locations</a:t>
             </a:r>
             <a:endParaRPr lang="uk-UA" altLang="en-US" b="1" dirty="0">
               <a:latin typeface="Tahoma" panose="020B0604030504040204" pitchFamily="34" charset="0"/>
@@ -4176,7 +4753,7 @@
         </p:nvSpPr>
         <p:spPr>
           <a:xfrm>
-            <a:off x="457200" y="1773238"/>
+            <a:off x="295192" y="1777996"/>
             <a:ext cx="7570788" cy="817562"/>
           </a:xfrm>
         </p:spPr>
@@ -4191,7 +4768,7 @@
               <a:buNone/>
             </a:pPr>
             <a:r>
-              <a:rPr lang="en-US" altLang="ko-KR" sz="2000" dirty="0">
+              <a:rPr lang="en-US" altLang="ko-KR" sz="2000" b="1" dirty="0">
                 <a:latin typeface="Verdana" panose="020B0604030504040204" pitchFamily="34" charset="0"/>
                 <a:ea typeface="굴림" panose="020B0600000101010101" pitchFamily="34" charset="-127"/>
               </a:rPr>
@@ -4206,108 +4783,170 @@
               <a:buFont typeface="Arial" panose="020B0604020202020204" pitchFamily="34" charset="0"/>
               <a:buChar char="•"/>
             </a:pPr>
-            <a:r>
-              <a:rPr lang="en-US" altLang="ko-KR" sz="2000" dirty="0">
+            <a:endParaRPr lang="en-US" altLang="ko-KR" sz="1800" dirty="0">
+              <a:latin typeface="Verdana" panose="020B0604030504040204" pitchFamily="34" charset="0"/>
+              <a:ea typeface="굴림" panose="020B0600000101010101" pitchFamily="34" charset="-127"/>
+            </a:endParaRPr>
+          </a:p>
+          <a:p>
+            <a:pPr marL="0" indent="0">
+              <a:lnSpc>
+                <a:spcPct val="80000"/>
+              </a:lnSpc>
+              <a:buNone/>
+            </a:pPr>
+            <a:r>
+              <a:rPr lang="en-US" altLang="ko-KR" sz="1800" b="1" dirty="0">
                 <a:latin typeface="Verdana" panose="020B0604030504040204" pitchFamily="34" charset="0"/>
                 <a:ea typeface="굴림" panose="020B0600000101010101" pitchFamily="34" charset="-127"/>
               </a:rPr>
-              <a:t>A = 42043	</a:t>
-            </a:r>
-          </a:p>
-          <a:p>
-            <a:pPr>
-              <a:lnSpc>
-                <a:spcPct val="80000"/>
-              </a:lnSpc>
-              <a:buFont typeface="Arial" panose="020B0604020202020204" pitchFamily="34" charset="0"/>
-              <a:buChar char="•"/>
-            </a:pPr>
-            <a:r>
-              <a:rPr lang="en-US" altLang="ko-KR" sz="2000" dirty="0">
+              <a:t>A </a:t>
+            </a:r>
+            <a:r>
+              <a:rPr lang="en-US" altLang="ko-KR" sz="1800" dirty="0">
                 <a:latin typeface="Verdana" panose="020B0604030504040204" pitchFamily="34" charset="0"/>
                 <a:ea typeface="굴림" panose="020B0600000101010101" pitchFamily="34" charset="-127"/>
               </a:rPr>
-              <a:t>B = 42044</a:t>
-            </a:r>
-          </a:p>
-          <a:p>
-            <a:pPr>
-              <a:lnSpc>
-                <a:spcPct val="80000"/>
-              </a:lnSpc>
-              <a:buFont typeface="Arial" panose="020B0604020202020204" pitchFamily="34" charset="0"/>
-              <a:buChar char="•"/>
-            </a:pPr>
-            <a:r>
-              <a:rPr lang="en-US" altLang="ko-KR" sz="2000" dirty="0">
+              <a:t>= 42043</a:t>
+            </a:r>
+            <a:r>
+              <a:rPr lang="en-US" altLang="ko-KR" sz="1800" b="1" dirty="0">
                 <a:latin typeface="Verdana" panose="020B0604030504040204" pitchFamily="34" charset="0"/>
                 <a:ea typeface="굴림" panose="020B0600000101010101" pitchFamily="34" charset="-127"/>
               </a:rPr>
-              <a:t>C = 42047</a:t>
-            </a:r>
-          </a:p>
-          <a:p>
-            <a:pPr>
-              <a:lnSpc>
-                <a:spcPct val="80000"/>
-              </a:lnSpc>
-              <a:buFont typeface="Arial" panose="020B0604020202020204" pitchFamily="34" charset="0"/>
-              <a:buChar char="•"/>
-            </a:pPr>
-            <a:r>
-              <a:rPr lang="en-US" altLang="ko-KR" sz="2000" dirty="0">
+              <a:t>	</a:t>
+            </a:r>
+          </a:p>
+          <a:p>
+            <a:pPr marL="0" indent="0">
+              <a:lnSpc>
+                <a:spcPct val="80000"/>
+              </a:lnSpc>
+              <a:buNone/>
+            </a:pPr>
+            <a:r>
+              <a:rPr lang="en-US" altLang="ko-KR" sz="1800" b="1" dirty="0">
                 <a:latin typeface="Verdana" panose="020B0604030504040204" pitchFamily="34" charset="0"/>
                 <a:ea typeface="굴림" panose="020B0600000101010101" pitchFamily="34" charset="-127"/>
               </a:rPr>
-              <a:t>D = 8764314</a:t>
-            </a:r>
-          </a:p>
-          <a:p>
-            <a:pPr>
-              <a:lnSpc>
-                <a:spcPct val="80000"/>
-              </a:lnSpc>
-              <a:buFont typeface="Arial" panose="020B0604020202020204" pitchFamily="34" charset="0"/>
-              <a:buChar char="•"/>
-            </a:pPr>
-            <a:r>
-              <a:rPr lang="en-US" altLang="ko-KR" sz="2000" dirty="0">
+              <a:t>B </a:t>
+            </a:r>
+            <a:r>
+              <a:rPr lang="en-US" altLang="ko-KR" sz="1800" dirty="0">
                 <a:latin typeface="Verdana" panose="020B0604030504040204" pitchFamily="34" charset="0"/>
                 <a:ea typeface="굴림" panose="020B0600000101010101" pitchFamily="34" charset="-127"/>
               </a:rPr>
-              <a:t>E = 8770613</a:t>
-            </a:r>
-          </a:p>
-          <a:p>
-            <a:pPr>
-              <a:lnSpc>
-                <a:spcPct val="80000"/>
-              </a:lnSpc>
-              <a:buFont typeface="Arial" panose="020B0604020202020204" pitchFamily="34" charset="0"/>
-              <a:buChar char="•"/>
-            </a:pPr>
-            <a:r>
-              <a:rPr lang="en-US" altLang="ko-KR" sz="2000" dirty="0">
+              <a:t>= 42044</a:t>
+            </a:r>
+          </a:p>
+          <a:p>
+            <a:pPr marL="0" indent="0">
+              <a:lnSpc>
+                <a:spcPct val="80000"/>
+              </a:lnSpc>
+              <a:buNone/>
+            </a:pPr>
+            <a:r>
+              <a:rPr lang="en-US" altLang="ko-KR" sz="1800" b="1" dirty="0">
                 <a:latin typeface="Verdana" panose="020B0604030504040204" pitchFamily="34" charset="0"/>
                 <a:ea typeface="굴림" panose="020B0600000101010101" pitchFamily="34" charset="-127"/>
               </a:rPr>
-              <a:t>F = TABS-X</a:t>
-            </a:r>
-          </a:p>
-          <a:p>
-            <a:pPr>
-              <a:lnSpc>
-                <a:spcPct val="80000"/>
-              </a:lnSpc>
-              <a:buFont typeface="Arial" panose="020B0604020202020204" pitchFamily="34" charset="0"/>
-              <a:buChar char="•"/>
-            </a:pPr>
-            <a:r>
-              <a:rPr lang="en-US" altLang="ko-KR" sz="2000" dirty="0">
+              <a:t>C </a:t>
+            </a:r>
+            <a:r>
+              <a:rPr lang="en-US" altLang="ko-KR" sz="1800" dirty="0">
                 <a:latin typeface="Verdana" panose="020B0604030504040204" pitchFamily="34" charset="0"/>
                 <a:ea typeface="굴림" panose="020B0600000101010101" pitchFamily="34" charset="-127"/>
               </a:rPr>
-              <a:t>G = 42019</a:t>
+              <a:t>= 42047</a:t>
+            </a:r>
+          </a:p>
+          <a:p>
+            <a:pPr marL="0" indent="0">
+              <a:lnSpc>
+                <a:spcPct val="80000"/>
+              </a:lnSpc>
+              <a:buNone/>
+            </a:pPr>
+            <a:r>
+              <a:rPr lang="en-US" altLang="ko-KR" sz="1800" b="1" dirty="0">
+                <a:latin typeface="Verdana" panose="020B0604030504040204" pitchFamily="34" charset="0"/>
+                <a:ea typeface="굴림" panose="020B0600000101010101" pitchFamily="34" charset="-127"/>
+              </a:rPr>
+              <a:t>D </a:t>
+            </a:r>
+            <a:r>
+              <a:rPr lang="en-US" altLang="ko-KR" sz="1800" dirty="0">
+                <a:latin typeface="Verdana" panose="020B0604030504040204" pitchFamily="34" charset="0"/>
+                <a:ea typeface="굴림" panose="020B0600000101010101" pitchFamily="34" charset="-127"/>
+              </a:rPr>
+              <a:t>= 8764314</a:t>
+            </a:r>
+          </a:p>
+          <a:p>
+            <a:pPr marL="0" indent="0">
+              <a:lnSpc>
+                <a:spcPct val="80000"/>
+              </a:lnSpc>
+              <a:buNone/>
+            </a:pPr>
+            <a:r>
+              <a:rPr lang="en-US" altLang="ko-KR" sz="1800" b="1" dirty="0">
+                <a:latin typeface="Verdana" panose="020B0604030504040204" pitchFamily="34" charset="0"/>
+                <a:ea typeface="굴림" panose="020B0600000101010101" pitchFamily="34" charset="-127"/>
+              </a:rPr>
+              <a:t>E </a:t>
+            </a:r>
+            <a:r>
+              <a:rPr lang="en-US" altLang="ko-KR" sz="1800" dirty="0">
+                <a:latin typeface="Verdana" panose="020B0604030504040204" pitchFamily="34" charset="0"/>
+                <a:ea typeface="굴림" panose="020B0600000101010101" pitchFamily="34" charset="-127"/>
+              </a:rPr>
+              <a:t>= 8770613</a:t>
+            </a:r>
+          </a:p>
+          <a:p>
+            <a:pPr marL="0" indent="0">
+              <a:lnSpc>
+                <a:spcPct val="80000"/>
+              </a:lnSpc>
+              <a:buNone/>
+            </a:pPr>
+            <a:r>
+              <a:rPr lang="en-US" altLang="ko-KR" sz="1800" b="1" dirty="0">
+                <a:latin typeface="Verdana" panose="020B0604030504040204" pitchFamily="34" charset="0"/>
+                <a:ea typeface="굴림" panose="020B0600000101010101" pitchFamily="34" charset="-127"/>
+              </a:rPr>
+              <a:t>F </a:t>
+            </a:r>
+            <a:r>
+              <a:rPr lang="en-US" altLang="ko-KR" sz="1800" dirty="0">
+                <a:latin typeface="Verdana" panose="020B0604030504040204" pitchFamily="34" charset="0"/>
+                <a:ea typeface="굴림" panose="020B0600000101010101" pitchFamily="34" charset="-127"/>
+              </a:rPr>
+              <a:t>= TABS-X</a:t>
+            </a:r>
+          </a:p>
+          <a:p>
+            <a:pPr marL="0" indent="0">
+              <a:lnSpc>
+                <a:spcPct val="80000"/>
+              </a:lnSpc>
+              <a:buNone/>
+            </a:pPr>
+            <a:r>
+              <a:rPr lang="en-US" altLang="ko-KR" sz="1800" b="1" dirty="0">
+                <a:latin typeface="Verdana" panose="020B0604030504040204" pitchFamily="34" charset="0"/>
+                <a:ea typeface="굴림" panose="020B0600000101010101" pitchFamily="34" charset="-127"/>
+              </a:rPr>
+              <a:t>G </a:t>
+            </a:r>
+            <a:r>
+              <a:rPr lang="en-US" altLang="ko-KR" sz="1800" dirty="0">
+                <a:latin typeface="Verdana" panose="020B0604030504040204" pitchFamily="34" charset="0"/>
+                <a:ea typeface="굴림" panose="020B0600000101010101" pitchFamily="34" charset="-127"/>
+              </a:rPr>
+              <a:t>= 42019</a:t>
             </a:r>
           </a:p>
         </p:txBody>
@@ -4334,7 +4973,7 @@
         </p:blipFill>
         <p:spPr>
           <a:xfrm>
-            <a:off x="2663843" y="2438400"/>
+            <a:off x="2605096" y="2349052"/>
             <a:ext cx="6327757" cy="4248598"/>
           </a:xfrm>
           <a:prstGeom prst="rect">
@@ -4356,7 +4995,7 @@
         </p:nvSpPr>
         <p:spPr>
           <a:xfrm>
-            <a:off x="4396740" y="4378033"/>
+            <a:off x="4276573" y="4358593"/>
             <a:ext cx="350519" cy="369332"/>
           </a:xfrm>
           <a:prstGeom prst="rect">
@@ -4371,7 +5010,7 @@
           <a:lstStyle/>
           <a:p>
             <a:r>
-              <a:rPr lang="en-US" dirty="0"/>
+              <a:rPr lang="en-US" b="1" dirty="0"/>
               <a:t>D</a:t>
             </a:r>
           </a:p>
@@ -4391,7 +5030,7 @@
         </p:nvSpPr>
         <p:spPr>
           <a:xfrm>
-            <a:off x="3905327" y="4876800"/>
+            <a:off x="3837441" y="4662536"/>
             <a:ext cx="350519" cy="369332"/>
           </a:xfrm>
           <a:prstGeom prst="rect">
@@ -4406,7 +5045,7 @@
           <a:lstStyle/>
           <a:p>
             <a:r>
-              <a:rPr lang="en-US" dirty="0"/>
+              <a:rPr lang="en-US" b="1" dirty="0"/>
               <a:t>C</a:t>
             </a:r>
           </a:p>
@@ -4426,7 +5065,7 @@
         </p:nvSpPr>
         <p:spPr>
           <a:xfrm>
-            <a:off x="3217960" y="4423243"/>
+            <a:off x="3558168" y="4325552"/>
             <a:ext cx="350519" cy="369332"/>
           </a:xfrm>
           <a:prstGeom prst="rect">
@@ -4441,7 +5080,7 @@
           <a:lstStyle/>
           <a:p>
             <a:r>
-              <a:rPr lang="en-US" dirty="0"/>
+              <a:rPr lang="en-US" b="1" dirty="0"/>
               <a:t>A</a:t>
             </a:r>
           </a:p>
@@ -4461,7 +5100,7 @@
         </p:nvSpPr>
         <p:spPr>
           <a:xfrm>
-            <a:off x="3425929" y="4018106"/>
+            <a:off x="3502923" y="3940046"/>
             <a:ext cx="350519" cy="369332"/>
           </a:xfrm>
           <a:prstGeom prst="rect">
@@ -4476,7 +5115,7 @@
           <a:lstStyle/>
           <a:p>
             <a:r>
-              <a:rPr lang="en-US" dirty="0"/>
+              <a:rPr lang="en-US" b="1" dirty="0"/>
               <a:t>E</a:t>
             </a:r>
           </a:p>
@@ -4496,7 +5135,7 @@
         </p:nvSpPr>
         <p:spPr>
           <a:xfrm>
-            <a:off x="3361566" y="4995608"/>
+            <a:off x="3303589" y="4847202"/>
             <a:ext cx="350519" cy="369332"/>
           </a:xfrm>
           <a:prstGeom prst="rect">
@@ -4511,7 +5150,7 @@
           <a:lstStyle/>
           <a:p>
             <a:r>
-              <a:rPr lang="en-US" dirty="0"/>
+              <a:rPr lang="en-US" b="1" dirty="0"/>
               <a:t>F</a:t>
             </a:r>
           </a:p>
@@ -4531,7 +5170,7 @@
         </p:nvSpPr>
         <p:spPr>
           <a:xfrm>
-            <a:off x="3105979" y="5293252"/>
+            <a:off x="3032017" y="5182769"/>
             <a:ext cx="350519" cy="369332"/>
           </a:xfrm>
           <a:prstGeom prst="rect">
@@ -4546,7 +5185,7 @@
           <a:lstStyle/>
           <a:p>
             <a:r>
-              <a:rPr lang="en-US" dirty="0"/>
+              <a:rPr lang="en-US" b="1" dirty="0"/>
               <a:t>B</a:t>
             </a:r>
           </a:p>
@@ -4566,7 +5205,7 @@
         </p:nvSpPr>
         <p:spPr>
           <a:xfrm>
-            <a:off x="3478849" y="4784093"/>
+            <a:off x="3469555" y="4700912"/>
             <a:ext cx="350519" cy="369332"/>
           </a:xfrm>
           <a:prstGeom prst="rect">
@@ -4581,7 +5220,7 @@
           <a:lstStyle/>
           <a:p>
             <a:r>
-              <a:rPr lang="en-US" dirty="0"/>
+              <a:rPr lang="en-US" b="1" dirty="0"/>
               <a:t>G</a:t>
             </a:r>
           </a:p>
@@ -4681,13 +5320,154 @@
           <a:bodyPr/>
           <a:lstStyle/>
           <a:p>
-            <a:pPr marL="0" indent="0">
-              <a:lnSpc>
-                <a:spcPct val="80000"/>
-              </a:lnSpc>
-              <a:buNone/>
-            </a:pPr>
-            <a:endParaRPr lang="en-US" altLang="ko-KR" sz="2000" dirty="0">
+            <a:pPr>
+              <a:lnSpc>
+                <a:spcPct val="80000"/>
+              </a:lnSpc>
+            </a:pPr>
+            <a:r>
+              <a:rPr lang="en-US" altLang="ko-KR" sz="1600" dirty="0">
+                <a:latin typeface="Verdana" panose="020B0604030504040204" pitchFamily="34" charset="0"/>
+                <a:ea typeface="굴림" panose="020B0600000101010101" pitchFamily="34" charset="-127"/>
+              </a:rPr>
+              <a:t>The GSOOS site referenced previously was scanned for availability of .csv data.  The Harvey path was cross-referenced for general location.  The seven locations shown contained the most complete data sets in regard to attributes that could be studied: </a:t>
+            </a:r>
+          </a:p>
+          <a:p>
+            <a:pPr lvl="1">
+              <a:lnSpc>
+                <a:spcPct val="80000"/>
+              </a:lnSpc>
+            </a:pPr>
+            <a:r>
+              <a:rPr lang="en-US" altLang="ko-KR" sz="1200" dirty="0">
+                <a:latin typeface="Verdana" panose="020B0604030504040204" pitchFamily="34" charset="0"/>
+                <a:ea typeface="굴림" panose="020B0600000101010101" pitchFamily="34" charset="-127"/>
+              </a:rPr>
+              <a:t>Wind speed was considered dependent variable.</a:t>
+            </a:r>
+          </a:p>
+          <a:p>
+            <a:pPr lvl="1">
+              <a:lnSpc>
+                <a:spcPct val="80000"/>
+              </a:lnSpc>
+            </a:pPr>
+            <a:r>
+              <a:rPr lang="en-US" altLang="ko-KR" sz="1200" dirty="0">
+                <a:latin typeface="Verdana" panose="020B0604030504040204" pitchFamily="34" charset="0"/>
+                <a:ea typeface="굴림" panose="020B0600000101010101" pitchFamily="34" charset="-127"/>
+              </a:rPr>
+              <a:t>Salinity, air temp, water temp, air pressure were independent attributes to be studied.  </a:t>
+            </a:r>
+          </a:p>
+          <a:p>
+            <a:pPr lvl="1">
+              <a:lnSpc>
+                <a:spcPct val="80000"/>
+              </a:lnSpc>
+            </a:pPr>
+            <a:endParaRPr lang="en-US" altLang="ko-KR" sz="1200" dirty="0">
+              <a:latin typeface="Verdana" panose="020B0604030504040204" pitchFamily="34" charset="0"/>
+              <a:ea typeface="굴림" panose="020B0600000101010101" pitchFamily="34" charset="-127"/>
+            </a:endParaRPr>
+          </a:p>
+          <a:p>
+            <a:pPr>
+              <a:lnSpc>
+                <a:spcPct val="80000"/>
+              </a:lnSpc>
+            </a:pPr>
+            <a:r>
+              <a:rPr lang="en-US" altLang="ko-KR" sz="1600" dirty="0">
+                <a:latin typeface="Verdana" panose="020B0604030504040204" pitchFamily="34" charset="0"/>
+                <a:ea typeface="굴림" panose="020B0600000101010101" pitchFamily="34" charset="-127"/>
+              </a:rPr>
+              <a:t>Rebel Reza’s badass cleaner worked here…. </a:t>
+            </a:r>
+          </a:p>
+          <a:p>
+            <a:pPr>
+              <a:lnSpc>
+                <a:spcPct val="80000"/>
+              </a:lnSpc>
+            </a:pPr>
+            <a:endParaRPr lang="en-US" altLang="ko-KR" sz="1600" dirty="0">
+              <a:latin typeface="Verdana" panose="020B0604030504040204" pitchFamily="34" charset="0"/>
+              <a:ea typeface="굴림" panose="020B0600000101010101" pitchFamily="34" charset="-127"/>
+            </a:endParaRPr>
+          </a:p>
+          <a:p>
+            <a:pPr>
+              <a:lnSpc>
+                <a:spcPct val="80000"/>
+              </a:lnSpc>
+            </a:pPr>
+            <a:r>
+              <a:rPr lang="en-US" altLang="ko-KR" sz="1600" dirty="0">
+                <a:latin typeface="Verdana" panose="020B0604030504040204" pitchFamily="34" charset="0"/>
+                <a:ea typeface="굴림" panose="020B0600000101010101" pitchFamily="34" charset="-127"/>
+              </a:rPr>
+              <a:t>Stuff and things </a:t>
+            </a:r>
+          </a:p>
+          <a:p>
+            <a:pPr>
+              <a:lnSpc>
+                <a:spcPct val="80000"/>
+              </a:lnSpc>
+            </a:pPr>
+            <a:endParaRPr lang="en-US" altLang="ko-KR" sz="1600" dirty="0">
+              <a:latin typeface="Verdana" panose="020B0604030504040204" pitchFamily="34" charset="0"/>
+              <a:ea typeface="굴림" panose="020B0600000101010101" pitchFamily="34" charset="-127"/>
+            </a:endParaRPr>
+          </a:p>
+          <a:p>
+            <a:pPr>
+              <a:lnSpc>
+                <a:spcPct val="80000"/>
+              </a:lnSpc>
+            </a:pPr>
+            <a:r>
+              <a:rPr lang="en-US" altLang="ko-KR" sz="1600" dirty="0">
+                <a:latin typeface="Verdana" panose="020B0604030504040204" pitchFamily="34" charset="0"/>
+                <a:ea typeface="굴림" panose="020B0600000101010101" pitchFamily="34" charset="-127"/>
+              </a:rPr>
+              <a:t>Adding</a:t>
+            </a:r>
+          </a:p>
+          <a:p>
+            <a:pPr>
+              <a:lnSpc>
+                <a:spcPct val="80000"/>
+              </a:lnSpc>
+            </a:pPr>
+            <a:r>
+              <a:rPr lang="en-US" altLang="ko-KR" sz="1600" dirty="0">
+                <a:latin typeface="Verdana" panose="020B0604030504040204" pitchFamily="34" charset="0"/>
+                <a:ea typeface="굴림" panose="020B0600000101010101" pitchFamily="34" charset="-127"/>
+              </a:rPr>
+              <a:t>s</a:t>
+            </a:r>
+          </a:p>
+          <a:p>
+            <a:pPr>
+              <a:lnSpc>
+                <a:spcPct val="80000"/>
+              </a:lnSpc>
+            </a:pPr>
+            <a:endParaRPr lang="en-US" altLang="ko-KR" sz="1600" dirty="0">
+              <a:latin typeface="Verdana" panose="020B0604030504040204" pitchFamily="34" charset="0"/>
+              <a:ea typeface="굴림" panose="020B0600000101010101" pitchFamily="34" charset="-127"/>
+            </a:endParaRPr>
+          </a:p>
+          <a:p>
+            <a:pPr>
+              <a:lnSpc>
+                <a:spcPct val="80000"/>
+              </a:lnSpc>
+            </a:pPr>
+            <a:endParaRPr lang="en-US" altLang="ko-KR" sz="1600" dirty="0">
               <a:latin typeface="Verdana" panose="020B0604030504040204" pitchFamily="34" charset="0"/>
               <a:ea typeface="굴림" panose="020B0600000101010101" pitchFamily="34" charset="-127"/>
             </a:endParaRPr>
@@ -4726,26 +5506,21 @@
       </p:grpSpPr>
       <p:sp>
         <p:nvSpPr>
-          <p:cNvPr id="36866" name="Rectangle 2">
-            <a:extLst>
-              <a:ext uri="{FF2B5EF4-FFF2-40B4-BE49-F238E27FC236}">
-                <a16:creationId xmlns:a16="http://schemas.microsoft.com/office/drawing/2014/main" id="{9A8C6E0B-F389-42F4-BDF4-0BB8546E6D31}"/>
+          <p:cNvPr id="2" name="Title 1">
+            <a:extLst>
+              <a:ext uri="{FF2B5EF4-FFF2-40B4-BE49-F238E27FC236}">
+                <a16:creationId xmlns:a16="http://schemas.microsoft.com/office/drawing/2014/main" id="{763D9983-785B-DF45-9552-604655E0ADFA}"/>
               </a:ext>
             </a:extLst>
           </p:cNvPr>
           <p:cNvSpPr>
-            <a:spLocks noGrp="1" noChangeArrowheads="1"/>
+            <a:spLocks noGrp="1"/>
           </p:cNvSpPr>
           <p:nvPr>
             <p:ph type="title"/>
           </p:nvPr>
         </p:nvSpPr>
-        <p:spPr>
-          <a:xfrm>
-            <a:off x="2698750" y="260350"/>
-            <a:ext cx="5834063" cy="649288"/>
-          </a:xfrm>
-        </p:spPr>
+        <p:spPr/>
         <p:txBody>
           <a:bodyPr/>
           <a:lstStyle/>
@@ -4754,20 +5529,53 @@
               <a:rPr lang="en-US" altLang="en-US" b="1" dirty="0">
                 <a:latin typeface="Tahoma" panose="020B0604030504040204" pitchFamily="34" charset="0"/>
               </a:rPr>
-              <a:t>Water Temperature</a:t>
-            </a:r>
-            <a:endParaRPr lang="uk-UA" altLang="en-US" b="1" dirty="0">
-              <a:latin typeface="Tahoma" panose="020B0604030504040204" pitchFamily="34" charset="0"/>
-            </a:endParaRPr>
+              <a:t>Data Cleanup, Cont.</a:t>
+            </a:r>
+            <a:endParaRPr lang="en-US" dirty="0"/>
           </a:p>
         </p:txBody>
       </p:sp>
       <p:pic>
         <p:nvPicPr>
-          <p:cNvPr id="2" name="Picture 1">
-            <a:extLst>
-              <a:ext uri="{FF2B5EF4-FFF2-40B4-BE49-F238E27FC236}">
-                <a16:creationId xmlns:a16="http://schemas.microsoft.com/office/drawing/2014/main" id="{30E78F15-8A05-4EF6-9A1D-C84166D5D0C6}"/>
+          <p:cNvPr id="5" name="Content Placeholder 4" descr="A close up of text on a white background&#10;&#10;Description automatically generated">
+            <a:extLst>
+              <a:ext uri="{FF2B5EF4-FFF2-40B4-BE49-F238E27FC236}">
+                <a16:creationId xmlns:a16="http://schemas.microsoft.com/office/drawing/2014/main" id="{BD8D1913-5F8C-C144-89D1-CA0F8818263F}"/>
+              </a:ext>
+            </a:extLst>
+          </p:cNvPr>
+          <p:cNvPicPr>
+            <a:picLocks noGrp="1" noChangeAspect="1"/>
+          </p:cNvPicPr>
+          <p:nvPr>
+            <p:ph idx="1"/>
+          </p:nvPr>
+        </p:nvPicPr>
+        <p:blipFill>
+          <a:blip r:embed="rId2">
+            <a:extLst>
+              <a:ext uri="{28A0092B-C50C-407E-A947-70E740481C1C}">
+                <a14:useLocalDpi xmlns:a14="http://schemas.microsoft.com/office/drawing/2010/main" val="0"/>
+              </a:ext>
+            </a:extLst>
+          </a:blip>
+          <a:stretch>
+            <a:fillRect/>
+          </a:stretch>
+        </p:blipFill>
+        <p:spPr>
+          <a:xfrm>
+            <a:off x="1905000" y="1796143"/>
+            <a:ext cx="2494292" cy="4892365"/>
+          </a:xfrm>
+        </p:spPr>
+      </p:pic>
+      <p:pic>
+        <p:nvPicPr>
+          <p:cNvPr id="7" name="Picture 6" descr="A close up of text on a white background&#10;&#10;Description automatically generated">
+            <a:extLst>
+              <a:ext uri="{FF2B5EF4-FFF2-40B4-BE49-F238E27FC236}">
+                <a16:creationId xmlns:a16="http://schemas.microsoft.com/office/drawing/2014/main" id="{6CF5768A-1C6B-EC45-ACE5-06CB7C7A8941}"/>
               </a:ext>
             </a:extLst>
           </p:cNvPr>
@@ -4777,55 +5585,208 @@
           <p:nvPr/>
         </p:nvPicPr>
         <p:blipFill>
-          <a:blip r:embed="rId2"/>
+          <a:blip r:embed="rId3">
+            <a:extLst>
+              <a:ext uri="{28A0092B-C50C-407E-A947-70E740481C1C}">
+                <a14:useLocalDpi xmlns:a14="http://schemas.microsoft.com/office/drawing/2010/main" val="0"/>
+              </a:ext>
+            </a:extLst>
+          </a:blip>
           <a:stretch>
             <a:fillRect/>
           </a:stretch>
         </p:blipFill>
         <p:spPr>
           <a:xfrm>
-            <a:off x="0" y="2164081"/>
-            <a:ext cx="4206240" cy="2103120"/>
+            <a:off x="6553200" y="1828800"/>
+            <a:ext cx="2362200" cy="4767742"/>
           </a:xfrm>
           <a:prstGeom prst="rect">
             <a:avLst/>
           </a:prstGeom>
         </p:spPr>
       </p:pic>
-      <p:pic>
-        <p:nvPicPr>
-          <p:cNvPr id="3" name="Picture 2">
-            <a:extLst>
-              <a:ext uri="{FF2B5EF4-FFF2-40B4-BE49-F238E27FC236}">
-                <a16:creationId xmlns:a16="http://schemas.microsoft.com/office/drawing/2014/main" id="{45ED0CD2-3E18-43CA-B941-7E2C2C1E439E}"/>
-              </a:ext>
-            </a:extLst>
-          </p:cNvPr>
-          <p:cNvPicPr>
-            <a:picLocks noChangeAspect="1"/>
-          </p:cNvPicPr>
+      <p:sp>
+        <p:nvSpPr>
+          <p:cNvPr id="8" name="TextBox 7">
+            <a:extLst>
+              <a:ext uri="{FF2B5EF4-FFF2-40B4-BE49-F238E27FC236}">
+                <a16:creationId xmlns:a16="http://schemas.microsoft.com/office/drawing/2014/main" id="{F00C8BAF-27F2-F54A-9574-1D30A8F4550B}"/>
+              </a:ext>
+            </a:extLst>
+          </p:cNvPr>
+          <p:cNvSpPr txBox="1"/>
           <p:nvPr/>
-        </p:nvPicPr>
-        <p:blipFill>
-          <a:blip r:embed="rId3"/>
-          <a:stretch>
-            <a:fillRect/>
-          </a:stretch>
-        </p:blipFill>
-        <p:spPr>
-          <a:xfrm>
-            <a:off x="0" y="4407437"/>
-            <a:ext cx="4206240" cy="2103120"/>
+        </p:nvSpPr>
+        <p:spPr>
+          <a:xfrm>
+            <a:off x="5153490" y="1848928"/>
+            <a:ext cx="1143000" cy="3754874"/>
           </a:xfrm>
           <a:prstGeom prst="rect">
             <a:avLst/>
           </a:prstGeom>
-        </p:spPr>
-      </p:pic>
+          <a:noFill/>
+        </p:spPr>
+        <p:txBody>
+          <a:bodyPr wrap="square" rtlCol="0">
+            <a:spAutoFit/>
+          </a:bodyPr>
+          <a:lstStyle/>
+          <a:p>
+            <a:r>
+              <a:rPr lang="en-US" sz="1400" dirty="0"/>
+              <a:t>After the data was scrubbed, it can be shown that a large portion of the data was salvaged for utilization in harvesting analysis plots, tables, and tests. </a:t>
+            </a:r>
+          </a:p>
+        </p:txBody>
+      </p:sp>
+      <p:sp>
+        <p:nvSpPr>
+          <p:cNvPr id="10" name="TextBox 9">
+            <a:extLst>
+              <a:ext uri="{FF2B5EF4-FFF2-40B4-BE49-F238E27FC236}">
+                <a16:creationId xmlns:a16="http://schemas.microsoft.com/office/drawing/2014/main" id="{D554D220-53C7-C845-B0FC-0DC1BF1CAC4C}"/>
+              </a:ext>
+            </a:extLst>
+          </p:cNvPr>
+          <p:cNvSpPr txBox="1"/>
+          <p:nvPr/>
+        </p:nvSpPr>
+        <p:spPr>
+          <a:xfrm>
+            <a:off x="254330" y="1905000"/>
+            <a:ext cx="1524000" cy="3754874"/>
+          </a:xfrm>
+          <a:prstGeom prst="rect">
+            <a:avLst/>
+          </a:prstGeom>
+          <a:noFill/>
+        </p:spPr>
+        <p:txBody>
+          <a:bodyPr wrap="square" rtlCol="0">
+            <a:spAutoFit/>
+          </a:bodyPr>
+          <a:lstStyle/>
+          <a:p>
+            <a:r>
+              <a:rPr lang="en-US" sz="1400" dirty="0"/>
+              <a:t>All .csv files were combined using an outside join technique, keying on the date/time collected. </a:t>
+            </a:r>
+          </a:p>
+          <a:p>
+            <a:endParaRPr lang="en-US" sz="1400" dirty="0"/>
+          </a:p>
+          <a:p>
+            <a:r>
+              <a:rPr lang="en-US" sz="1400" dirty="0"/>
+              <a:t>The data was examined for continuity: </a:t>
+            </a:r>
+          </a:p>
+          <a:p>
+            <a:r>
+              <a:rPr lang="en-US" sz="1400" dirty="0"/>
+              <a:t>It was noticed that there were several gaps that were solved by nulling these areas. </a:t>
+            </a:r>
+          </a:p>
+        </p:txBody>
+      </p:sp>
+      <p:sp>
+        <p:nvSpPr>
+          <p:cNvPr id="12" name="Right Arrow 11">
+            <a:extLst>
+              <a:ext uri="{FF2B5EF4-FFF2-40B4-BE49-F238E27FC236}">
+                <a16:creationId xmlns:a16="http://schemas.microsoft.com/office/drawing/2014/main" id="{65B7C691-D6EE-9143-AA5D-C4AADE1F75F0}"/>
+              </a:ext>
+            </a:extLst>
+          </p:cNvPr>
+          <p:cNvSpPr/>
+          <p:nvPr/>
+        </p:nvSpPr>
+        <p:spPr>
+          <a:xfrm>
+            <a:off x="1452985" y="3429000"/>
+            <a:ext cx="503238" cy="196334"/>
+          </a:xfrm>
+          <a:prstGeom prst="rightArrow">
+            <a:avLst/>
+          </a:prstGeom>
+        </p:spPr>
+        <p:style>
+          <a:lnRef idx="2">
+            <a:schemeClr val="accent1">
+              <a:shade val="50000"/>
+            </a:schemeClr>
+          </a:lnRef>
+          <a:fillRef idx="1">
+            <a:schemeClr val="accent1"/>
+          </a:fillRef>
+          <a:effectRef idx="0">
+            <a:schemeClr val="accent1"/>
+          </a:effectRef>
+          <a:fontRef idx="minor">
+            <a:schemeClr val="lt1"/>
+          </a:fontRef>
+        </p:style>
+        <p:txBody>
+          <a:bodyPr rtlCol="0" anchor="ctr"/>
+          <a:lstStyle/>
+          <a:p>
+            <a:pPr algn="ctr"/>
+            <a:endParaRPr lang="en-US"/>
+          </a:p>
+        </p:txBody>
+      </p:sp>
+      <p:sp>
+        <p:nvSpPr>
+          <p:cNvPr id="13" name="Right Arrow 12">
+            <a:extLst>
+              <a:ext uri="{FF2B5EF4-FFF2-40B4-BE49-F238E27FC236}">
+                <a16:creationId xmlns:a16="http://schemas.microsoft.com/office/drawing/2014/main" id="{DEF31EAB-AB87-3443-BB6B-92832A604BFB}"/>
+              </a:ext>
+            </a:extLst>
+          </p:cNvPr>
+          <p:cNvSpPr/>
+          <p:nvPr/>
+        </p:nvSpPr>
+        <p:spPr>
+          <a:xfrm>
+            <a:off x="6049962" y="3414547"/>
+            <a:ext cx="503238" cy="196334"/>
+          </a:xfrm>
+          <a:prstGeom prst="rightArrow">
+            <a:avLst/>
+          </a:prstGeom>
+        </p:spPr>
+        <p:style>
+          <a:lnRef idx="2">
+            <a:schemeClr val="accent1">
+              <a:shade val="50000"/>
+            </a:schemeClr>
+          </a:lnRef>
+          <a:fillRef idx="1">
+            <a:schemeClr val="accent1"/>
+          </a:fillRef>
+          <a:effectRef idx="0">
+            <a:schemeClr val="accent1"/>
+          </a:effectRef>
+          <a:fontRef idx="minor">
+            <a:schemeClr val="lt1"/>
+          </a:fontRef>
+        </p:style>
+        <p:txBody>
+          <a:bodyPr rtlCol="0" anchor="ctr"/>
+          <a:lstStyle/>
+          <a:p>
+            <a:pPr algn="ctr"/>
+            <a:endParaRPr lang="en-US"/>
+          </a:p>
+        </p:txBody>
+      </p:sp>
     </p:spTree>
     <p:extLst>
       <p:ext uri="{BB962C8B-B14F-4D97-AF65-F5344CB8AC3E}">
-        <p14:creationId xmlns:p14="http://schemas.microsoft.com/office/powerpoint/2010/main" val="2744057486"/>
+        <p14:creationId xmlns:p14="http://schemas.microsoft.com/office/powerpoint/2010/main" val="2800777388"/>
       </p:ext>
     </p:extLst>
   </p:cSld>
@@ -4882,7 +5843,7 @@
               <a:rPr lang="en-US" altLang="en-US" b="1" dirty="0">
                 <a:latin typeface="Tahoma" panose="020B0604030504040204" pitchFamily="34" charset="0"/>
               </a:rPr>
-              <a:t>Water Salinity</a:t>
+              <a:t>Water Temperature</a:t>
             </a:r>
             <a:endParaRPr lang="uk-UA" altLang="en-US" b="1" dirty="0">
               <a:latin typeface="Tahoma" panose="020B0604030504040204" pitchFamily="34" charset="0"/>
@@ -4895,7 +5856,7 @@
           <p:cNvPr id="2" name="Picture 1">
             <a:extLst>
               <a:ext uri="{FF2B5EF4-FFF2-40B4-BE49-F238E27FC236}">
-                <a16:creationId xmlns:a16="http://schemas.microsoft.com/office/drawing/2014/main" id="{950A7B6E-ACF6-4453-B4F2-EDB114A50A77}"/>
+                <a16:creationId xmlns:a16="http://schemas.microsoft.com/office/drawing/2014/main" id="{30E78F15-8A05-4EF6-9A1D-C84166D5D0C6}"/>
               </a:ext>
             </a:extLst>
           </p:cNvPr>
@@ -4912,8 +5873,8 @@
         </p:blipFill>
         <p:spPr>
           <a:xfrm>
-            <a:off x="152400" y="2377440"/>
-            <a:ext cx="4206240" cy="2103120"/>
+            <a:off x="0" y="1676400"/>
+            <a:ext cx="4800600" cy="2514602"/>
           </a:xfrm>
           <a:prstGeom prst="rect">
             <a:avLst/>
@@ -4925,7 +5886,7 @@
           <p:cNvPr id="3" name="Picture 2">
             <a:extLst>
               <a:ext uri="{FF2B5EF4-FFF2-40B4-BE49-F238E27FC236}">
-                <a16:creationId xmlns:a16="http://schemas.microsoft.com/office/drawing/2014/main" id="{AB9B4A66-D60C-43C2-B362-738706BB5DEC}"/>
+                <a16:creationId xmlns:a16="http://schemas.microsoft.com/office/drawing/2014/main" id="{45ED0CD2-3E18-43CA-B941-7E2C2C1E439E}"/>
               </a:ext>
             </a:extLst>
           </p:cNvPr>
@@ -4942,8 +5903,79 @@
         </p:blipFill>
         <p:spPr>
           <a:xfrm>
-            <a:off x="152400" y="4579735"/>
-            <a:ext cx="4206240" cy="2103120"/>
+            <a:off x="0" y="4110257"/>
+            <a:ext cx="4800600" cy="2400300"/>
+          </a:xfrm>
+          <a:prstGeom prst="rect">
+            <a:avLst/>
+          </a:prstGeom>
+        </p:spPr>
+      </p:pic>
+      <p:sp>
+        <p:nvSpPr>
+          <p:cNvPr id="4" name="TextBox 3">
+            <a:extLst>
+              <a:ext uri="{FF2B5EF4-FFF2-40B4-BE49-F238E27FC236}">
+                <a16:creationId xmlns:a16="http://schemas.microsoft.com/office/drawing/2014/main" id="{690F72CE-09E2-5D4D-B4AB-8452B12ACF36}"/>
+              </a:ext>
+            </a:extLst>
+          </p:cNvPr>
+          <p:cNvSpPr txBox="1"/>
+          <p:nvPr/>
+        </p:nvSpPr>
+        <p:spPr>
+          <a:xfrm>
+            <a:off x="1600200" y="1491734"/>
+            <a:ext cx="1752600" cy="369332"/>
+          </a:xfrm>
+          <a:prstGeom prst="rect">
+            <a:avLst/>
+          </a:prstGeom>
+          <a:noFill/>
+        </p:spPr>
+        <p:txBody>
+          <a:bodyPr wrap="square" rtlCol="0">
+            <a:spAutoFit/>
+          </a:bodyPr>
+          <a:lstStyle/>
+          <a:p>
+            <a:r>
+              <a:rPr lang="en-US" b="1" dirty="0"/>
+              <a:t>Data Outliers</a:t>
+            </a:r>
+          </a:p>
+        </p:txBody>
+      </p:sp>
+      <p:pic>
+        <p:nvPicPr>
+          <p:cNvPr id="7" name="Picture 6" descr="A screenshot of a cell phone screen with text&#10;&#10;Description automatically generated">
+            <a:extLst>
+              <a:ext uri="{FF2B5EF4-FFF2-40B4-BE49-F238E27FC236}">
+                <a16:creationId xmlns:a16="http://schemas.microsoft.com/office/drawing/2014/main" id="{49814C83-C3C5-204A-B158-473BF5F93678}"/>
+              </a:ext>
+            </a:extLst>
+          </p:cNvPr>
+          <p:cNvPicPr>
+            <a:picLocks noChangeAspect="1"/>
+          </p:cNvPicPr>
+          <p:nvPr/>
+        </p:nvPicPr>
+        <p:blipFill>
+          <a:blip r:embed="rId4">
+            <a:extLst>
+              <a:ext uri="{28A0092B-C50C-407E-A947-70E740481C1C}">
+                <a14:useLocalDpi xmlns:a14="http://schemas.microsoft.com/office/drawing/2010/main" val="0"/>
+              </a:ext>
+            </a:extLst>
+          </a:blip>
+          <a:stretch>
+            <a:fillRect/>
+          </a:stretch>
+        </p:blipFill>
+        <p:spPr>
+          <a:xfrm>
+            <a:off x="4953000" y="3804356"/>
+            <a:ext cx="3118445" cy="2827161"/>
           </a:xfrm>
           <a:prstGeom prst="rect">
             <a:avLst/>
@@ -4953,7 +5985,7 @@
     </p:spTree>
     <p:extLst>
       <p:ext uri="{BB962C8B-B14F-4D97-AF65-F5344CB8AC3E}">
-        <p14:creationId xmlns:p14="http://schemas.microsoft.com/office/powerpoint/2010/main" val="3076025934"/>
+        <p14:creationId xmlns:p14="http://schemas.microsoft.com/office/powerpoint/2010/main" val="2744057486"/>
       </p:ext>
     </p:extLst>
   </p:cSld>
@@ -5010,7 +6042,7 @@
               <a:rPr lang="en-US" altLang="en-US" b="1" dirty="0">
                 <a:latin typeface="Tahoma" panose="020B0604030504040204" pitchFamily="34" charset="0"/>
               </a:rPr>
-              <a:t>Air Temperature</a:t>
+              <a:t>Water Salinity</a:t>
             </a:r>
             <a:endParaRPr lang="uk-UA" altLang="en-US" b="1" dirty="0">
               <a:latin typeface="Tahoma" panose="020B0604030504040204" pitchFamily="34" charset="0"/>
@@ -5023,7 +6055,7 @@
           <p:cNvPr id="2" name="Picture 1">
             <a:extLst>
               <a:ext uri="{FF2B5EF4-FFF2-40B4-BE49-F238E27FC236}">
-                <a16:creationId xmlns:a16="http://schemas.microsoft.com/office/drawing/2014/main" id="{3ED1D160-DFF6-4574-86AC-93A11EF3ED9E}"/>
+                <a16:creationId xmlns:a16="http://schemas.microsoft.com/office/drawing/2014/main" id="{950A7B6E-ACF6-4453-B4F2-EDB114A50A77}"/>
               </a:ext>
             </a:extLst>
           </p:cNvPr>
@@ -5040,8 +6072,8 @@
         </p:blipFill>
         <p:spPr>
           <a:xfrm>
-            <a:off x="0" y="1874058"/>
-            <a:ext cx="4206240" cy="2103120"/>
+            <a:off x="152398" y="1861066"/>
+            <a:ext cx="4983708" cy="2491854"/>
           </a:xfrm>
           <a:prstGeom prst="rect">
             <a:avLst/>
@@ -5053,7 +6085,7 @@
           <p:cNvPr id="3" name="Picture 2">
             <a:extLst>
               <a:ext uri="{FF2B5EF4-FFF2-40B4-BE49-F238E27FC236}">
-                <a16:creationId xmlns:a16="http://schemas.microsoft.com/office/drawing/2014/main" id="{EB4B64CE-B8F1-419F-BB7F-46E858B52A87}"/>
+                <a16:creationId xmlns:a16="http://schemas.microsoft.com/office/drawing/2014/main" id="{AB9B4A66-D60C-43C2-B362-738706BB5DEC}"/>
               </a:ext>
             </a:extLst>
           </p:cNvPr>
@@ -5070,18 +6102,53 @@
         </p:blipFill>
         <p:spPr>
           <a:xfrm>
-            <a:off x="0" y="4077998"/>
-            <a:ext cx="4206240" cy="2103120"/>
+            <a:off x="152400" y="4191000"/>
+            <a:ext cx="4983710" cy="2491855"/>
           </a:xfrm>
           <a:prstGeom prst="rect">
             <a:avLst/>
           </a:prstGeom>
         </p:spPr>
       </p:pic>
+      <p:sp>
+        <p:nvSpPr>
+          <p:cNvPr id="5" name="TextBox 4">
+            <a:extLst>
+              <a:ext uri="{FF2B5EF4-FFF2-40B4-BE49-F238E27FC236}">
+                <a16:creationId xmlns:a16="http://schemas.microsoft.com/office/drawing/2014/main" id="{D7657B8F-DCE0-DD47-B670-8997A764CB9D}"/>
+              </a:ext>
+            </a:extLst>
+          </p:cNvPr>
+          <p:cNvSpPr txBox="1"/>
+          <p:nvPr/>
+        </p:nvSpPr>
+        <p:spPr>
+          <a:xfrm>
+            <a:off x="1600200" y="1491734"/>
+            <a:ext cx="1752600" cy="369332"/>
+          </a:xfrm>
+          <a:prstGeom prst="rect">
+            <a:avLst/>
+          </a:prstGeom>
+          <a:noFill/>
+        </p:spPr>
+        <p:txBody>
+          <a:bodyPr wrap="square" rtlCol="0">
+            <a:spAutoFit/>
+          </a:bodyPr>
+          <a:lstStyle/>
+          <a:p>
+            <a:r>
+              <a:rPr lang="en-US" b="1" dirty="0"/>
+              <a:t>Data Outliers</a:t>
+            </a:r>
+          </a:p>
+        </p:txBody>
+      </p:sp>
     </p:spTree>
     <p:extLst>
       <p:ext uri="{BB962C8B-B14F-4D97-AF65-F5344CB8AC3E}">
-        <p14:creationId xmlns:p14="http://schemas.microsoft.com/office/powerpoint/2010/main" val="2652253050"/>
+        <p14:creationId xmlns:p14="http://schemas.microsoft.com/office/powerpoint/2010/main" val="3076025934"/>
       </p:ext>
     </p:extLst>
   </p:cSld>

--- a/Final Presentation.pptx
+++ b/Final Presentation.pptx
@@ -5,22 +5,24 @@
     <p:sldMasterId id="2147483648" r:id="rId1"/>
   </p:sldMasterIdLst>
   <p:handoutMasterIdLst>
-    <p:handoutMasterId r:id="rId15"/>
+    <p:handoutMasterId r:id="rId17"/>
   </p:handoutMasterIdLst>
   <p:sldIdLst>
     <p:sldId id="256" r:id="rId2"/>
     <p:sldId id="257" r:id="rId3"/>
-    <p:sldId id="259" r:id="rId4"/>
-    <p:sldId id="263" r:id="rId5"/>
-    <p:sldId id="264" r:id="rId6"/>
-    <p:sldId id="267" r:id="rId7"/>
-    <p:sldId id="266" r:id="rId8"/>
-    <p:sldId id="265" r:id="rId9"/>
-    <p:sldId id="268" r:id="rId10"/>
-    <p:sldId id="260" r:id="rId11"/>
-    <p:sldId id="261" r:id="rId12"/>
-    <p:sldId id="262" r:id="rId13"/>
-    <p:sldId id="258" r:id="rId14"/>
+    <p:sldId id="269" r:id="rId4"/>
+    <p:sldId id="259" r:id="rId5"/>
+    <p:sldId id="263" r:id="rId6"/>
+    <p:sldId id="264" r:id="rId7"/>
+    <p:sldId id="270" r:id="rId8"/>
+    <p:sldId id="267" r:id="rId9"/>
+    <p:sldId id="266" r:id="rId10"/>
+    <p:sldId id="265" r:id="rId11"/>
+    <p:sldId id="268" r:id="rId12"/>
+    <p:sldId id="260" r:id="rId13"/>
+    <p:sldId id="271" r:id="rId14"/>
+    <p:sldId id="261" r:id="rId15"/>
+    <p:sldId id="262" r:id="rId16"/>
   </p:sldIdLst>
   <p:sldSz cx="9144000" cy="6858000" type="screen4x3"/>
   <p:notesSz cx="6858000" cy="9144000"/>
@@ -2508,16 +2510,10 @@
           <a:lstStyle/>
           <a:p>
             <a:r>
-              <a:rPr lang="en-US" altLang="en-US" dirty="0" err="1">
-                <a:latin typeface="Tahoma" panose="020B0604030504040204" pitchFamily="34" charset="0"/>
-              </a:rPr>
-              <a:t>Huricane</a:t>
-            </a:r>
-            <a:r>
               <a:rPr lang="en-US" altLang="en-US" dirty="0">
                 <a:latin typeface="Tahoma" panose="020B0604030504040204" pitchFamily="34" charset="0"/>
               </a:rPr>
-              <a:t> Harvey – Best Track Analysis</a:t>
+              <a:t>Hurricane Harvey – Best Track Analysis</a:t>
             </a:r>
             <a:endParaRPr lang="uk-UA" altLang="en-US" dirty="0">
               <a:latin typeface="Tahoma" panose="020B0604030504040204" pitchFamily="34" charset="0"/>
@@ -2619,7 +2615,7 @@
               <a:rPr lang="en-US" altLang="en-US" b="1" dirty="0">
                 <a:latin typeface="Tahoma" panose="020B0604030504040204" pitchFamily="34" charset="0"/>
               </a:rPr>
-              <a:t>Conclusions</a:t>
+              <a:t>Air Pressure</a:t>
             </a:r>
             <a:endParaRPr lang="uk-UA" altLang="en-US" b="1" dirty="0">
               <a:latin typeface="Tahoma" panose="020B0604030504040204" pitchFamily="34" charset="0"/>
@@ -2627,48 +2623,70 @@
           </a:p>
         </p:txBody>
       </p:sp>
-      <p:sp>
-        <p:nvSpPr>
-          <p:cNvPr id="36867" name="Rectangle 3">
-            <a:extLst>
-              <a:ext uri="{FF2B5EF4-FFF2-40B4-BE49-F238E27FC236}">
-                <a16:creationId xmlns:a16="http://schemas.microsoft.com/office/drawing/2014/main" id="{C23C7164-0E03-4DD7-9D9B-C0EC897A2618}"/>
-              </a:ext>
-            </a:extLst>
-          </p:cNvPr>
-          <p:cNvSpPr>
-            <a:spLocks noGrp="1" noChangeArrowheads="1"/>
-          </p:cNvSpPr>
-          <p:nvPr>
-            <p:ph type="body" idx="1"/>
-          </p:nvPr>
-        </p:nvSpPr>
-        <p:spPr>
-          <a:xfrm>
-            <a:off x="1258888" y="1773238"/>
-            <a:ext cx="6769100" cy="817562"/>
-          </a:xfrm>
-        </p:spPr>
-        <p:txBody>
-          <a:bodyPr/>
-          <a:lstStyle/>
-          <a:p>
-            <a:pPr>
-              <a:lnSpc>
-                <a:spcPct val="80000"/>
-              </a:lnSpc>
-            </a:pPr>
-            <a:endParaRPr lang="en-US" altLang="ko-KR" sz="2000" dirty="0">
-              <a:latin typeface="Verdana" panose="020B0604030504040204" pitchFamily="34" charset="0"/>
-              <a:ea typeface="굴림" panose="020B0600000101010101" pitchFamily="34" charset="-127"/>
-            </a:endParaRPr>
-          </a:p>
-        </p:txBody>
-      </p:sp>
+      <p:pic>
+        <p:nvPicPr>
+          <p:cNvPr id="2" name="Picture 1">
+            <a:extLst>
+              <a:ext uri="{FF2B5EF4-FFF2-40B4-BE49-F238E27FC236}">
+                <a16:creationId xmlns:a16="http://schemas.microsoft.com/office/drawing/2014/main" id="{B7DE66FD-1E44-4713-B0D6-C9E346B70396}"/>
+              </a:ext>
+            </a:extLst>
+          </p:cNvPr>
+          <p:cNvPicPr>
+            <a:picLocks noChangeAspect="1"/>
+          </p:cNvPicPr>
+          <p:nvPr/>
+        </p:nvPicPr>
+        <p:blipFill>
+          <a:blip r:embed="rId2"/>
+          <a:stretch>
+            <a:fillRect/>
+          </a:stretch>
+        </p:blipFill>
+        <p:spPr>
+          <a:xfrm>
+            <a:off x="0" y="2036128"/>
+            <a:ext cx="4206240" cy="2103120"/>
+          </a:xfrm>
+          <a:prstGeom prst="rect">
+            <a:avLst/>
+          </a:prstGeom>
+        </p:spPr>
+      </p:pic>
+      <p:pic>
+        <p:nvPicPr>
+          <p:cNvPr id="3" name="Picture 2">
+            <a:extLst>
+              <a:ext uri="{FF2B5EF4-FFF2-40B4-BE49-F238E27FC236}">
+                <a16:creationId xmlns:a16="http://schemas.microsoft.com/office/drawing/2014/main" id="{2D8DBA0E-02FB-4630-9326-93B23AE86DCC}"/>
+              </a:ext>
+            </a:extLst>
+          </p:cNvPr>
+          <p:cNvPicPr>
+            <a:picLocks noChangeAspect="1"/>
+          </p:cNvPicPr>
+          <p:nvPr/>
+        </p:nvPicPr>
+        <p:blipFill>
+          <a:blip r:embed="rId3"/>
+          <a:stretch>
+            <a:fillRect/>
+          </a:stretch>
+        </p:blipFill>
+        <p:spPr>
+          <a:xfrm>
+            <a:off x="42636" y="4768850"/>
+            <a:ext cx="4206240" cy="2103120"/>
+          </a:xfrm>
+          <a:prstGeom prst="rect">
+            <a:avLst/>
+          </a:prstGeom>
+        </p:spPr>
+      </p:pic>
     </p:spTree>
     <p:extLst>
       <p:ext uri="{BB962C8B-B14F-4D97-AF65-F5344CB8AC3E}">
-        <p14:creationId xmlns:p14="http://schemas.microsoft.com/office/powerpoint/2010/main" val="3308262467"/>
+        <p14:creationId xmlns:p14="http://schemas.microsoft.com/office/powerpoint/2010/main" val="1407735642"/>
       </p:ext>
     </p:extLst>
   </p:cSld>
@@ -2725,7 +2743,7 @@
               <a:rPr lang="en-US" altLang="en-US" b="1" dirty="0">
                 <a:latin typeface="Tahoma" panose="020B0604030504040204" pitchFamily="34" charset="0"/>
               </a:rPr>
-              <a:t>Findings</a:t>
+              <a:t>Wind Speed</a:t>
             </a:r>
             <a:endParaRPr lang="uk-UA" altLang="en-US" b="1" dirty="0">
               <a:latin typeface="Tahoma" panose="020B0604030504040204" pitchFamily="34" charset="0"/>
@@ -2733,48 +2751,70 @@
           </a:p>
         </p:txBody>
       </p:sp>
-      <p:sp>
-        <p:nvSpPr>
-          <p:cNvPr id="36867" name="Rectangle 3">
-            <a:extLst>
-              <a:ext uri="{FF2B5EF4-FFF2-40B4-BE49-F238E27FC236}">
-                <a16:creationId xmlns:a16="http://schemas.microsoft.com/office/drawing/2014/main" id="{C23C7164-0E03-4DD7-9D9B-C0EC897A2618}"/>
-              </a:ext>
-            </a:extLst>
-          </p:cNvPr>
-          <p:cNvSpPr>
-            <a:spLocks noGrp="1" noChangeArrowheads="1"/>
-          </p:cNvSpPr>
-          <p:nvPr>
-            <p:ph type="body" idx="1"/>
-          </p:nvPr>
-        </p:nvSpPr>
-        <p:spPr>
-          <a:xfrm>
-            <a:off x="1258888" y="1773238"/>
-            <a:ext cx="6769100" cy="817562"/>
-          </a:xfrm>
-        </p:spPr>
-        <p:txBody>
-          <a:bodyPr/>
-          <a:lstStyle/>
-          <a:p>
-            <a:pPr>
-              <a:lnSpc>
-                <a:spcPct val="80000"/>
-              </a:lnSpc>
-            </a:pPr>
-            <a:endParaRPr lang="en-US" altLang="ko-KR" sz="2000" dirty="0">
-              <a:latin typeface="Verdana" panose="020B0604030504040204" pitchFamily="34" charset="0"/>
-              <a:ea typeface="굴림" panose="020B0600000101010101" pitchFamily="34" charset="-127"/>
-            </a:endParaRPr>
-          </a:p>
-        </p:txBody>
-      </p:sp>
+      <p:pic>
+        <p:nvPicPr>
+          <p:cNvPr id="2" name="Picture 1">
+            <a:extLst>
+              <a:ext uri="{FF2B5EF4-FFF2-40B4-BE49-F238E27FC236}">
+                <a16:creationId xmlns:a16="http://schemas.microsoft.com/office/drawing/2014/main" id="{49EAE00A-A3E3-40A0-B1E0-978707B2FAB6}"/>
+              </a:ext>
+            </a:extLst>
+          </p:cNvPr>
+          <p:cNvPicPr>
+            <a:picLocks noChangeAspect="1"/>
+          </p:cNvPicPr>
+          <p:nvPr/>
+        </p:nvPicPr>
+        <p:blipFill>
+          <a:blip r:embed="rId2"/>
+          <a:stretch>
+            <a:fillRect/>
+          </a:stretch>
+        </p:blipFill>
+        <p:spPr>
+          <a:xfrm>
+            <a:off x="-2628" y="1905000"/>
+            <a:ext cx="4206240" cy="2103120"/>
+          </a:xfrm>
+          <a:prstGeom prst="rect">
+            <a:avLst/>
+          </a:prstGeom>
+        </p:spPr>
+      </p:pic>
+      <p:pic>
+        <p:nvPicPr>
+          <p:cNvPr id="3" name="Picture 2">
+            <a:extLst>
+              <a:ext uri="{FF2B5EF4-FFF2-40B4-BE49-F238E27FC236}">
+                <a16:creationId xmlns:a16="http://schemas.microsoft.com/office/drawing/2014/main" id="{966060A3-4AFF-4F19-86E5-C7F37EFBEFEA}"/>
+              </a:ext>
+            </a:extLst>
+          </p:cNvPr>
+          <p:cNvPicPr>
+            <a:picLocks noChangeAspect="1"/>
+          </p:cNvPicPr>
+          <p:nvPr/>
+        </p:nvPicPr>
+        <p:blipFill>
+          <a:blip r:embed="rId3"/>
+          <a:stretch>
+            <a:fillRect/>
+          </a:stretch>
+        </p:blipFill>
+        <p:spPr>
+          <a:xfrm>
+            <a:off x="-2628" y="4494530"/>
+            <a:ext cx="4206240" cy="2103120"/>
+          </a:xfrm>
+          <a:prstGeom prst="rect">
+            <a:avLst/>
+          </a:prstGeom>
+        </p:spPr>
+      </p:pic>
     </p:spTree>
     <p:extLst>
       <p:ext uri="{BB962C8B-B14F-4D97-AF65-F5344CB8AC3E}">
-        <p14:creationId xmlns:p14="http://schemas.microsoft.com/office/powerpoint/2010/main" val="1198531150"/>
+        <p14:creationId xmlns:p14="http://schemas.microsoft.com/office/powerpoint/2010/main" val="2918442361"/>
       </p:ext>
     </p:extLst>
   </p:cSld>
@@ -2831,7 +2871,7 @@
               <a:rPr lang="en-US" altLang="en-US" b="1" dirty="0">
                 <a:latin typeface="Tahoma" panose="020B0604030504040204" pitchFamily="34" charset="0"/>
               </a:rPr>
-              <a:t>Questions</a:t>
+              <a:t>Limitations </a:t>
             </a:r>
             <a:endParaRPr lang="uk-UA" altLang="en-US" b="1" dirty="0">
               <a:latin typeface="Tahoma" panose="020B0604030504040204" pitchFamily="34" charset="0"/>
@@ -2864,6 +2904,20 @@
         <p:txBody>
           <a:bodyPr/>
           <a:lstStyle/>
+          <a:p>
+            <a:pPr>
+              <a:lnSpc>
+                <a:spcPct val="80000"/>
+              </a:lnSpc>
+            </a:pPr>
+            <a:r>
+              <a:rPr lang="en-US" altLang="ko-KR" sz="2000" dirty="0">
+                <a:latin typeface="Verdana" panose="020B0604030504040204" pitchFamily="34" charset="0"/>
+                <a:ea typeface="굴림" panose="020B0600000101010101" pitchFamily="34" charset="-127"/>
+              </a:rPr>
+              <a:t>Limited data points within the direct path of the storm.</a:t>
+            </a:r>
+          </a:p>
           <a:p>
             <a:pPr>
               <a:lnSpc>
@@ -2875,12 +2929,62 @@
               <a:ea typeface="굴림" panose="020B0600000101010101" pitchFamily="34" charset="-127"/>
             </a:endParaRPr>
           </a:p>
+          <a:p>
+            <a:pPr>
+              <a:lnSpc>
+                <a:spcPct val="80000"/>
+              </a:lnSpc>
+            </a:pPr>
+            <a:r>
+              <a:rPr lang="en-US" altLang="ko-KR" sz="2000" dirty="0">
+                <a:latin typeface="Verdana" panose="020B0604030504040204" pitchFamily="34" charset="0"/>
+                <a:ea typeface="굴림" panose="020B0600000101010101" pitchFamily="34" charset="-127"/>
+              </a:rPr>
+              <a:t>Incomplete data sets on some of the original targeted data points.</a:t>
+            </a:r>
+          </a:p>
+          <a:p>
+            <a:pPr>
+              <a:lnSpc>
+                <a:spcPct val="80000"/>
+              </a:lnSpc>
+            </a:pPr>
+            <a:endParaRPr lang="en-US" altLang="ko-KR" sz="2000" dirty="0">
+              <a:latin typeface="Verdana" panose="020B0604030504040204" pitchFamily="34" charset="0"/>
+              <a:ea typeface="굴림" panose="020B0600000101010101" pitchFamily="34" charset="-127"/>
+            </a:endParaRPr>
+          </a:p>
+          <a:p>
+            <a:pPr>
+              <a:lnSpc>
+                <a:spcPct val="80000"/>
+              </a:lnSpc>
+            </a:pPr>
+            <a:r>
+              <a:rPr lang="en-US" altLang="ko-KR" sz="2000" dirty="0">
+                <a:latin typeface="Verdana" panose="020B0604030504040204" pitchFamily="34" charset="0"/>
+                <a:ea typeface="굴림" panose="020B0600000101010101" pitchFamily="34" charset="-127"/>
+              </a:rPr>
+              <a:t>Erroneous data on some the data sets during the actual Hurricane. </a:t>
+            </a:r>
+          </a:p>
+          <a:p>
+            <a:pPr>
+              <a:lnSpc>
+                <a:spcPct val="80000"/>
+              </a:lnSpc>
+            </a:pPr>
+            <a:endParaRPr lang="en-US" altLang="ko-KR" sz="2000" dirty="0">
+              <a:latin typeface="Verdana" panose="020B0604030504040204" pitchFamily="34" charset="0"/>
+              <a:ea typeface="굴림" panose="020B0600000101010101" pitchFamily="34" charset="-127"/>
+            </a:endParaRPr>
+          </a:p>
         </p:txBody>
       </p:sp>
     </p:spTree>
     <p:extLst>
       <p:ext uri="{BB962C8B-B14F-4D97-AF65-F5344CB8AC3E}">
-        <p14:creationId xmlns:p14="http://schemas.microsoft.com/office/powerpoint/2010/main" val="2767727323"/>
+        <p14:creationId xmlns:p14="http://schemas.microsoft.com/office/powerpoint/2010/main" val="3308262467"/>
       </p:ext>
     </p:extLst>
   </p:cSld>
@@ -2893,18 +2997,6 @@
 <file path=ppt/slides/slide13.xml><?xml version="1.0" encoding="utf-8"?>
 <p:sld xmlns:a="http://schemas.openxmlformats.org/drawingml/2006/main" xmlns:r="http://schemas.openxmlformats.org/officeDocument/2006/relationships" xmlns:p="http://schemas.openxmlformats.org/presentationml/2006/main">
   <p:cSld>
-    <p:bg>
-      <p:bgPr>
-        <a:blipFill dpi="0" rotWithShape="0">
-          <a:blip r:embed="rId2"/>
-          <a:srcRect/>
-          <a:stretch>
-            <a:fillRect/>
-          </a:stretch>
-        </a:blipFill>
-        <a:effectLst/>
-      </p:bgPr>
-    </p:bg>
     <p:spTree>
       <p:nvGrpSpPr>
         <p:cNvPr id="1" name=""/>
@@ -2921,10 +3013,10 @@
       </p:grpSpPr>
       <p:sp>
         <p:nvSpPr>
-          <p:cNvPr id="277506" name="Rectangle 2">
-            <a:extLst>
-              <a:ext uri="{FF2B5EF4-FFF2-40B4-BE49-F238E27FC236}">
-                <a16:creationId xmlns:a16="http://schemas.microsoft.com/office/drawing/2014/main" id="{DF1F63A3-52F1-499E-8B8E-79497288958C}"/>
+          <p:cNvPr id="36866" name="Rectangle 2">
+            <a:extLst>
+              <a:ext uri="{FF2B5EF4-FFF2-40B4-BE49-F238E27FC236}">
+                <a16:creationId xmlns:a16="http://schemas.microsoft.com/office/drawing/2014/main" id="{9A8C6E0B-F389-42F4-BDF4-0BB8546E6D31}"/>
               </a:ext>
             </a:extLst>
           </p:cNvPr>
@@ -2937,28 +3029,32 @@
         </p:nvSpPr>
         <p:spPr>
           <a:xfrm>
-            <a:off x="1908175" y="117475"/>
-            <a:ext cx="7056438" cy="719138"/>
+            <a:off x="2698750" y="260350"/>
+            <a:ext cx="5834063" cy="649288"/>
           </a:xfrm>
         </p:spPr>
         <p:txBody>
           <a:bodyPr/>
           <a:lstStyle/>
           <a:p>
-            <a:endParaRPr lang="en-US" altLang="en-US" b="1">
-              <a:solidFill>
-                <a:schemeClr val="bg2"/>
-              </a:solidFill>
+            <a:r>
+              <a:rPr lang="en-US" altLang="en-US" b="1" dirty="0">
+                <a:latin typeface="Tahoma" panose="020B0604030504040204" pitchFamily="34" charset="0"/>
+              </a:rPr>
+              <a:t>Conclusions</a:t>
+            </a:r>
+            <a:endParaRPr lang="uk-UA" altLang="en-US" b="1" dirty="0">
+              <a:latin typeface="Tahoma" panose="020B0604030504040204" pitchFamily="34" charset="0"/>
             </a:endParaRPr>
           </a:p>
         </p:txBody>
       </p:sp>
       <p:sp>
         <p:nvSpPr>
-          <p:cNvPr id="277507" name="Rectangle 3">
-            <a:extLst>
-              <a:ext uri="{FF2B5EF4-FFF2-40B4-BE49-F238E27FC236}">
-                <a16:creationId xmlns:a16="http://schemas.microsoft.com/office/drawing/2014/main" id="{A2C7D141-B6DD-497E-80B3-95B1B45F29C3}"/>
+          <p:cNvPr id="36867" name="Rectangle 3">
+            <a:extLst>
+              <a:ext uri="{FF2B5EF4-FFF2-40B4-BE49-F238E27FC236}">
+                <a16:creationId xmlns:a16="http://schemas.microsoft.com/office/drawing/2014/main" id="{C23C7164-0E03-4DD7-9D9B-C0EC897A2618}"/>
               </a:ext>
             </a:extLst>
           </p:cNvPr>
@@ -2971,19 +3067,283 @@
         </p:nvSpPr>
         <p:spPr>
           <a:xfrm>
-            <a:off x="1908175" y="909638"/>
-            <a:ext cx="7056438" cy="5832475"/>
+            <a:off x="1258888" y="1773238"/>
+            <a:ext cx="6769100" cy="817562"/>
           </a:xfrm>
         </p:spPr>
         <p:txBody>
           <a:bodyPr/>
           <a:lstStyle/>
           <a:p>
-            <a:endParaRPr lang="en-US" altLang="en-US"/>
+            <a:pPr>
+              <a:lnSpc>
+                <a:spcPct val="80000"/>
+              </a:lnSpc>
+            </a:pPr>
+            <a:endParaRPr lang="en-US" altLang="ko-KR" sz="2000" dirty="0">
+              <a:latin typeface="Verdana" panose="020B0604030504040204" pitchFamily="34" charset="0"/>
+              <a:ea typeface="굴림" panose="020B0600000101010101" pitchFamily="34" charset="-127"/>
+            </a:endParaRPr>
           </a:p>
         </p:txBody>
       </p:sp>
     </p:spTree>
+    <p:extLst>
+      <p:ext uri="{BB962C8B-B14F-4D97-AF65-F5344CB8AC3E}">
+        <p14:creationId xmlns:p14="http://schemas.microsoft.com/office/powerpoint/2010/main" val="2238731308"/>
+      </p:ext>
+    </p:extLst>
+  </p:cSld>
+  <p:clrMapOvr>
+    <a:masterClrMapping/>
+  </p:clrMapOvr>
+</p:sld>
+</file>
+
+<file path=ppt/slides/slide14.xml><?xml version="1.0" encoding="utf-8"?>
+<p:sld xmlns:a="http://schemas.openxmlformats.org/drawingml/2006/main" xmlns:r="http://schemas.openxmlformats.org/officeDocument/2006/relationships" xmlns:p="http://schemas.openxmlformats.org/presentationml/2006/main">
+  <p:cSld>
+    <p:spTree>
+      <p:nvGrpSpPr>
+        <p:cNvPr id="1" name=""/>
+        <p:cNvGrpSpPr/>
+        <p:nvPr/>
+      </p:nvGrpSpPr>
+      <p:grpSpPr>
+        <a:xfrm>
+          <a:off x="0" y="0"/>
+          <a:ext cx="0" cy="0"/>
+          <a:chOff x="0" y="0"/>
+          <a:chExt cx="0" cy="0"/>
+        </a:xfrm>
+      </p:grpSpPr>
+      <p:sp>
+        <p:nvSpPr>
+          <p:cNvPr id="36866" name="Rectangle 2">
+            <a:extLst>
+              <a:ext uri="{FF2B5EF4-FFF2-40B4-BE49-F238E27FC236}">
+                <a16:creationId xmlns:a16="http://schemas.microsoft.com/office/drawing/2014/main" id="{9A8C6E0B-F389-42F4-BDF4-0BB8546E6D31}"/>
+              </a:ext>
+            </a:extLst>
+          </p:cNvPr>
+          <p:cNvSpPr>
+            <a:spLocks noGrp="1" noChangeArrowheads="1"/>
+          </p:cNvSpPr>
+          <p:nvPr>
+            <p:ph type="title"/>
+          </p:nvPr>
+        </p:nvSpPr>
+        <p:spPr>
+          <a:xfrm>
+            <a:off x="2698750" y="260350"/>
+            <a:ext cx="5834063" cy="649288"/>
+          </a:xfrm>
+        </p:spPr>
+        <p:txBody>
+          <a:bodyPr/>
+          <a:lstStyle/>
+          <a:p>
+            <a:r>
+              <a:rPr lang="en-US" altLang="en-US" b="1" dirty="0">
+                <a:latin typeface="Tahoma" panose="020B0604030504040204" pitchFamily="34" charset="0"/>
+              </a:rPr>
+              <a:t>Findings</a:t>
+            </a:r>
+            <a:endParaRPr lang="uk-UA" altLang="en-US" b="1" dirty="0">
+              <a:latin typeface="Tahoma" panose="020B0604030504040204" pitchFamily="34" charset="0"/>
+            </a:endParaRPr>
+          </a:p>
+        </p:txBody>
+      </p:sp>
+      <p:sp>
+        <p:nvSpPr>
+          <p:cNvPr id="36867" name="Rectangle 3">
+            <a:extLst>
+              <a:ext uri="{FF2B5EF4-FFF2-40B4-BE49-F238E27FC236}">
+                <a16:creationId xmlns:a16="http://schemas.microsoft.com/office/drawing/2014/main" id="{C23C7164-0E03-4DD7-9D9B-C0EC897A2618}"/>
+              </a:ext>
+            </a:extLst>
+          </p:cNvPr>
+          <p:cNvSpPr>
+            <a:spLocks noGrp="1" noChangeArrowheads="1"/>
+          </p:cNvSpPr>
+          <p:nvPr>
+            <p:ph type="body" idx="1"/>
+          </p:nvPr>
+        </p:nvSpPr>
+        <p:spPr>
+          <a:xfrm>
+            <a:off x="1258888" y="1773238"/>
+            <a:ext cx="6769100" cy="817562"/>
+          </a:xfrm>
+        </p:spPr>
+        <p:txBody>
+          <a:bodyPr/>
+          <a:lstStyle/>
+          <a:p>
+            <a:pPr>
+              <a:lnSpc>
+                <a:spcPct val="80000"/>
+              </a:lnSpc>
+            </a:pPr>
+            <a:endParaRPr lang="en-US" altLang="ko-KR" sz="2000" dirty="0">
+              <a:latin typeface="Verdana" panose="020B0604030504040204" pitchFamily="34" charset="0"/>
+              <a:ea typeface="굴림" panose="020B0600000101010101" pitchFamily="34" charset="-127"/>
+            </a:endParaRPr>
+          </a:p>
+        </p:txBody>
+      </p:sp>
+    </p:spTree>
+    <p:extLst>
+      <p:ext uri="{BB962C8B-B14F-4D97-AF65-F5344CB8AC3E}">
+        <p14:creationId xmlns:p14="http://schemas.microsoft.com/office/powerpoint/2010/main" val="1198531150"/>
+      </p:ext>
+    </p:extLst>
+  </p:cSld>
+  <p:clrMapOvr>
+    <a:masterClrMapping/>
+  </p:clrMapOvr>
+</p:sld>
+</file>
+
+<file path=ppt/slides/slide15.xml><?xml version="1.0" encoding="utf-8"?>
+<p:sld xmlns:a="http://schemas.openxmlformats.org/drawingml/2006/main" xmlns:r="http://schemas.openxmlformats.org/officeDocument/2006/relationships" xmlns:p="http://schemas.openxmlformats.org/presentationml/2006/main">
+  <p:cSld>
+    <p:spTree>
+      <p:nvGrpSpPr>
+        <p:cNvPr id="1" name=""/>
+        <p:cNvGrpSpPr/>
+        <p:nvPr/>
+      </p:nvGrpSpPr>
+      <p:grpSpPr>
+        <a:xfrm>
+          <a:off x="0" y="0"/>
+          <a:ext cx="0" cy="0"/>
+          <a:chOff x="0" y="0"/>
+          <a:chExt cx="0" cy="0"/>
+        </a:xfrm>
+      </p:grpSpPr>
+      <p:sp>
+        <p:nvSpPr>
+          <p:cNvPr id="36866" name="Rectangle 2">
+            <a:extLst>
+              <a:ext uri="{FF2B5EF4-FFF2-40B4-BE49-F238E27FC236}">
+                <a16:creationId xmlns:a16="http://schemas.microsoft.com/office/drawing/2014/main" id="{9A8C6E0B-F389-42F4-BDF4-0BB8546E6D31}"/>
+              </a:ext>
+            </a:extLst>
+          </p:cNvPr>
+          <p:cNvSpPr>
+            <a:spLocks noGrp="1" noChangeArrowheads="1"/>
+          </p:cNvSpPr>
+          <p:nvPr>
+            <p:ph type="title"/>
+          </p:nvPr>
+        </p:nvSpPr>
+        <p:spPr>
+          <a:xfrm>
+            <a:off x="2698750" y="260350"/>
+            <a:ext cx="5834063" cy="649288"/>
+          </a:xfrm>
+        </p:spPr>
+        <p:txBody>
+          <a:bodyPr/>
+          <a:lstStyle/>
+          <a:p>
+            <a:r>
+              <a:rPr lang="en-US" altLang="en-US" b="1" dirty="0">
+                <a:latin typeface="Tahoma" panose="020B0604030504040204" pitchFamily="34" charset="0"/>
+              </a:rPr>
+              <a:t>Questions</a:t>
+            </a:r>
+            <a:endParaRPr lang="uk-UA" altLang="en-US" b="1" dirty="0">
+              <a:latin typeface="Tahoma" panose="020B0604030504040204" pitchFamily="34" charset="0"/>
+            </a:endParaRPr>
+          </a:p>
+        </p:txBody>
+      </p:sp>
+      <p:sp>
+        <p:nvSpPr>
+          <p:cNvPr id="36867" name="Rectangle 3">
+            <a:extLst>
+              <a:ext uri="{FF2B5EF4-FFF2-40B4-BE49-F238E27FC236}">
+                <a16:creationId xmlns:a16="http://schemas.microsoft.com/office/drawing/2014/main" id="{C23C7164-0E03-4DD7-9D9B-C0EC897A2618}"/>
+              </a:ext>
+            </a:extLst>
+          </p:cNvPr>
+          <p:cNvSpPr>
+            <a:spLocks noGrp="1" noChangeArrowheads="1"/>
+          </p:cNvSpPr>
+          <p:nvPr>
+            <p:ph type="body" idx="1"/>
+          </p:nvPr>
+        </p:nvSpPr>
+        <p:spPr>
+          <a:xfrm>
+            <a:off x="1258888" y="1773238"/>
+            <a:ext cx="6769100" cy="817562"/>
+          </a:xfrm>
+        </p:spPr>
+        <p:txBody>
+          <a:bodyPr/>
+          <a:lstStyle/>
+          <a:p>
+            <a:pPr>
+              <a:lnSpc>
+                <a:spcPct val="80000"/>
+              </a:lnSpc>
+            </a:pPr>
+            <a:endParaRPr lang="en-US" altLang="ko-KR" sz="2000" dirty="0">
+              <a:latin typeface="Verdana" panose="020B0604030504040204" pitchFamily="34" charset="0"/>
+              <a:ea typeface="굴림" panose="020B0600000101010101" pitchFamily="34" charset="-127"/>
+            </a:endParaRPr>
+          </a:p>
+        </p:txBody>
+      </p:sp>
+      <p:pic>
+        <p:nvPicPr>
+          <p:cNvPr id="3" name="Graphic 2" descr="Question Mark">
+            <a:extLst>
+              <a:ext uri="{FF2B5EF4-FFF2-40B4-BE49-F238E27FC236}">
+                <a16:creationId xmlns:a16="http://schemas.microsoft.com/office/drawing/2014/main" id="{0CB651BC-C0AB-4A57-A313-23E58E78991E}"/>
+              </a:ext>
+            </a:extLst>
+          </p:cNvPr>
+          <p:cNvPicPr>
+            <a:picLocks noChangeAspect="1"/>
+          </p:cNvPicPr>
+          <p:nvPr/>
+        </p:nvPicPr>
+        <p:blipFill>
+          <a:blip r:embed="rId2">
+            <a:extLst>
+              <a:ext uri="{28A0092B-C50C-407E-A947-70E740481C1C}">
+                <a14:useLocalDpi xmlns:a14="http://schemas.microsoft.com/office/drawing/2010/main" val="0"/>
+              </a:ext>
+              <a:ext uri="{96DAC541-7B7A-43D3-8B79-37D633B846F1}">
+                <asvg:svgBlip xmlns:asvg="http://schemas.microsoft.com/office/drawing/2016/SVG/main" r:embed="rId3"/>
+              </a:ext>
+            </a:extLst>
+          </a:blip>
+          <a:stretch>
+            <a:fillRect/>
+          </a:stretch>
+        </p:blipFill>
+        <p:spPr>
+          <a:xfrm>
+            <a:off x="3611880" y="2971800"/>
+            <a:ext cx="1920240" cy="1920240"/>
+          </a:xfrm>
+          <a:prstGeom prst="rect">
+            <a:avLst/>
+          </a:prstGeom>
+        </p:spPr>
+      </p:pic>
+    </p:spTree>
+    <p:extLst>
+      <p:ext uri="{BB962C8B-B14F-4D97-AF65-F5344CB8AC3E}">
+        <p14:creationId xmlns:p14="http://schemas.microsoft.com/office/powerpoint/2010/main" val="2767727323"/>
+      </p:ext>
+    </p:extLst>
   </p:cSld>
   <p:clrMapOvr>
     <a:masterClrMapping/>
@@ -3064,7 +3424,7 @@
         </p:nvSpPr>
         <p:spPr>
           <a:xfrm>
-            <a:off x="1258888" y="1773238"/>
+            <a:off x="1187450" y="1676400"/>
             <a:ext cx="6769100" cy="4464050"/>
           </a:xfrm>
         </p:spPr>
@@ -3144,12 +3504,23 @@
                 <a:spcPct val="80000"/>
               </a:lnSpc>
             </a:pPr>
+            <a:endParaRPr lang="en-US" altLang="ko-KR" sz="2000" dirty="0">
+              <a:latin typeface="Verdana" panose="020B0604030504040204" pitchFamily="34" charset="0"/>
+              <a:ea typeface="굴림" panose="020B0600000101010101" pitchFamily="34" charset="-127"/>
+            </a:endParaRPr>
+          </a:p>
+          <a:p>
+            <a:pPr>
+              <a:lnSpc>
+                <a:spcPct val="80000"/>
+              </a:lnSpc>
+            </a:pPr>
             <a:r>
               <a:rPr lang="en-US" altLang="ko-KR" sz="2000" dirty="0">
                 <a:latin typeface="Verdana" panose="020B0604030504040204" pitchFamily="34" charset="0"/>
                 <a:ea typeface="굴림" panose="020B0600000101010101" pitchFamily="34" charset="-127"/>
               </a:rPr>
-              <a:t>For the timeframe of the project we chose the attributes below:</a:t>
+              <a:t>Weather attributes analyzed:</a:t>
             </a:r>
           </a:p>
           <a:p>
@@ -3221,38 +3592,6 @@
               </a:rPr>
               <a:t>Air Temperature </a:t>
             </a:r>
-          </a:p>
-          <a:p>
-            <a:pPr marL="400050">
-              <a:lnSpc>
-                <a:spcPct val="80000"/>
-              </a:lnSpc>
-            </a:pPr>
-            <a:r>
-              <a:rPr lang="en-US" altLang="ko-KR" sz="2000" b="1" dirty="0">
-                <a:latin typeface="Verdana" panose="020B0604030504040204" pitchFamily="34" charset="0"/>
-                <a:ea typeface="굴림" panose="020B0600000101010101" pitchFamily="34" charset="-127"/>
-              </a:rPr>
-              <a:t>Question:</a:t>
-            </a:r>
-            <a:r>
-              <a:rPr lang="en-US" altLang="ko-KR" sz="2000" dirty="0">
-                <a:latin typeface="Verdana" panose="020B0604030504040204" pitchFamily="34" charset="0"/>
-                <a:ea typeface="굴림" panose="020B0600000101010101" pitchFamily="34" charset="-127"/>
-              </a:rPr>
-              <a:t> What factor contributes the most to the final path of the Hurricane?  </a:t>
-            </a:r>
-          </a:p>
-          <a:p>
-            <a:pPr lvl="1">
-              <a:lnSpc>
-                <a:spcPct val="80000"/>
-              </a:lnSpc>
-            </a:pPr>
-            <a:endParaRPr lang="en-US" altLang="ko-KR" sz="1600" dirty="0">
-              <a:latin typeface="Verdana" panose="020B0604030504040204" pitchFamily="34" charset="0"/>
-              <a:ea typeface="굴림" panose="020B0600000101010101" pitchFamily="34" charset="-127"/>
-            </a:endParaRPr>
           </a:p>
         </p:txBody>
       </p:sp>
@@ -3311,7 +3650,7 @@
               <a:rPr lang="en-US" altLang="en-US" b="1" dirty="0">
                 <a:latin typeface="Tahoma" panose="020B0604030504040204" pitchFamily="34" charset="0"/>
               </a:rPr>
-              <a:t>Project Data</a:t>
+              <a:t>Questions</a:t>
             </a:r>
             <a:endParaRPr lang="uk-UA" altLang="en-US" b="1" dirty="0">
               <a:latin typeface="Tahoma" panose="020B0604030504040204" pitchFamily="34" charset="0"/>
@@ -3337,159 +3676,13 @@
         </p:nvSpPr>
         <p:spPr>
           <a:xfrm>
-            <a:off x="152400" y="1773238"/>
-            <a:ext cx="2743200" cy="2189162"/>
+            <a:off x="1187450" y="1676400"/>
+            <a:ext cx="6769100" cy="4464050"/>
           </a:xfrm>
         </p:spPr>
         <p:txBody>
           <a:bodyPr/>
           <a:lstStyle/>
-          <a:p>
-            <a:pPr>
-              <a:lnSpc>
-                <a:spcPct val="80000"/>
-              </a:lnSpc>
-            </a:pPr>
-            <a:r>
-              <a:rPr lang="en-US" altLang="ko-KR" sz="1000" b="1" dirty="0">
-                <a:latin typeface="+mj-lt"/>
-                <a:ea typeface="굴림" panose="020B0600000101010101" pitchFamily="34" charset="-127"/>
-              </a:rPr>
-              <a:t>Data Retrieval: </a:t>
-            </a:r>
-          </a:p>
-          <a:p>
-            <a:pPr>
-              <a:lnSpc>
-                <a:spcPct val="80000"/>
-              </a:lnSpc>
-            </a:pPr>
-            <a:endParaRPr lang="en-US" altLang="ko-KR" sz="1000" b="1" dirty="0">
-              <a:latin typeface="+mj-lt"/>
-              <a:ea typeface="굴림" panose="020B0600000101010101" pitchFamily="34" charset="-127"/>
-            </a:endParaRPr>
-          </a:p>
-          <a:p>
-            <a:pPr>
-              <a:lnSpc>
-                <a:spcPct val="80000"/>
-              </a:lnSpc>
-            </a:pPr>
-            <a:r>
-              <a:rPr lang="en-US" altLang="ko-KR" sz="1000" b="1" dirty="0">
-                <a:latin typeface="+mj-lt"/>
-                <a:ea typeface="굴림" panose="020B0600000101010101" pitchFamily="34" charset="-127"/>
-              </a:rPr>
-              <a:t>CSV</a:t>
-            </a:r>
-          </a:p>
-          <a:p>
-            <a:pPr>
-              <a:lnSpc>
-                <a:spcPct val="80000"/>
-              </a:lnSpc>
-            </a:pPr>
-            <a:r>
-              <a:rPr lang="en-US" altLang="ko-KR" sz="1000" b="0" dirty="0">
-                <a:latin typeface="+mj-lt"/>
-                <a:ea typeface="굴림" panose="020B0600000101010101" pitchFamily="34" charset="-127"/>
-                <a:hlinkClick r:id="rId2"/>
-              </a:rPr>
-              <a:t>http://data.gcoos.org/waf.php</a:t>
-            </a:r>
-            <a:endParaRPr lang="en-US" altLang="ko-KR" sz="1000" b="0" dirty="0">
-              <a:latin typeface="+mj-lt"/>
-              <a:ea typeface="굴림" panose="020B0600000101010101" pitchFamily="34" charset="-127"/>
-            </a:endParaRPr>
-          </a:p>
-          <a:p>
-            <a:pPr lvl="1">
-              <a:lnSpc>
-                <a:spcPct val="80000"/>
-              </a:lnSpc>
-            </a:pPr>
-            <a:endParaRPr lang="en-US" altLang="ko-KR" sz="1000" dirty="0">
-              <a:latin typeface="+mj-lt"/>
-              <a:ea typeface="굴림" panose="020B0600000101010101" pitchFamily="34" charset="-127"/>
-            </a:endParaRPr>
-          </a:p>
-          <a:p>
-            <a:pPr>
-              <a:lnSpc>
-                <a:spcPct val="80000"/>
-              </a:lnSpc>
-            </a:pPr>
-            <a:r>
-              <a:rPr lang="en-US" sz="1000" dirty="0">
-                <a:latin typeface="+mj-lt"/>
-                <a:hlinkClick r:id="rId3"/>
-              </a:rPr>
-              <a:t>https://www.nhc.noaa.gov/data/tcr/AL092017_Harvey.pdf</a:t>
-            </a:r>
-            <a:endParaRPr lang="en-US" sz="1000" dirty="0">
-              <a:latin typeface="+mj-lt"/>
-            </a:endParaRPr>
-          </a:p>
-          <a:p>
-            <a:pPr lvl="1">
-              <a:lnSpc>
-                <a:spcPct val="80000"/>
-              </a:lnSpc>
-            </a:pPr>
-            <a:r>
-              <a:rPr lang="en-US" altLang="ko-KR" sz="1000" dirty="0">
-                <a:latin typeface="+mj-lt"/>
-                <a:ea typeface="굴림" panose="020B0600000101010101" pitchFamily="34" charset="-127"/>
-              </a:rPr>
-              <a:t>Took data created a csv for best track</a:t>
-            </a:r>
-          </a:p>
-          <a:p>
-            <a:pPr lvl="2">
-              <a:lnSpc>
-                <a:spcPct val="80000"/>
-              </a:lnSpc>
-            </a:pPr>
-            <a:endParaRPr lang="en-US" altLang="ko-KR" sz="1000" dirty="0">
-              <a:latin typeface="+mj-lt"/>
-              <a:ea typeface="굴림" panose="020B0600000101010101" pitchFamily="34" charset="-127"/>
-            </a:endParaRPr>
-          </a:p>
-          <a:p>
-            <a:pPr>
-              <a:lnSpc>
-                <a:spcPct val="80000"/>
-              </a:lnSpc>
-            </a:pPr>
-            <a:r>
-              <a:rPr lang="en-US" altLang="ko-KR" sz="1000" b="1" dirty="0">
-                <a:latin typeface="+mj-lt"/>
-                <a:ea typeface="굴림" panose="020B0600000101010101" pitchFamily="34" charset="-127"/>
-              </a:rPr>
-              <a:t>API</a:t>
-            </a:r>
-          </a:p>
-          <a:p>
-            <a:pPr lvl="1">
-              <a:lnSpc>
-                <a:spcPct val="80000"/>
-              </a:lnSpc>
-            </a:pPr>
-            <a:r>
-              <a:rPr lang="en-US" altLang="ko-KR" sz="1000" dirty="0" err="1">
-                <a:latin typeface="+mj-lt"/>
-                <a:ea typeface="굴림" panose="020B0600000101010101" pitchFamily="34" charset="-127"/>
-              </a:rPr>
-              <a:t>ArcPy</a:t>
-            </a:r>
-            <a:r>
-              <a:rPr lang="en-US" altLang="ko-KR" sz="1000" dirty="0">
-                <a:latin typeface="+mj-lt"/>
-                <a:ea typeface="굴림" panose="020B0600000101010101" pitchFamily="34" charset="-127"/>
-              </a:rPr>
-              <a:t> </a:t>
-            </a:r>
-          </a:p>
           <a:p>
             <a:pPr marL="0" indent="0">
               <a:lnSpc>
@@ -3497,47 +3690,127 @@
               </a:lnSpc>
               <a:buNone/>
             </a:pPr>
-            <a:endParaRPr lang="en-US" altLang="ko-KR" sz="2000" dirty="0">
-              <a:latin typeface="Verdana" panose="020B0604030504040204" pitchFamily="34" charset="0"/>
+            <a:endParaRPr lang="en-US" altLang="ko-KR" sz="1600" dirty="0">
+              <a:latin typeface="+mj-lt"/>
               <a:ea typeface="굴림" panose="020B0600000101010101" pitchFamily="34" charset="-127"/>
             </a:endParaRPr>
           </a:p>
+          <a:p>
+            <a:pPr>
+              <a:lnSpc>
+                <a:spcPct val="80000"/>
+              </a:lnSpc>
+            </a:pPr>
+            <a:r>
+              <a:rPr lang="en-US" altLang="ko-KR" sz="1600" b="0" dirty="0">
+                <a:latin typeface="+mj-lt"/>
+                <a:ea typeface="굴림" panose="020B0600000101010101" pitchFamily="34" charset="-127"/>
+              </a:rPr>
+              <a:t>What weather attributes contributed the most, if any, to the intensity of Hurricane Harvey?</a:t>
+            </a:r>
+          </a:p>
+          <a:p>
+            <a:pPr lvl="1">
+              <a:lnSpc>
+                <a:spcPct val="80000"/>
+              </a:lnSpc>
+            </a:pPr>
+            <a:r>
+              <a:rPr lang="en-US" altLang="ko-KR" sz="1200" b="0" dirty="0">
+                <a:latin typeface="+mj-lt"/>
+                <a:ea typeface="굴림" panose="020B0600000101010101" pitchFamily="34" charset="-127"/>
+              </a:rPr>
+              <a:t>Did water temperature affect intensity of the hurricane the most?</a:t>
+            </a:r>
+          </a:p>
+          <a:p>
+            <a:pPr lvl="1">
+              <a:lnSpc>
+                <a:spcPct val="80000"/>
+              </a:lnSpc>
+            </a:pPr>
+            <a:r>
+              <a:rPr lang="en-US" altLang="ko-KR" sz="1200" b="0" dirty="0">
+                <a:latin typeface="+mj-lt"/>
+                <a:ea typeface="굴림" panose="020B0600000101010101" pitchFamily="34" charset="-127"/>
+              </a:rPr>
+              <a:t>Did air temperature affect the intensity of the hurricane the most?</a:t>
+            </a:r>
+          </a:p>
+          <a:p>
+            <a:pPr lvl="1">
+              <a:lnSpc>
+                <a:spcPct val="80000"/>
+              </a:lnSpc>
+            </a:pPr>
+            <a:r>
+              <a:rPr lang="en-US" altLang="ko-KR" sz="1200" b="0" dirty="0">
+                <a:latin typeface="+mj-lt"/>
+                <a:ea typeface="굴림" panose="020B0600000101010101" pitchFamily="34" charset="-127"/>
+              </a:rPr>
+              <a:t>Did air pressure affect the intensity of the hurricane the most?</a:t>
+            </a:r>
+          </a:p>
+          <a:p>
+            <a:pPr lvl="1">
+              <a:lnSpc>
+                <a:spcPct val="80000"/>
+              </a:lnSpc>
+            </a:pPr>
+            <a:r>
+              <a:rPr lang="en-US" altLang="ko-KR" sz="1200" b="0" dirty="0">
+                <a:latin typeface="+mj-lt"/>
+                <a:ea typeface="굴림" panose="020B0600000101010101" pitchFamily="34" charset="-127"/>
+              </a:rPr>
+              <a:t>Did water salinity affect the intensity of the hurricane the most?</a:t>
+            </a:r>
+          </a:p>
+          <a:p>
+            <a:pPr lvl="1">
+              <a:lnSpc>
+                <a:spcPct val="80000"/>
+              </a:lnSpc>
+            </a:pPr>
+            <a:endParaRPr lang="en-US" altLang="ko-KR" sz="1200" b="0" dirty="0">
+              <a:latin typeface="+mj-lt"/>
+              <a:ea typeface="굴림" panose="020B0600000101010101" pitchFamily="34" charset="-127"/>
+            </a:endParaRPr>
+          </a:p>
+          <a:p>
+            <a:pPr lvl="1">
+              <a:lnSpc>
+                <a:spcPct val="80000"/>
+              </a:lnSpc>
+            </a:pPr>
+            <a:endParaRPr lang="en-US" altLang="ko-KR" sz="1200" b="0" dirty="0">
+              <a:latin typeface="+mj-lt"/>
+              <a:ea typeface="굴림" panose="020B0600000101010101" pitchFamily="34" charset="-127"/>
+            </a:endParaRPr>
+          </a:p>
+          <a:p>
+            <a:pPr>
+              <a:lnSpc>
+                <a:spcPct val="80000"/>
+              </a:lnSpc>
+            </a:pPr>
+            <a:r>
+              <a:rPr lang="en-US" altLang="ko-KR" sz="1600" dirty="0">
+                <a:latin typeface="+mj-lt"/>
+                <a:ea typeface="굴림" panose="020B0600000101010101" pitchFamily="34" charset="-127"/>
+              </a:rPr>
+              <a:t>We plan to answer these questions by utilizing P based analysis.  Graphically we will represent our data in scatter plots to show correlations as well as box plots to show our outliers in within the data set. </a:t>
+            </a:r>
+            <a:endParaRPr lang="en-US" altLang="ko-KR" sz="1600" b="0" dirty="0">
+              <a:latin typeface="+mj-lt"/>
+              <a:ea typeface="굴림" panose="020B0600000101010101" pitchFamily="34" charset="-127"/>
+            </a:endParaRPr>
+          </a:p>
         </p:txBody>
       </p:sp>
-      <p:pic>
-        <p:nvPicPr>
-          <p:cNvPr id="3" name="Picture 2">
-            <a:extLst>
-              <a:ext uri="{FF2B5EF4-FFF2-40B4-BE49-F238E27FC236}">
-                <a16:creationId xmlns:a16="http://schemas.microsoft.com/office/drawing/2014/main" id="{73909F3C-035A-4B02-B451-F24001B1E7AB}"/>
-              </a:ext>
-            </a:extLst>
-          </p:cNvPr>
-          <p:cNvPicPr>
-            <a:picLocks noChangeAspect="1"/>
-          </p:cNvPicPr>
-          <p:nvPr/>
-        </p:nvPicPr>
-        <p:blipFill>
-          <a:blip r:embed="rId4"/>
-          <a:stretch>
-            <a:fillRect/>
-          </a:stretch>
-        </p:blipFill>
-        <p:spPr>
-          <a:xfrm>
-            <a:off x="2678872" y="1773238"/>
-            <a:ext cx="6312728" cy="4755292"/>
-          </a:xfrm>
-          <a:prstGeom prst="rect">
-            <a:avLst/>
-          </a:prstGeom>
-        </p:spPr>
-      </p:pic>
     </p:spTree>
     <p:extLst>
       <p:ext uri="{BB962C8B-B14F-4D97-AF65-F5344CB8AC3E}">
-        <p14:creationId xmlns:p14="http://schemas.microsoft.com/office/powerpoint/2010/main" val="3115509289"/>
+        <p14:creationId xmlns:p14="http://schemas.microsoft.com/office/powerpoint/2010/main" val="36198369"/>
       </p:ext>
     </p:extLst>
   </p:cSld>
@@ -3594,7 +3867,7 @@
               <a:rPr lang="en-US" altLang="en-US" b="1" dirty="0">
                 <a:latin typeface="Tahoma" panose="020B0604030504040204" pitchFamily="34" charset="0"/>
               </a:rPr>
-              <a:t>Project Data Points Location</a:t>
+              <a:t>Project Data Sources</a:t>
             </a:r>
             <a:endParaRPr lang="uk-UA" altLang="en-US" b="1" dirty="0">
               <a:latin typeface="Tahoma" panose="020B0604030504040204" pitchFamily="34" charset="0"/>
@@ -3620,13 +3893,159 @@
         </p:nvSpPr>
         <p:spPr>
           <a:xfrm>
-            <a:off x="1258888" y="1773238"/>
-            <a:ext cx="6769100" cy="817562"/>
+            <a:off x="152400" y="1773238"/>
+            <a:ext cx="2743200" cy="2189162"/>
           </a:xfrm>
         </p:spPr>
         <p:txBody>
           <a:bodyPr/>
           <a:lstStyle/>
+          <a:p>
+            <a:pPr>
+              <a:lnSpc>
+                <a:spcPct val="80000"/>
+              </a:lnSpc>
+            </a:pPr>
+            <a:r>
+              <a:rPr lang="en-US" altLang="ko-KR" sz="1000" b="1" dirty="0">
+                <a:latin typeface="+mj-lt"/>
+                <a:ea typeface="굴림" panose="020B0600000101010101" pitchFamily="34" charset="-127"/>
+              </a:rPr>
+              <a:t>Data Retrieval: </a:t>
+            </a:r>
+          </a:p>
+          <a:p>
+            <a:pPr>
+              <a:lnSpc>
+                <a:spcPct val="80000"/>
+              </a:lnSpc>
+            </a:pPr>
+            <a:endParaRPr lang="en-US" altLang="ko-KR" sz="1000" b="1" dirty="0">
+              <a:latin typeface="+mj-lt"/>
+              <a:ea typeface="굴림" panose="020B0600000101010101" pitchFamily="34" charset="-127"/>
+            </a:endParaRPr>
+          </a:p>
+          <a:p>
+            <a:pPr>
+              <a:lnSpc>
+                <a:spcPct val="80000"/>
+              </a:lnSpc>
+            </a:pPr>
+            <a:r>
+              <a:rPr lang="en-US" altLang="ko-KR" sz="1000" b="1" dirty="0">
+                <a:latin typeface="+mj-lt"/>
+                <a:ea typeface="굴림" panose="020B0600000101010101" pitchFamily="34" charset="-127"/>
+              </a:rPr>
+              <a:t>CSV</a:t>
+            </a:r>
+          </a:p>
+          <a:p>
+            <a:pPr>
+              <a:lnSpc>
+                <a:spcPct val="80000"/>
+              </a:lnSpc>
+            </a:pPr>
+            <a:r>
+              <a:rPr lang="en-US" altLang="ko-KR" sz="1000" b="0" dirty="0">
+                <a:latin typeface="+mj-lt"/>
+                <a:ea typeface="굴림" panose="020B0600000101010101" pitchFamily="34" charset="-127"/>
+                <a:hlinkClick r:id="rId2"/>
+              </a:rPr>
+              <a:t>http://data.gcoos.org/waf.php</a:t>
+            </a:r>
+            <a:endParaRPr lang="en-US" altLang="ko-KR" sz="1000" b="0" dirty="0">
+              <a:latin typeface="+mj-lt"/>
+              <a:ea typeface="굴림" panose="020B0600000101010101" pitchFamily="34" charset="-127"/>
+            </a:endParaRPr>
+          </a:p>
+          <a:p>
+            <a:pPr lvl="1">
+              <a:lnSpc>
+                <a:spcPct val="80000"/>
+              </a:lnSpc>
+            </a:pPr>
+            <a:endParaRPr lang="en-US" altLang="ko-KR" sz="1000" dirty="0">
+              <a:latin typeface="+mj-lt"/>
+              <a:ea typeface="굴림" panose="020B0600000101010101" pitchFamily="34" charset="-127"/>
+            </a:endParaRPr>
+          </a:p>
+          <a:p>
+            <a:pPr>
+              <a:lnSpc>
+                <a:spcPct val="80000"/>
+              </a:lnSpc>
+            </a:pPr>
+            <a:r>
+              <a:rPr lang="en-US" sz="1000" dirty="0">
+                <a:latin typeface="+mj-lt"/>
+                <a:hlinkClick r:id="rId3"/>
+              </a:rPr>
+              <a:t>https://www.nhc.noaa.gov/data/tcr/AL092017_Harvey.pdf</a:t>
+            </a:r>
+            <a:endParaRPr lang="en-US" sz="1000" dirty="0">
+              <a:latin typeface="+mj-lt"/>
+            </a:endParaRPr>
+          </a:p>
+          <a:p>
+            <a:pPr lvl="1">
+              <a:lnSpc>
+                <a:spcPct val="80000"/>
+              </a:lnSpc>
+            </a:pPr>
+            <a:r>
+              <a:rPr lang="en-US" altLang="ko-KR" sz="1000" dirty="0">
+                <a:latin typeface="+mj-lt"/>
+                <a:ea typeface="굴림" panose="020B0600000101010101" pitchFamily="34" charset="-127"/>
+              </a:rPr>
+              <a:t>Took data created a csv for best track</a:t>
+            </a:r>
+          </a:p>
+          <a:p>
+            <a:pPr lvl="2">
+              <a:lnSpc>
+                <a:spcPct val="80000"/>
+              </a:lnSpc>
+            </a:pPr>
+            <a:endParaRPr lang="en-US" altLang="ko-KR" sz="1000" dirty="0">
+              <a:latin typeface="+mj-lt"/>
+              <a:ea typeface="굴림" panose="020B0600000101010101" pitchFamily="34" charset="-127"/>
+            </a:endParaRPr>
+          </a:p>
+          <a:p>
+            <a:pPr>
+              <a:lnSpc>
+                <a:spcPct val="80000"/>
+              </a:lnSpc>
+            </a:pPr>
+            <a:r>
+              <a:rPr lang="en-US" altLang="ko-KR" sz="1000" b="1" dirty="0">
+                <a:latin typeface="+mj-lt"/>
+                <a:ea typeface="굴림" panose="020B0600000101010101" pitchFamily="34" charset="-127"/>
+              </a:rPr>
+              <a:t>API</a:t>
+            </a:r>
+          </a:p>
+          <a:p>
+            <a:pPr lvl="1">
+              <a:lnSpc>
+                <a:spcPct val="80000"/>
+              </a:lnSpc>
+            </a:pPr>
+            <a:r>
+              <a:rPr lang="en-US" altLang="ko-KR" sz="1000" dirty="0" err="1">
+                <a:latin typeface="+mj-lt"/>
+                <a:ea typeface="굴림" panose="020B0600000101010101" pitchFamily="34" charset="-127"/>
+              </a:rPr>
+              <a:t>GMaps</a:t>
+            </a:r>
+            <a:r>
+              <a:rPr lang="en-US" altLang="ko-KR" sz="1000" dirty="0">
+                <a:latin typeface="+mj-lt"/>
+                <a:ea typeface="굴림" panose="020B0600000101010101" pitchFamily="34" charset="-127"/>
+              </a:rPr>
+              <a:t> </a:t>
+            </a:r>
+          </a:p>
           <a:p>
             <a:pPr marL="0" indent="0">
               <a:lnSpc>
@@ -3634,116 +4053,47 @@
               </a:lnSpc>
               <a:buNone/>
             </a:pPr>
-            <a:r>
-              <a:rPr lang="en-US" altLang="ko-KR" sz="2000" dirty="0">
-                <a:latin typeface="Verdana" panose="020B0604030504040204" pitchFamily="34" charset="0"/>
-                <a:ea typeface="굴림" panose="020B0600000101010101" pitchFamily="34" charset="-127"/>
-              </a:rPr>
-              <a:t>Final Data Points:</a:t>
-            </a:r>
-          </a:p>
-          <a:p>
-            <a:pPr>
-              <a:lnSpc>
-                <a:spcPct val="80000"/>
-              </a:lnSpc>
-              <a:buFont typeface="Arial" panose="020B0604020202020204" pitchFamily="34" charset="0"/>
-              <a:buChar char="•"/>
-            </a:pPr>
-            <a:r>
-              <a:rPr lang="en-US" altLang="ko-KR" sz="2000" dirty="0">
-                <a:latin typeface="Verdana" panose="020B0604030504040204" pitchFamily="34" charset="0"/>
-                <a:ea typeface="굴림" panose="020B0600000101010101" pitchFamily="34" charset="-127"/>
-              </a:rPr>
-              <a:t>42043	</a:t>
-            </a:r>
-          </a:p>
-          <a:p>
-            <a:pPr>
-              <a:lnSpc>
-                <a:spcPct val="80000"/>
-              </a:lnSpc>
-              <a:buFont typeface="Arial" panose="020B0604020202020204" pitchFamily="34" charset="0"/>
-              <a:buChar char="•"/>
-            </a:pPr>
-            <a:r>
-              <a:rPr lang="en-US" altLang="ko-KR" sz="2000" dirty="0">
-                <a:latin typeface="Verdana" panose="020B0604030504040204" pitchFamily="34" charset="0"/>
-                <a:ea typeface="굴림" panose="020B0600000101010101" pitchFamily="34" charset="-127"/>
-              </a:rPr>
-              <a:t>42044</a:t>
-            </a:r>
-          </a:p>
-          <a:p>
-            <a:pPr>
-              <a:lnSpc>
-                <a:spcPct val="80000"/>
-              </a:lnSpc>
-              <a:buFont typeface="Arial" panose="020B0604020202020204" pitchFamily="34" charset="0"/>
-              <a:buChar char="•"/>
-            </a:pPr>
-            <a:r>
-              <a:rPr lang="en-US" altLang="ko-KR" sz="2000" dirty="0">
-                <a:latin typeface="Verdana" panose="020B0604030504040204" pitchFamily="34" charset="0"/>
-                <a:ea typeface="굴림" panose="020B0600000101010101" pitchFamily="34" charset="-127"/>
-              </a:rPr>
-              <a:t>42047</a:t>
-            </a:r>
-          </a:p>
-          <a:p>
-            <a:pPr>
-              <a:lnSpc>
-                <a:spcPct val="80000"/>
-              </a:lnSpc>
-              <a:buFont typeface="Arial" panose="020B0604020202020204" pitchFamily="34" charset="0"/>
-              <a:buChar char="•"/>
-            </a:pPr>
-            <a:r>
-              <a:rPr lang="en-US" altLang="ko-KR" sz="2000" dirty="0">
-                <a:latin typeface="Verdana" panose="020B0604030504040204" pitchFamily="34" charset="0"/>
-                <a:ea typeface="굴림" panose="020B0600000101010101" pitchFamily="34" charset="-127"/>
-              </a:rPr>
-              <a:t>8764314</a:t>
-            </a:r>
-          </a:p>
-          <a:p>
-            <a:pPr>
-              <a:lnSpc>
-                <a:spcPct val="80000"/>
-              </a:lnSpc>
-              <a:buFont typeface="Arial" panose="020B0604020202020204" pitchFamily="34" charset="0"/>
-              <a:buChar char="•"/>
-            </a:pPr>
-            <a:r>
-              <a:rPr lang="en-US" altLang="ko-KR" sz="2000" dirty="0">
-                <a:latin typeface="Verdana" panose="020B0604030504040204" pitchFamily="34" charset="0"/>
-                <a:ea typeface="굴림" panose="020B0600000101010101" pitchFamily="34" charset="-127"/>
-              </a:rPr>
-              <a:t>8770613</a:t>
-            </a:r>
-          </a:p>
-          <a:p>
-            <a:pPr>
-              <a:lnSpc>
-                <a:spcPct val="80000"/>
-              </a:lnSpc>
-              <a:buFont typeface="Arial" panose="020B0604020202020204" pitchFamily="34" charset="0"/>
-              <a:buChar char="•"/>
-            </a:pPr>
-            <a:r>
-              <a:rPr lang="en-US" altLang="ko-KR" sz="2000" dirty="0">
-                <a:latin typeface="Verdana" panose="020B0604030504040204" pitchFamily="34" charset="0"/>
-                <a:ea typeface="굴림" panose="020B0600000101010101" pitchFamily="34" charset="-127"/>
-              </a:rPr>
-              <a:t>TABS-X</a:t>
-            </a:r>
+            <a:endParaRPr lang="en-US" altLang="ko-KR" sz="2000" dirty="0">
+              <a:latin typeface="Verdana" panose="020B0604030504040204" pitchFamily="34" charset="0"/>
+              <a:ea typeface="굴림" panose="020B0600000101010101" pitchFamily="34" charset="-127"/>
+            </a:endParaRPr>
           </a:p>
         </p:txBody>
       </p:sp>
+      <p:pic>
+        <p:nvPicPr>
+          <p:cNvPr id="3" name="Picture 2">
+            <a:extLst>
+              <a:ext uri="{FF2B5EF4-FFF2-40B4-BE49-F238E27FC236}">
+                <a16:creationId xmlns:a16="http://schemas.microsoft.com/office/drawing/2014/main" id="{73909F3C-035A-4B02-B451-F24001B1E7AB}"/>
+              </a:ext>
+            </a:extLst>
+          </p:cNvPr>
+          <p:cNvPicPr>
+            <a:picLocks noChangeAspect="1"/>
+          </p:cNvPicPr>
+          <p:nvPr/>
+        </p:nvPicPr>
+        <p:blipFill>
+          <a:blip r:embed="rId4"/>
+          <a:stretch>
+            <a:fillRect/>
+          </a:stretch>
+        </p:blipFill>
+        <p:spPr>
+          <a:xfrm>
+            <a:off x="2895600" y="1773238"/>
+            <a:ext cx="6096000" cy="4755292"/>
+          </a:xfrm>
+          <a:prstGeom prst="rect">
+            <a:avLst/>
+          </a:prstGeom>
+        </p:spPr>
+      </p:pic>
     </p:spTree>
     <p:extLst>
       <p:ext uri="{BB962C8B-B14F-4D97-AF65-F5344CB8AC3E}">
-        <p14:creationId xmlns:p14="http://schemas.microsoft.com/office/powerpoint/2010/main" val="2413797554"/>
+        <p14:creationId xmlns:p14="http://schemas.microsoft.com/office/powerpoint/2010/main" val="3115509289"/>
       </p:ext>
     </p:extLst>
   </p:cSld>
@@ -3800,7 +4150,7 @@
               <a:rPr lang="en-US" altLang="en-US" b="1" dirty="0">
                 <a:latin typeface="Tahoma" panose="020B0604030504040204" pitchFamily="34" charset="0"/>
               </a:rPr>
-              <a:t>Water Temperature</a:t>
+              <a:t>Project Data Points Location</a:t>
             </a:r>
             <a:endParaRPr lang="uk-UA" altLang="en-US" b="1" dirty="0">
               <a:latin typeface="Tahoma" panose="020B0604030504040204" pitchFamily="34" charset="0"/>
@@ -3826,8 +4176,8 @@
         </p:nvSpPr>
         <p:spPr>
           <a:xfrm>
-            <a:off x="1258888" y="1773238"/>
-            <a:ext cx="6769100" cy="817562"/>
+            <a:off x="457200" y="1773238"/>
+            <a:ext cx="7570788" cy="817562"/>
           </a:xfrm>
         </p:spPr>
         <p:txBody>
@@ -3840,17 +4190,407 @@
               </a:lnSpc>
               <a:buNone/>
             </a:pPr>
-            <a:endParaRPr lang="en-US" altLang="ko-KR" sz="2000" dirty="0">
-              <a:latin typeface="Verdana" panose="020B0604030504040204" pitchFamily="34" charset="0"/>
-              <a:ea typeface="굴림" panose="020B0600000101010101" pitchFamily="34" charset="-127"/>
-            </a:endParaRPr>
+            <a:r>
+              <a:rPr lang="en-US" altLang="ko-KR" sz="2000" dirty="0">
+                <a:latin typeface="Verdana" panose="020B0604030504040204" pitchFamily="34" charset="0"/>
+                <a:ea typeface="굴림" panose="020B0600000101010101" pitchFamily="34" charset="-127"/>
+              </a:rPr>
+              <a:t>Selected Data Points:</a:t>
+            </a:r>
+          </a:p>
+          <a:p>
+            <a:pPr>
+              <a:lnSpc>
+                <a:spcPct val="80000"/>
+              </a:lnSpc>
+              <a:buFont typeface="Arial" panose="020B0604020202020204" pitchFamily="34" charset="0"/>
+              <a:buChar char="•"/>
+            </a:pPr>
+            <a:r>
+              <a:rPr lang="en-US" altLang="ko-KR" sz="2000" dirty="0">
+                <a:latin typeface="Verdana" panose="020B0604030504040204" pitchFamily="34" charset="0"/>
+                <a:ea typeface="굴림" panose="020B0600000101010101" pitchFamily="34" charset="-127"/>
+              </a:rPr>
+              <a:t>A = 42043	</a:t>
+            </a:r>
+          </a:p>
+          <a:p>
+            <a:pPr>
+              <a:lnSpc>
+                <a:spcPct val="80000"/>
+              </a:lnSpc>
+              <a:buFont typeface="Arial" panose="020B0604020202020204" pitchFamily="34" charset="0"/>
+              <a:buChar char="•"/>
+            </a:pPr>
+            <a:r>
+              <a:rPr lang="en-US" altLang="ko-KR" sz="2000" dirty="0">
+                <a:latin typeface="Verdana" panose="020B0604030504040204" pitchFamily="34" charset="0"/>
+                <a:ea typeface="굴림" panose="020B0600000101010101" pitchFamily="34" charset="-127"/>
+              </a:rPr>
+              <a:t>B = 42044</a:t>
+            </a:r>
+          </a:p>
+          <a:p>
+            <a:pPr>
+              <a:lnSpc>
+                <a:spcPct val="80000"/>
+              </a:lnSpc>
+              <a:buFont typeface="Arial" panose="020B0604020202020204" pitchFamily="34" charset="0"/>
+              <a:buChar char="•"/>
+            </a:pPr>
+            <a:r>
+              <a:rPr lang="en-US" altLang="ko-KR" sz="2000" dirty="0">
+                <a:latin typeface="Verdana" panose="020B0604030504040204" pitchFamily="34" charset="0"/>
+                <a:ea typeface="굴림" panose="020B0600000101010101" pitchFamily="34" charset="-127"/>
+              </a:rPr>
+              <a:t>C = 42047</a:t>
+            </a:r>
+          </a:p>
+          <a:p>
+            <a:pPr>
+              <a:lnSpc>
+                <a:spcPct val="80000"/>
+              </a:lnSpc>
+              <a:buFont typeface="Arial" panose="020B0604020202020204" pitchFamily="34" charset="0"/>
+              <a:buChar char="•"/>
+            </a:pPr>
+            <a:r>
+              <a:rPr lang="en-US" altLang="ko-KR" sz="2000" dirty="0">
+                <a:latin typeface="Verdana" panose="020B0604030504040204" pitchFamily="34" charset="0"/>
+                <a:ea typeface="굴림" panose="020B0600000101010101" pitchFamily="34" charset="-127"/>
+              </a:rPr>
+              <a:t>D = 8764314</a:t>
+            </a:r>
+          </a:p>
+          <a:p>
+            <a:pPr>
+              <a:lnSpc>
+                <a:spcPct val="80000"/>
+              </a:lnSpc>
+              <a:buFont typeface="Arial" panose="020B0604020202020204" pitchFamily="34" charset="0"/>
+              <a:buChar char="•"/>
+            </a:pPr>
+            <a:r>
+              <a:rPr lang="en-US" altLang="ko-KR" sz="2000" dirty="0">
+                <a:latin typeface="Verdana" panose="020B0604030504040204" pitchFamily="34" charset="0"/>
+                <a:ea typeface="굴림" panose="020B0600000101010101" pitchFamily="34" charset="-127"/>
+              </a:rPr>
+              <a:t>E = 8770613</a:t>
+            </a:r>
+          </a:p>
+          <a:p>
+            <a:pPr>
+              <a:lnSpc>
+                <a:spcPct val="80000"/>
+              </a:lnSpc>
+              <a:buFont typeface="Arial" panose="020B0604020202020204" pitchFamily="34" charset="0"/>
+              <a:buChar char="•"/>
+            </a:pPr>
+            <a:r>
+              <a:rPr lang="en-US" altLang="ko-KR" sz="2000" dirty="0">
+                <a:latin typeface="Verdana" panose="020B0604030504040204" pitchFamily="34" charset="0"/>
+                <a:ea typeface="굴림" panose="020B0600000101010101" pitchFamily="34" charset="-127"/>
+              </a:rPr>
+              <a:t>F = TABS-X</a:t>
+            </a:r>
+          </a:p>
+          <a:p>
+            <a:pPr>
+              <a:lnSpc>
+                <a:spcPct val="80000"/>
+              </a:lnSpc>
+              <a:buFont typeface="Arial" panose="020B0604020202020204" pitchFamily="34" charset="0"/>
+              <a:buChar char="•"/>
+            </a:pPr>
+            <a:r>
+              <a:rPr lang="en-US" altLang="ko-KR" sz="2000" dirty="0">
+                <a:latin typeface="Verdana" panose="020B0604030504040204" pitchFamily="34" charset="0"/>
+                <a:ea typeface="굴림" panose="020B0600000101010101" pitchFamily="34" charset="-127"/>
+              </a:rPr>
+              <a:t>G = 42019</a:t>
+            </a:r>
+          </a:p>
+        </p:txBody>
+      </p:sp>
+      <p:pic>
+        <p:nvPicPr>
+          <p:cNvPr id="3" name="Picture 2">
+            <a:extLst>
+              <a:ext uri="{FF2B5EF4-FFF2-40B4-BE49-F238E27FC236}">
+                <a16:creationId xmlns:a16="http://schemas.microsoft.com/office/drawing/2014/main" id="{F2B341A5-1C9B-4AC5-82BE-33151688249B}"/>
+              </a:ext>
+            </a:extLst>
+          </p:cNvPr>
+          <p:cNvPicPr>
+            <a:picLocks noChangeAspect="1"/>
+          </p:cNvPicPr>
+          <p:nvPr/>
+        </p:nvPicPr>
+        <p:blipFill>
+          <a:blip r:embed="rId2"/>
+          <a:stretch>
+            <a:fillRect/>
+          </a:stretch>
+        </p:blipFill>
+        <p:spPr>
+          <a:xfrm>
+            <a:off x="2663843" y="2438400"/>
+            <a:ext cx="6327757" cy="4248598"/>
+          </a:xfrm>
+          <a:prstGeom prst="rect">
+            <a:avLst/>
+          </a:prstGeom>
+        </p:spPr>
+      </p:pic>
+      <p:sp>
+        <p:nvSpPr>
+          <p:cNvPr id="4" name="TextBox 3">
+            <a:extLst>
+              <a:ext uri="{FF2B5EF4-FFF2-40B4-BE49-F238E27FC236}">
+                <a16:creationId xmlns:a16="http://schemas.microsoft.com/office/drawing/2014/main" id="{5E2CB80E-14F5-431F-8AC1-AD76D26A726F}"/>
+              </a:ext>
+            </a:extLst>
+          </p:cNvPr>
+          <p:cNvSpPr txBox="1"/>
+          <p:nvPr/>
+        </p:nvSpPr>
+        <p:spPr>
+          <a:xfrm>
+            <a:off x="4396740" y="4378033"/>
+            <a:ext cx="350519" cy="369332"/>
+          </a:xfrm>
+          <a:prstGeom prst="rect">
+            <a:avLst/>
+          </a:prstGeom>
+          <a:noFill/>
+        </p:spPr>
+        <p:txBody>
+          <a:bodyPr wrap="square" rtlCol="0">
+            <a:spAutoFit/>
+          </a:bodyPr>
+          <a:lstStyle/>
+          <a:p>
+            <a:r>
+              <a:rPr lang="en-US" dirty="0"/>
+              <a:t>D</a:t>
+            </a:r>
+          </a:p>
+        </p:txBody>
+      </p:sp>
+      <p:sp>
+        <p:nvSpPr>
+          <p:cNvPr id="5" name="TextBox 4">
+            <a:extLst>
+              <a:ext uri="{FF2B5EF4-FFF2-40B4-BE49-F238E27FC236}">
+                <a16:creationId xmlns:a16="http://schemas.microsoft.com/office/drawing/2014/main" id="{51CA4A2B-3ABE-49E7-8B97-D65C743BC531}"/>
+              </a:ext>
+            </a:extLst>
+          </p:cNvPr>
+          <p:cNvSpPr txBox="1"/>
+          <p:nvPr/>
+        </p:nvSpPr>
+        <p:spPr>
+          <a:xfrm>
+            <a:off x="3905327" y="4876800"/>
+            <a:ext cx="350519" cy="369332"/>
+          </a:xfrm>
+          <a:prstGeom prst="rect">
+            <a:avLst/>
+          </a:prstGeom>
+          <a:noFill/>
+        </p:spPr>
+        <p:txBody>
+          <a:bodyPr wrap="square" rtlCol="0">
+            <a:spAutoFit/>
+          </a:bodyPr>
+          <a:lstStyle/>
+          <a:p>
+            <a:r>
+              <a:rPr lang="en-US" dirty="0"/>
+              <a:t>C</a:t>
+            </a:r>
+          </a:p>
+        </p:txBody>
+      </p:sp>
+      <p:sp>
+        <p:nvSpPr>
+          <p:cNvPr id="6" name="TextBox 5">
+            <a:extLst>
+              <a:ext uri="{FF2B5EF4-FFF2-40B4-BE49-F238E27FC236}">
+                <a16:creationId xmlns:a16="http://schemas.microsoft.com/office/drawing/2014/main" id="{F3EA99C6-8893-47F4-A4FC-D87BED9958CB}"/>
+              </a:ext>
+            </a:extLst>
+          </p:cNvPr>
+          <p:cNvSpPr txBox="1"/>
+          <p:nvPr/>
+        </p:nvSpPr>
+        <p:spPr>
+          <a:xfrm>
+            <a:off x="3217960" y="4423243"/>
+            <a:ext cx="350519" cy="369332"/>
+          </a:xfrm>
+          <a:prstGeom prst="rect">
+            <a:avLst/>
+          </a:prstGeom>
+          <a:noFill/>
+        </p:spPr>
+        <p:txBody>
+          <a:bodyPr wrap="square" rtlCol="0">
+            <a:spAutoFit/>
+          </a:bodyPr>
+          <a:lstStyle/>
+          <a:p>
+            <a:r>
+              <a:rPr lang="en-US" dirty="0"/>
+              <a:t>A</a:t>
+            </a:r>
+          </a:p>
+        </p:txBody>
+      </p:sp>
+      <p:sp>
+        <p:nvSpPr>
+          <p:cNvPr id="8" name="TextBox 7">
+            <a:extLst>
+              <a:ext uri="{FF2B5EF4-FFF2-40B4-BE49-F238E27FC236}">
+                <a16:creationId xmlns:a16="http://schemas.microsoft.com/office/drawing/2014/main" id="{C2514454-9225-4DDF-82B8-0E187E2567DE}"/>
+              </a:ext>
+            </a:extLst>
+          </p:cNvPr>
+          <p:cNvSpPr txBox="1"/>
+          <p:nvPr/>
+        </p:nvSpPr>
+        <p:spPr>
+          <a:xfrm>
+            <a:off x="3425929" y="4018106"/>
+            <a:ext cx="350519" cy="369332"/>
+          </a:xfrm>
+          <a:prstGeom prst="rect">
+            <a:avLst/>
+          </a:prstGeom>
+          <a:noFill/>
+        </p:spPr>
+        <p:txBody>
+          <a:bodyPr wrap="square" rtlCol="0">
+            <a:spAutoFit/>
+          </a:bodyPr>
+          <a:lstStyle/>
+          <a:p>
+            <a:r>
+              <a:rPr lang="en-US" dirty="0"/>
+              <a:t>E</a:t>
+            </a:r>
+          </a:p>
+        </p:txBody>
+      </p:sp>
+      <p:sp>
+        <p:nvSpPr>
+          <p:cNvPr id="10" name="TextBox 9">
+            <a:extLst>
+              <a:ext uri="{FF2B5EF4-FFF2-40B4-BE49-F238E27FC236}">
+                <a16:creationId xmlns:a16="http://schemas.microsoft.com/office/drawing/2014/main" id="{1A24652D-A836-4868-8612-3743A7EB5993}"/>
+              </a:ext>
+            </a:extLst>
+          </p:cNvPr>
+          <p:cNvSpPr txBox="1"/>
+          <p:nvPr/>
+        </p:nvSpPr>
+        <p:spPr>
+          <a:xfrm>
+            <a:off x="3361566" y="4995608"/>
+            <a:ext cx="350519" cy="369332"/>
+          </a:xfrm>
+          <a:prstGeom prst="rect">
+            <a:avLst/>
+          </a:prstGeom>
+          <a:noFill/>
+        </p:spPr>
+        <p:txBody>
+          <a:bodyPr wrap="square" rtlCol="0">
+            <a:spAutoFit/>
+          </a:bodyPr>
+          <a:lstStyle/>
+          <a:p>
+            <a:r>
+              <a:rPr lang="en-US" dirty="0"/>
+              <a:t>F</a:t>
+            </a:r>
+          </a:p>
+        </p:txBody>
+      </p:sp>
+      <p:sp>
+        <p:nvSpPr>
+          <p:cNvPr id="12" name="TextBox 11">
+            <a:extLst>
+              <a:ext uri="{FF2B5EF4-FFF2-40B4-BE49-F238E27FC236}">
+                <a16:creationId xmlns:a16="http://schemas.microsoft.com/office/drawing/2014/main" id="{37D4D52B-9FD6-492C-900C-5B6330FF239D}"/>
+              </a:ext>
+            </a:extLst>
+          </p:cNvPr>
+          <p:cNvSpPr txBox="1"/>
+          <p:nvPr/>
+        </p:nvSpPr>
+        <p:spPr>
+          <a:xfrm>
+            <a:off x="3105979" y="5293252"/>
+            <a:ext cx="350519" cy="369332"/>
+          </a:xfrm>
+          <a:prstGeom prst="rect">
+            <a:avLst/>
+          </a:prstGeom>
+          <a:noFill/>
+        </p:spPr>
+        <p:txBody>
+          <a:bodyPr wrap="square" rtlCol="0">
+            <a:spAutoFit/>
+          </a:bodyPr>
+          <a:lstStyle/>
+          <a:p>
+            <a:r>
+              <a:rPr lang="en-US" dirty="0"/>
+              <a:t>B</a:t>
+            </a:r>
+          </a:p>
+        </p:txBody>
+      </p:sp>
+      <p:sp>
+        <p:nvSpPr>
+          <p:cNvPr id="14" name="TextBox 13">
+            <a:extLst>
+              <a:ext uri="{FF2B5EF4-FFF2-40B4-BE49-F238E27FC236}">
+                <a16:creationId xmlns:a16="http://schemas.microsoft.com/office/drawing/2014/main" id="{524BE67F-227B-43B1-AD85-B105D778F9EF}"/>
+              </a:ext>
+            </a:extLst>
+          </p:cNvPr>
+          <p:cNvSpPr txBox="1"/>
+          <p:nvPr/>
+        </p:nvSpPr>
+        <p:spPr>
+          <a:xfrm>
+            <a:off x="3478849" y="4784093"/>
+            <a:ext cx="350519" cy="369332"/>
+          </a:xfrm>
+          <a:prstGeom prst="rect">
+            <a:avLst/>
+          </a:prstGeom>
+          <a:noFill/>
+        </p:spPr>
+        <p:txBody>
+          <a:bodyPr wrap="square" rtlCol="0">
+            <a:spAutoFit/>
+          </a:bodyPr>
+          <a:lstStyle/>
+          <a:p>
+            <a:r>
+              <a:rPr lang="en-US" dirty="0"/>
+              <a:t>G</a:t>
+            </a:r>
           </a:p>
         </p:txBody>
       </p:sp>
     </p:spTree>
     <p:extLst>
       <p:ext uri="{BB962C8B-B14F-4D97-AF65-F5344CB8AC3E}">
-        <p14:creationId xmlns:p14="http://schemas.microsoft.com/office/powerpoint/2010/main" val="2114264503"/>
+        <p14:creationId xmlns:p14="http://schemas.microsoft.com/office/powerpoint/2010/main" val="2413797554"/>
       </p:ext>
     </p:extLst>
   </p:cSld>
@@ -3907,7 +4647,7 @@
               <a:rPr lang="en-US" altLang="en-US" b="1" dirty="0">
                 <a:latin typeface="Tahoma" panose="020B0604030504040204" pitchFamily="34" charset="0"/>
               </a:rPr>
-              <a:t>Water Salinity</a:t>
+              <a:t>Data Cleanup</a:t>
             </a:r>
             <a:endParaRPr lang="uk-UA" altLang="en-US" b="1" dirty="0">
               <a:latin typeface="Tahoma" panose="020B0604030504040204" pitchFamily="34" charset="0"/>
@@ -3957,7 +4697,7 @@
     </p:spTree>
     <p:extLst>
       <p:ext uri="{BB962C8B-B14F-4D97-AF65-F5344CB8AC3E}">
-        <p14:creationId xmlns:p14="http://schemas.microsoft.com/office/powerpoint/2010/main" val="3076025934"/>
+        <p14:creationId xmlns:p14="http://schemas.microsoft.com/office/powerpoint/2010/main" val="2114264503"/>
       </p:ext>
     </p:extLst>
   </p:cSld>
@@ -4014,7 +4754,7 @@
               <a:rPr lang="en-US" altLang="en-US" b="1" dirty="0">
                 <a:latin typeface="Tahoma" panose="020B0604030504040204" pitchFamily="34" charset="0"/>
               </a:rPr>
-              <a:t>Air Temperature</a:t>
+              <a:t>Water Temperature</a:t>
             </a:r>
             <a:endParaRPr lang="uk-UA" altLang="en-US" b="1" dirty="0">
               <a:latin typeface="Tahoma" panose="020B0604030504040204" pitchFamily="34" charset="0"/>
@@ -4022,49 +4762,70 @@
           </a:p>
         </p:txBody>
       </p:sp>
-      <p:sp>
-        <p:nvSpPr>
-          <p:cNvPr id="36867" name="Rectangle 3">
-            <a:extLst>
-              <a:ext uri="{FF2B5EF4-FFF2-40B4-BE49-F238E27FC236}">
-                <a16:creationId xmlns:a16="http://schemas.microsoft.com/office/drawing/2014/main" id="{C23C7164-0E03-4DD7-9D9B-C0EC897A2618}"/>
-              </a:ext>
-            </a:extLst>
-          </p:cNvPr>
-          <p:cNvSpPr>
-            <a:spLocks noGrp="1" noChangeArrowheads="1"/>
-          </p:cNvSpPr>
-          <p:nvPr>
-            <p:ph type="body" idx="1"/>
-          </p:nvPr>
-        </p:nvSpPr>
-        <p:spPr>
-          <a:xfrm>
-            <a:off x="1258888" y="1773238"/>
-            <a:ext cx="6769100" cy="817562"/>
-          </a:xfrm>
-        </p:spPr>
-        <p:txBody>
-          <a:bodyPr/>
-          <a:lstStyle/>
-          <a:p>
-            <a:pPr marL="0" indent="0">
-              <a:lnSpc>
-                <a:spcPct val="80000"/>
-              </a:lnSpc>
-              <a:buNone/>
-            </a:pPr>
-            <a:endParaRPr lang="en-US" altLang="ko-KR" sz="2000" dirty="0">
-              <a:latin typeface="Verdana" panose="020B0604030504040204" pitchFamily="34" charset="0"/>
-              <a:ea typeface="굴림" panose="020B0600000101010101" pitchFamily="34" charset="-127"/>
-            </a:endParaRPr>
-          </a:p>
-        </p:txBody>
-      </p:sp>
+      <p:pic>
+        <p:nvPicPr>
+          <p:cNvPr id="2" name="Picture 1">
+            <a:extLst>
+              <a:ext uri="{FF2B5EF4-FFF2-40B4-BE49-F238E27FC236}">
+                <a16:creationId xmlns:a16="http://schemas.microsoft.com/office/drawing/2014/main" id="{30E78F15-8A05-4EF6-9A1D-C84166D5D0C6}"/>
+              </a:ext>
+            </a:extLst>
+          </p:cNvPr>
+          <p:cNvPicPr>
+            <a:picLocks noChangeAspect="1"/>
+          </p:cNvPicPr>
+          <p:nvPr/>
+        </p:nvPicPr>
+        <p:blipFill>
+          <a:blip r:embed="rId2"/>
+          <a:stretch>
+            <a:fillRect/>
+          </a:stretch>
+        </p:blipFill>
+        <p:spPr>
+          <a:xfrm>
+            <a:off x="0" y="2164081"/>
+            <a:ext cx="4206240" cy="2103120"/>
+          </a:xfrm>
+          <a:prstGeom prst="rect">
+            <a:avLst/>
+          </a:prstGeom>
+        </p:spPr>
+      </p:pic>
+      <p:pic>
+        <p:nvPicPr>
+          <p:cNvPr id="3" name="Picture 2">
+            <a:extLst>
+              <a:ext uri="{FF2B5EF4-FFF2-40B4-BE49-F238E27FC236}">
+                <a16:creationId xmlns:a16="http://schemas.microsoft.com/office/drawing/2014/main" id="{45ED0CD2-3E18-43CA-B941-7E2C2C1E439E}"/>
+              </a:ext>
+            </a:extLst>
+          </p:cNvPr>
+          <p:cNvPicPr>
+            <a:picLocks noChangeAspect="1"/>
+          </p:cNvPicPr>
+          <p:nvPr/>
+        </p:nvPicPr>
+        <p:blipFill>
+          <a:blip r:embed="rId3"/>
+          <a:stretch>
+            <a:fillRect/>
+          </a:stretch>
+        </p:blipFill>
+        <p:spPr>
+          <a:xfrm>
+            <a:off x="0" y="4407437"/>
+            <a:ext cx="4206240" cy="2103120"/>
+          </a:xfrm>
+          <a:prstGeom prst="rect">
+            <a:avLst/>
+          </a:prstGeom>
+        </p:spPr>
+      </p:pic>
     </p:spTree>
     <p:extLst>
       <p:ext uri="{BB962C8B-B14F-4D97-AF65-F5344CB8AC3E}">
-        <p14:creationId xmlns:p14="http://schemas.microsoft.com/office/powerpoint/2010/main" val="2652253050"/>
+        <p14:creationId xmlns:p14="http://schemas.microsoft.com/office/powerpoint/2010/main" val="2744057486"/>
       </p:ext>
     </p:extLst>
   </p:cSld>
@@ -4121,7 +4882,7 @@
               <a:rPr lang="en-US" altLang="en-US" b="1" dirty="0">
                 <a:latin typeface="Tahoma" panose="020B0604030504040204" pitchFamily="34" charset="0"/>
               </a:rPr>
-              <a:t>Air Pressure</a:t>
+              <a:t>Water Salinity</a:t>
             </a:r>
             <a:endParaRPr lang="uk-UA" altLang="en-US" b="1" dirty="0">
               <a:latin typeface="Tahoma" panose="020B0604030504040204" pitchFamily="34" charset="0"/>
@@ -4129,49 +4890,70 @@
           </a:p>
         </p:txBody>
       </p:sp>
-      <p:sp>
-        <p:nvSpPr>
-          <p:cNvPr id="36867" name="Rectangle 3">
-            <a:extLst>
-              <a:ext uri="{FF2B5EF4-FFF2-40B4-BE49-F238E27FC236}">
-                <a16:creationId xmlns:a16="http://schemas.microsoft.com/office/drawing/2014/main" id="{C23C7164-0E03-4DD7-9D9B-C0EC897A2618}"/>
-              </a:ext>
-            </a:extLst>
-          </p:cNvPr>
-          <p:cNvSpPr>
-            <a:spLocks noGrp="1" noChangeArrowheads="1"/>
-          </p:cNvSpPr>
-          <p:nvPr>
-            <p:ph type="body" idx="1"/>
-          </p:nvPr>
-        </p:nvSpPr>
-        <p:spPr>
-          <a:xfrm>
-            <a:off x="1258888" y="1773238"/>
-            <a:ext cx="6769100" cy="817562"/>
-          </a:xfrm>
-        </p:spPr>
-        <p:txBody>
-          <a:bodyPr/>
-          <a:lstStyle/>
-          <a:p>
-            <a:pPr marL="0" indent="0">
-              <a:lnSpc>
-                <a:spcPct val="80000"/>
-              </a:lnSpc>
-              <a:buNone/>
-            </a:pPr>
-            <a:endParaRPr lang="en-US" altLang="ko-KR" sz="2000" dirty="0">
-              <a:latin typeface="Verdana" panose="020B0604030504040204" pitchFamily="34" charset="0"/>
-              <a:ea typeface="굴림" panose="020B0600000101010101" pitchFamily="34" charset="-127"/>
-            </a:endParaRPr>
-          </a:p>
-        </p:txBody>
-      </p:sp>
+      <p:pic>
+        <p:nvPicPr>
+          <p:cNvPr id="2" name="Picture 1">
+            <a:extLst>
+              <a:ext uri="{FF2B5EF4-FFF2-40B4-BE49-F238E27FC236}">
+                <a16:creationId xmlns:a16="http://schemas.microsoft.com/office/drawing/2014/main" id="{950A7B6E-ACF6-4453-B4F2-EDB114A50A77}"/>
+              </a:ext>
+            </a:extLst>
+          </p:cNvPr>
+          <p:cNvPicPr>
+            <a:picLocks noChangeAspect="1"/>
+          </p:cNvPicPr>
+          <p:nvPr/>
+        </p:nvPicPr>
+        <p:blipFill>
+          <a:blip r:embed="rId2"/>
+          <a:stretch>
+            <a:fillRect/>
+          </a:stretch>
+        </p:blipFill>
+        <p:spPr>
+          <a:xfrm>
+            <a:off x="152400" y="2377440"/>
+            <a:ext cx="4206240" cy="2103120"/>
+          </a:xfrm>
+          <a:prstGeom prst="rect">
+            <a:avLst/>
+          </a:prstGeom>
+        </p:spPr>
+      </p:pic>
+      <p:pic>
+        <p:nvPicPr>
+          <p:cNvPr id="3" name="Picture 2">
+            <a:extLst>
+              <a:ext uri="{FF2B5EF4-FFF2-40B4-BE49-F238E27FC236}">
+                <a16:creationId xmlns:a16="http://schemas.microsoft.com/office/drawing/2014/main" id="{AB9B4A66-D60C-43C2-B362-738706BB5DEC}"/>
+              </a:ext>
+            </a:extLst>
+          </p:cNvPr>
+          <p:cNvPicPr>
+            <a:picLocks noChangeAspect="1"/>
+          </p:cNvPicPr>
+          <p:nvPr/>
+        </p:nvPicPr>
+        <p:blipFill>
+          <a:blip r:embed="rId3"/>
+          <a:stretch>
+            <a:fillRect/>
+          </a:stretch>
+        </p:blipFill>
+        <p:spPr>
+          <a:xfrm>
+            <a:off x="152400" y="4579735"/>
+            <a:ext cx="4206240" cy="2103120"/>
+          </a:xfrm>
+          <a:prstGeom prst="rect">
+            <a:avLst/>
+          </a:prstGeom>
+        </p:spPr>
+      </p:pic>
     </p:spTree>
     <p:extLst>
       <p:ext uri="{BB962C8B-B14F-4D97-AF65-F5344CB8AC3E}">
-        <p14:creationId xmlns:p14="http://schemas.microsoft.com/office/powerpoint/2010/main" val="1407735642"/>
+        <p14:creationId xmlns:p14="http://schemas.microsoft.com/office/powerpoint/2010/main" val="3076025934"/>
       </p:ext>
     </p:extLst>
   </p:cSld>
@@ -4228,7 +5010,7 @@
               <a:rPr lang="en-US" altLang="en-US" b="1" dirty="0">
                 <a:latin typeface="Tahoma" panose="020B0604030504040204" pitchFamily="34" charset="0"/>
               </a:rPr>
-              <a:t>Wind Speed</a:t>
+              <a:t>Air Temperature</a:t>
             </a:r>
             <a:endParaRPr lang="uk-UA" altLang="en-US" b="1" dirty="0">
               <a:latin typeface="Tahoma" panose="020B0604030504040204" pitchFamily="34" charset="0"/>
@@ -4236,49 +5018,70 @@
           </a:p>
         </p:txBody>
       </p:sp>
-      <p:sp>
-        <p:nvSpPr>
-          <p:cNvPr id="36867" name="Rectangle 3">
-            <a:extLst>
-              <a:ext uri="{FF2B5EF4-FFF2-40B4-BE49-F238E27FC236}">
-                <a16:creationId xmlns:a16="http://schemas.microsoft.com/office/drawing/2014/main" id="{C23C7164-0E03-4DD7-9D9B-C0EC897A2618}"/>
-              </a:ext>
-            </a:extLst>
-          </p:cNvPr>
-          <p:cNvSpPr>
-            <a:spLocks noGrp="1" noChangeArrowheads="1"/>
-          </p:cNvSpPr>
-          <p:nvPr>
-            <p:ph type="body" idx="1"/>
-          </p:nvPr>
-        </p:nvSpPr>
-        <p:spPr>
-          <a:xfrm>
-            <a:off x="1258888" y="1773238"/>
-            <a:ext cx="6769100" cy="817562"/>
-          </a:xfrm>
-        </p:spPr>
-        <p:txBody>
-          <a:bodyPr/>
-          <a:lstStyle/>
-          <a:p>
-            <a:pPr marL="0" indent="0">
-              <a:lnSpc>
-                <a:spcPct val="80000"/>
-              </a:lnSpc>
-              <a:buNone/>
-            </a:pPr>
-            <a:endParaRPr lang="en-US" altLang="ko-KR" sz="2000" dirty="0">
-              <a:latin typeface="Verdana" panose="020B0604030504040204" pitchFamily="34" charset="0"/>
-              <a:ea typeface="굴림" panose="020B0600000101010101" pitchFamily="34" charset="-127"/>
-            </a:endParaRPr>
-          </a:p>
-        </p:txBody>
-      </p:sp>
+      <p:pic>
+        <p:nvPicPr>
+          <p:cNvPr id="2" name="Picture 1">
+            <a:extLst>
+              <a:ext uri="{FF2B5EF4-FFF2-40B4-BE49-F238E27FC236}">
+                <a16:creationId xmlns:a16="http://schemas.microsoft.com/office/drawing/2014/main" id="{3ED1D160-DFF6-4574-86AC-93A11EF3ED9E}"/>
+              </a:ext>
+            </a:extLst>
+          </p:cNvPr>
+          <p:cNvPicPr>
+            <a:picLocks noChangeAspect="1"/>
+          </p:cNvPicPr>
+          <p:nvPr/>
+        </p:nvPicPr>
+        <p:blipFill>
+          <a:blip r:embed="rId2"/>
+          <a:stretch>
+            <a:fillRect/>
+          </a:stretch>
+        </p:blipFill>
+        <p:spPr>
+          <a:xfrm>
+            <a:off x="0" y="1874058"/>
+            <a:ext cx="4206240" cy="2103120"/>
+          </a:xfrm>
+          <a:prstGeom prst="rect">
+            <a:avLst/>
+          </a:prstGeom>
+        </p:spPr>
+      </p:pic>
+      <p:pic>
+        <p:nvPicPr>
+          <p:cNvPr id="3" name="Picture 2">
+            <a:extLst>
+              <a:ext uri="{FF2B5EF4-FFF2-40B4-BE49-F238E27FC236}">
+                <a16:creationId xmlns:a16="http://schemas.microsoft.com/office/drawing/2014/main" id="{EB4B64CE-B8F1-419F-BB7F-46E858B52A87}"/>
+              </a:ext>
+            </a:extLst>
+          </p:cNvPr>
+          <p:cNvPicPr>
+            <a:picLocks noChangeAspect="1"/>
+          </p:cNvPicPr>
+          <p:nvPr/>
+        </p:nvPicPr>
+        <p:blipFill>
+          <a:blip r:embed="rId3"/>
+          <a:stretch>
+            <a:fillRect/>
+          </a:stretch>
+        </p:blipFill>
+        <p:spPr>
+          <a:xfrm>
+            <a:off x="0" y="4077998"/>
+            <a:ext cx="4206240" cy="2103120"/>
+          </a:xfrm>
+          <a:prstGeom prst="rect">
+            <a:avLst/>
+          </a:prstGeom>
+        </p:spPr>
+      </p:pic>
     </p:spTree>
     <p:extLst>
       <p:ext uri="{BB962C8B-B14F-4D97-AF65-F5344CB8AC3E}">
-        <p14:creationId xmlns:p14="http://schemas.microsoft.com/office/powerpoint/2010/main" val="2918442361"/>
+        <p14:creationId xmlns:p14="http://schemas.microsoft.com/office/powerpoint/2010/main" val="2652253050"/>
       </p:ext>
     </p:extLst>
   </p:cSld>
